--- a/kiosk흐름도 및 유사클래스다이어그램.pptx
+++ b/kiosk흐름도 및 유사클래스다이어그램.pptx
@@ -6,6 +6,7 @@
   </p:sldMasterIdLst>
   <p:sldIdLst>
     <p:sldId id="256" r:id="rId2"/>
+    <p:sldId id="258" r:id="rId3"/>
   </p:sldIdLst>
   <p:sldSz cx="12192000" cy="6858000"/>
   <p:notesSz cx="6858000" cy="9144000"/>
@@ -104,6 +105,11 @@
       </a:defRPr>
     </a:lvl9pPr>
   </p:defaultTextStyle>
+  <p:extLst>
+    <p:ext uri="{EFAFB233-063F-42B5-8137-9DF3F51BA10A}">
+      <p15:sldGuideLst xmlns:p15="http://schemas.microsoft.com/office/powerpoint/2012/main"/>
+    </p:ext>
+  </p:extLst>
 </p:presentation>
 </file>
 
@@ -4625,6 +4631,1665 @@
 </p:sld>
 </file>
 
+<file path=ppt/slides/slide2.xml><?xml version="1.0" encoding="utf-8"?>
+<p:sld xmlns:a="http://schemas.openxmlformats.org/drawingml/2006/main" xmlns:r="http://schemas.openxmlformats.org/officeDocument/2006/relationships" xmlns:p="http://schemas.openxmlformats.org/presentationml/2006/main">
+  <p:cSld>
+    <p:spTree>
+      <p:nvGrpSpPr>
+        <p:cNvPr id="1" name=""/>
+        <p:cNvGrpSpPr/>
+        <p:nvPr/>
+      </p:nvGrpSpPr>
+      <p:grpSpPr>
+        <a:xfrm>
+          <a:off x="0" y="0"/>
+          <a:ext cx="0" cy="0"/>
+          <a:chOff x="0" y="0"/>
+          <a:chExt cx="0" cy="0"/>
+        </a:xfrm>
+      </p:grpSpPr>
+      <p:sp>
+        <p:nvSpPr>
+          <p:cNvPr id="4" name="직사각형 3"/>
+          <p:cNvSpPr/>
+          <p:nvPr/>
+        </p:nvSpPr>
+        <p:spPr>
+          <a:xfrm>
+            <a:off x="1753986" y="3965171"/>
+            <a:ext cx="1039090" cy="565265"/>
+          </a:xfrm>
+          <a:prstGeom prst="rect">
+            <a:avLst/>
+          </a:prstGeom>
+        </p:spPr>
+        <p:style>
+          <a:lnRef idx="2">
+            <a:schemeClr val="accent1">
+              <a:shade val="50000"/>
+            </a:schemeClr>
+          </a:lnRef>
+          <a:fillRef idx="1">
+            <a:schemeClr val="accent1"/>
+          </a:fillRef>
+          <a:effectRef idx="0">
+            <a:schemeClr val="accent1"/>
+          </a:effectRef>
+          <a:fontRef idx="minor">
+            <a:schemeClr val="lt1"/>
+          </a:fontRef>
+        </p:style>
+        <p:txBody>
+          <a:bodyPr rtlCol="0" anchor="ctr"/>
+          <a:lstStyle/>
+          <a:p>
+            <a:pPr algn="ctr"/>
+            <a:r>
+              <a:rPr lang="en-US" altLang="ko-KR" sz="1200" dirty="0" err="1" smtClean="0"/>
+              <a:t>UserSystem</a:t>
+            </a:r>
+            <a:endParaRPr lang="ko-KR" altLang="en-US" sz="1200" dirty="0"/>
+          </a:p>
+        </p:txBody>
+      </p:sp>
+      <p:sp>
+        <p:nvSpPr>
+          <p:cNvPr id="8" name="직사각형 7"/>
+          <p:cNvSpPr/>
+          <p:nvPr/>
+        </p:nvSpPr>
+        <p:spPr>
+          <a:xfrm>
+            <a:off x="3217026" y="3965171"/>
+            <a:ext cx="1088968" cy="565265"/>
+          </a:xfrm>
+          <a:prstGeom prst="rect">
+            <a:avLst/>
+          </a:prstGeom>
+        </p:spPr>
+        <p:style>
+          <a:lnRef idx="2">
+            <a:schemeClr val="accent1">
+              <a:shade val="50000"/>
+            </a:schemeClr>
+          </a:lnRef>
+          <a:fillRef idx="1">
+            <a:schemeClr val="accent1"/>
+          </a:fillRef>
+          <a:effectRef idx="0">
+            <a:schemeClr val="accent1"/>
+          </a:effectRef>
+          <a:fontRef idx="minor">
+            <a:schemeClr val="lt1"/>
+          </a:fontRef>
+        </p:style>
+        <p:txBody>
+          <a:bodyPr rtlCol="0" anchor="ctr"/>
+          <a:lstStyle/>
+          <a:p>
+            <a:pPr algn="ctr"/>
+            <a:r>
+              <a:rPr lang="en-US" altLang="ko-KR" sz="1200" dirty="0" err="1" smtClean="0"/>
+              <a:t>NotUserSys</a:t>
+            </a:r>
+            <a:endParaRPr lang="ko-KR" altLang="en-US" sz="1200" dirty="0"/>
+          </a:p>
+        </p:txBody>
+      </p:sp>
+      <p:sp>
+        <p:nvSpPr>
+          <p:cNvPr id="9" name="직사각형 8"/>
+          <p:cNvSpPr/>
+          <p:nvPr/>
+        </p:nvSpPr>
+        <p:spPr>
+          <a:xfrm>
+            <a:off x="4827616" y="1321724"/>
+            <a:ext cx="889461" cy="565265"/>
+          </a:xfrm>
+          <a:prstGeom prst="rect">
+            <a:avLst/>
+          </a:prstGeom>
+        </p:spPr>
+        <p:style>
+          <a:lnRef idx="2">
+            <a:schemeClr val="accent1">
+              <a:shade val="50000"/>
+            </a:schemeClr>
+          </a:lnRef>
+          <a:fillRef idx="1">
+            <a:schemeClr val="accent1"/>
+          </a:fillRef>
+          <a:effectRef idx="0">
+            <a:schemeClr val="accent1"/>
+          </a:effectRef>
+          <a:fontRef idx="minor">
+            <a:schemeClr val="lt1"/>
+          </a:fontRef>
+        </p:style>
+        <p:txBody>
+          <a:bodyPr rtlCol="0" anchor="ctr"/>
+          <a:lstStyle/>
+          <a:p>
+            <a:pPr algn="ctr"/>
+            <a:r>
+              <a:rPr lang="en-US" altLang="ko-KR" dirty="0" smtClean="0"/>
+              <a:t>Users</a:t>
+            </a:r>
+            <a:endParaRPr lang="ko-KR" altLang="en-US" dirty="0"/>
+          </a:p>
+        </p:txBody>
+      </p:sp>
+      <p:sp>
+        <p:nvSpPr>
+          <p:cNvPr id="10" name="직사각형 9"/>
+          <p:cNvSpPr/>
+          <p:nvPr/>
+        </p:nvSpPr>
+        <p:spPr>
+          <a:xfrm>
+            <a:off x="4729944" y="3965170"/>
+            <a:ext cx="889461" cy="565265"/>
+          </a:xfrm>
+          <a:prstGeom prst="rect">
+            <a:avLst/>
+          </a:prstGeom>
+        </p:spPr>
+        <p:style>
+          <a:lnRef idx="2">
+            <a:schemeClr val="accent1">
+              <a:shade val="50000"/>
+            </a:schemeClr>
+          </a:lnRef>
+          <a:fillRef idx="1">
+            <a:schemeClr val="accent1"/>
+          </a:fillRef>
+          <a:effectRef idx="0">
+            <a:schemeClr val="accent1"/>
+          </a:effectRef>
+          <a:fontRef idx="minor">
+            <a:schemeClr val="lt1"/>
+          </a:fontRef>
+        </p:style>
+        <p:txBody>
+          <a:bodyPr rtlCol="0" anchor="ctr"/>
+          <a:lstStyle/>
+          <a:p>
+            <a:pPr algn="ctr"/>
+            <a:r>
+              <a:rPr lang="en-US" altLang="ko-KR" sz="1100" dirty="0" err="1" smtClean="0"/>
+              <a:t>AdSystem</a:t>
+            </a:r>
+            <a:endParaRPr lang="ko-KR" altLang="en-US" sz="1100" dirty="0"/>
+          </a:p>
+        </p:txBody>
+      </p:sp>
+      <p:sp>
+        <p:nvSpPr>
+          <p:cNvPr id="11" name="직사각형 10"/>
+          <p:cNvSpPr/>
+          <p:nvPr/>
+        </p:nvSpPr>
+        <p:spPr>
+          <a:xfrm>
+            <a:off x="4804758" y="2926079"/>
+            <a:ext cx="889461" cy="565265"/>
+          </a:xfrm>
+          <a:prstGeom prst="rect">
+            <a:avLst/>
+          </a:prstGeom>
+        </p:spPr>
+        <p:style>
+          <a:lnRef idx="2">
+            <a:schemeClr val="accent1">
+              <a:shade val="50000"/>
+            </a:schemeClr>
+          </a:lnRef>
+          <a:fillRef idx="1">
+            <a:schemeClr val="accent1"/>
+          </a:fillRef>
+          <a:effectRef idx="0">
+            <a:schemeClr val="accent1"/>
+          </a:effectRef>
+          <a:fontRef idx="minor">
+            <a:schemeClr val="lt1"/>
+          </a:fontRef>
+        </p:style>
+        <p:txBody>
+          <a:bodyPr rtlCol="0" anchor="ctr"/>
+          <a:lstStyle/>
+          <a:p>
+            <a:pPr algn="ctr"/>
+            <a:r>
+              <a:rPr lang="en-US" altLang="ko-KR" dirty="0" smtClean="0"/>
+              <a:t>Kiosk</a:t>
+            </a:r>
+            <a:endParaRPr lang="ko-KR" altLang="en-US" dirty="0"/>
+          </a:p>
+        </p:txBody>
+      </p:sp>
+      <p:cxnSp>
+        <p:nvCxnSpPr>
+          <p:cNvPr id="13" name="직선 화살표 연결선 12"/>
+          <p:cNvCxnSpPr>
+            <a:stCxn id="11" idx="2"/>
+            <a:endCxn id="4" idx="0"/>
+          </p:cNvCxnSpPr>
+          <p:nvPr/>
+        </p:nvCxnSpPr>
+        <p:spPr>
+          <a:xfrm flipH="1">
+            <a:off x="2273531" y="3491344"/>
+            <a:ext cx="2975958" cy="473827"/>
+          </a:xfrm>
+          <a:prstGeom prst="straightConnector1">
+            <a:avLst/>
+          </a:prstGeom>
+          <a:ln>
+            <a:tailEnd type="triangle"/>
+          </a:ln>
+        </p:spPr>
+        <p:style>
+          <a:lnRef idx="1">
+            <a:schemeClr val="accent1"/>
+          </a:lnRef>
+          <a:fillRef idx="0">
+            <a:schemeClr val="accent1"/>
+          </a:fillRef>
+          <a:effectRef idx="0">
+            <a:schemeClr val="accent1"/>
+          </a:effectRef>
+          <a:fontRef idx="minor">
+            <a:schemeClr val="tx1"/>
+          </a:fontRef>
+        </p:style>
+      </p:cxnSp>
+      <p:cxnSp>
+        <p:nvCxnSpPr>
+          <p:cNvPr id="15" name="직선 화살표 연결선 14"/>
+          <p:cNvCxnSpPr>
+            <a:stCxn id="11" idx="2"/>
+            <a:endCxn id="8" idx="0"/>
+          </p:cNvCxnSpPr>
+          <p:nvPr/>
+        </p:nvCxnSpPr>
+        <p:spPr>
+          <a:xfrm flipH="1">
+            <a:off x="3761510" y="3491344"/>
+            <a:ext cx="1487979" cy="473827"/>
+          </a:xfrm>
+          <a:prstGeom prst="straightConnector1">
+            <a:avLst/>
+          </a:prstGeom>
+          <a:ln>
+            <a:tailEnd type="triangle"/>
+          </a:ln>
+        </p:spPr>
+        <p:style>
+          <a:lnRef idx="1">
+            <a:schemeClr val="accent1"/>
+          </a:lnRef>
+          <a:fillRef idx="0">
+            <a:schemeClr val="accent1"/>
+          </a:fillRef>
+          <a:effectRef idx="0">
+            <a:schemeClr val="accent1"/>
+          </a:effectRef>
+          <a:fontRef idx="minor">
+            <a:schemeClr val="tx1"/>
+          </a:fontRef>
+        </p:style>
+      </p:cxnSp>
+      <p:cxnSp>
+        <p:nvCxnSpPr>
+          <p:cNvPr id="19" name="직선 화살표 연결선 18"/>
+          <p:cNvCxnSpPr>
+            <a:stCxn id="11" idx="3"/>
+            <a:endCxn id="10" idx="0"/>
+          </p:cNvCxnSpPr>
+          <p:nvPr/>
+        </p:nvCxnSpPr>
+        <p:spPr>
+          <a:xfrm flipH="1">
+            <a:off x="5174675" y="3208712"/>
+            <a:ext cx="519544" cy="756458"/>
+          </a:xfrm>
+          <a:prstGeom prst="straightConnector1">
+            <a:avLst/>
+          </a:prstGeom>
+          <a:ln>
+            <a:tailEnd type="triangle"/>
+          </a:ln>
+        </p:spPr>
+        <p:style>
+          <a:lnRef idx="1">
+            <a:schemeClr val="accent1"/>
+          </a:lnRef>
+          <a:fillRef idx="0">
+            <a:schemeClr val="accent1"/>
+          </a:fillRef>
+          <a:effectRef idx="0">
+            <a:schemeClr val="accent1"/>
+          </a:effectRef>
+          <a:fontRef idx="minor">
+            <a:schemeClr val="tx1"/>
+          </a:fontRef>
+        </p:style>
+      </p:cxnSp>
+      <p:sp>
+        <p:nvSpPr>
+          <p:cNvPr id="26" name="직사각형 25"/>
+          <p:cNvSpPr/>
+          <p:nvPr/>
+        </p:nvSpPr>
+        <p:spPr>
+          <a:xfrm>
+            <a:off x="2460568" y="6112580"/>
+            <a:ext cx="1039090" cy="565265"/>
+          </a:xfrm>
+          <a:prstGeom prst="rect">
+            <a:avLst/>
+          </a:prstGeom>
+        </p:spPr>
+        <p:style>
+          <a:lnRef idx="2">
+            <a:schemeClr val="accent1">
+              <a:shade val="50000"/>
+            </a:schemeClr>
+          </a:lnRef>
+          <a:fillRef idx="1">
+            <a:schemeClr val="accent1"/>
+          </a:fillRef>
+          <a:effectRef idx="0">
+            <a:schemeClr val="accent1"/>
+          </a:effectRef>
+          <a:fontRef idx="minor">
+            <a:schemeClr val="lt1"/>
+          </a:fontRef>
+        </p:style>
+        <p:txBody>
+          <a:bodyPr rtlCol="0" anchor="ctr"/>
+          <a:lstStyle/>
+          <a:p>
+            <a:pPr algn="ctr"/>
+            <a:r>
+              <a:rPr lang="en-US" altLang="ko-KR" sz="1200" dirty="0" smtClean="0"/>
+              <a:t>Purchase</a:t>
+            </a:r>
+            <a:endParaRPr lang="ko-KR" altLang="en-US" sz="1200" dirty="0"/>
+          </a:p>
+        </p:txBody>
+      </p:sp>
+      <p:sp>
+        <p:nvSpPr>
+          <p:cNvPr id="31" name="아래쪽 화살표 30"/>
+          <p:cNvSpPr/>
+          <p:nvPr/>
+        </p:nvSpPr>
+        <p:spPr>
+          <a:xfrm>
+            <a:off x="2980114" y="4671752"/>
+            <a:ext cx="739834" cy="1302330"/>
+          </a:xfrm>
+          <a:prstGeom prst="downArrow">
+            <a:avLst/>
+          </a:prstGeom>
+          <a:noFill/>
+        </p:spPr>
+        <p:style>
+          <a:lnRef idx="2">
+            <a:schemeClr val="accent1">
+              <a:shade val="50000"/>
+            </a:schemeClr>
+          </a:lnRef>
+          <a:fillRef idx="1">
+            <a:schemeClr val="accent1"/>
+          </a:fillRef>
+          <a:effectRef idx="0">
+            <a:schemeClr val="accent1"/>
+          </a:effectRef>
+          <a:fontRef idx="minor">
+            <a:schemeClr val="lt1"/>
+          </a:fontRef>
+        </p:style>
+        <p:txBody>
+          <a:bodyPr rtlCol="0" anchor="ctr"/>
+          <a:lstStyle/>
+          <a:p>
+            <a:pPr algn="ctr"/>
+            <a:endParaRPr lang="ko-KR" altLang="en-US"/>
+          </a:p>
+        </p:txBody>
+      </p:sp>
+      <p:sp>
+        <p:nvSpPr>
+          <p:cNvPr id="32" name="아래쪽 화살표 31"/>
+          <p:cNvSpPr/>
+          <p:nvPr/>
+        </p:nvSpPr>
+        <p:spPr>
+          <a:xfrm>
+            <a:off x="2198715" y="4671752"/>
+            <a:ext cx="739834" cy="1302330"/>
+          </a:xfrm>
+          <a:prstGeom prst="downArrow">
+            <a:avLst/>
+          </a:prstGeom>
+          <a:noFill/>
+        </p:spPr>
+        <p:style>
+          <a:lnRef idx="2">
+            <a:schemeClr val="accent1">
+              <a:shade val="50000"/>
+            </a:schemeClr>
+          </a:lnRef>
+          <a:fillRef idx="1">
+            <a:schemeClr val="accent1"/>
+          </a:fillRef>
+          <a:effectRef idx="0">
+            <a:schemeClr val="accent1"/>
+          </a:effectRef>
+          <a:fontRef idx="minor">
+            <a:schemeClr val="lt1"/>
+          </a:fontRef>
+        </p:style>
+        <p:txBody>
+          <a:bodyPr rtlCol="0" anchor="ctr"/>
+          <a:lstStyle/>
+          <a:p>
+            <a:pPr algn="ctr"/>
+            <a:endParaRPr lang="ko-KR" altLang="en-US"/>
+          </a:p>
+        </p:txBody>
+      </p:sp>
+      <p:sp>
+        <p:nvSpPr>
+          <p:cNvPr id="33" name="오른쪽 화살표 32"/>
+          <p:cNvSpPr/>
+          <p:nvPr/>
+        </p:nvSpPr>
+        <p:spPr>
+          <a:xfrm>
+            <a:off x="3517642" y="6305613"/>
+            <a:ext cx="3398547" cy="261258"/>
+          </a:xfrm>
+          <a:prstGeom prst="rightArrow">
+            <a:avLst/>
+          </a:prstGeom>
+          <a:noFill/>
+        </p:spPr>
+        <p:style>
+          <a:lnRef idx="2">
+            <a:schemeClr val="accent1">
+              <a:shade val="50000"/>
+            </a:schemeClr>
+          </a:lnRef>
+          <a:fillRef idx="1">
+            <a:schemeClr val="accent1"/>
+          </a:fillRef>
+          <a:effectRef idx="0">
+            <a:schemeClr val="accent1"/>
+          </a:effectRef>
+          <a:fontRef idx="minor">
+            <a:schemeClr val="lt1"/>
+          </a:fontRef>
+        </p:style>
+        <p:txBody>
+          <a:bodyPr rtlCol="0" anchor="ctr"/>
+          <a:lstStyle/>
+          <a:p>
+            <a:pPr algn="ctr"/>
+            <a:endParaRPr lang="ko-KR" altLang="en-US"/>
+          </a:p>
+        </p:txBody>
+      </p:sp>
+      <p:sp>
+        <p:nvSpPr>
+          <p:cNvPr id="34" name="직사각형 33"/>
+          <p:cNvSpPr/>
+          <p:nvPr/>
+        </p:nvSpPr>
+        <p:spPr>
+          <a:xfrm>
+            <a:off x="4729944" y="5095700"/>
+            <a:ext cx="1039090" cy="565265"/>
+          </a:xfrm>
+          <a:prstGeom prst="rect">
+            <a:avLst/>
+          </a:prstGeom>
+        </p:spPr>
+        <p:style>
+          <a:lnRef idx="2">
+            <a:schemeClr val="accent1">
+              <a:shade val="50000"/>
+            </a:schemeClr>
+          </a:lnRef>
+          <a:fillRef idx="1">
+            <a:schemeClr val="accent1"/>
+          </a:fillRef>
+          <a:effectRef idx="0">
+            <a:schemeClr val="accent1"/>
+          </a:effectRef>
+          <a:fontRef idx="minor">
+            <a:schemeClr val="lt1"/>
+          </a:fontRef>
+        </p:style>
+        <p:txBody>
+          <a:bodyPr rtlCol="0" anchor="ctr"/>
+          <a:lstStyle/>
+          <a:p>
+            <a:pPr algn="ctr"/>
+            <a:r>
+              <a:rPr lang="en-US" altLang="ko-KR" sz="1200" dirty="0" smtClean="0"/>
+              <a:t>Cash</a:t>
+            </a:r>
+            <a:endParaRPr lang="en-US" altLang="ko-KR" sz="1200" dirty="0" smtClean="0"/>
+          </a:p>
+          <a:p>
+            <a:pPr algn="ctr"/>
+            <a:r>
+              <a:rPr lang="en-US" altLang="ko-KR" sz="1200" dirty="0" smtClean="0"/>
+              <a:t>//Buy</a:t>
+            </a:r>
+            <a:endParaRPr lang="ko-KR" altLang="en-US" sz="1200" dirty="0"/>
+          </a:p>
+        </p:txBody>
+      </p:sp>
+      <p:sp>
+        <p:nvSpPr>
+          <p:cNvPr id="35" name="직사각형 34"/>
+          <p:cNvSpPr/>
+          <p:nvPr/>
+        </p:nvSpPr>
+        <p:spPr>
+          <a:xfrm>
+            <a:off x="6934173" y="6085400"/>
+            <a:ext cx="1039090" cy="565265"/>
+          </a:xfrm>
+          <a:prstGeom prst="rect">
+            <a:avLst/>
+          </a:prstGeom>
+        </p:spPr>
+        <p:style>
+          <a:lnRef idx="2">
+            <a:schemeClr val="accent1">
+              <a:shade val="50000"/>
+            </a:schemeClr>
+          </a:lnRef>
+          <a:fillRef idx="1">
+            <a:schemeClr val="accent1"/>
+          </a:fillRef>
+          <a:effectRef idx="0">
+            <a:schemeClr val="accent1"/>
+          </a:effectRef>
+          <a:fontRef idx="minor">
+            <a:schemeClr val="lt1"/>
+          </a:fontRef>
+        </p:style>
+        <p:txBody>
+          <a:bodyPr rtlCol="0" anchor="ctr"/>
+          <a:lstStyle/>
+          <a:p>
+            <a:pPr algn="ctr"/>
+            <a:r>
+              <a:rPr lang="en-US" altLang="ko-KR" sz="1200" dirty="0" smtClean="0"/>
+              <a:t>Cart</a:t>
+            </a:r>
+          </a:p>
+        </p:txBody>
+      </p:sp>
+      <p:cxnSp>
+        <p:nvCxnSpPr>
+          <p:cNvPr id="37" name="직선 화살표 연결선 36"/>
+          <p:cNvCxnSpPr>
+            <a:stCxn id="11" idx="0"/>
+          </p:cNvCxnSpPr>
+          <p:nvPr/>
+        </p:nvCxnSpPr>
+        <p:spPr>
+          <a:xfrm flipV="1">
+            <a:off x="5249489" y="1886990"/>
+            <a:ext cx="11429" cy="1039089"/>
+          </a:xfrm>
+          <a:prstGeom prst="straightConnector1">
+            <a:avLst/>
+          </a:prstGeom>
+          <a:ln>
+            <a:tailEnd type="triangle"/>
+          </a:ln>
+        </p:spPr>
+        <p:style>
+          <a:lnRef idx="1">
+            <a:schemeClr val="accent1"/>
+          </a:lnRef>
+          <a:fillRef idx="0">
+            <a:schemeClr val="accent1"/>
+          </a:fillRef>
+          <a:effectRef idx="0">
+            <a:schemeClr val="accent1"/>
+          </a:effectRef>
+          <a:fontRef idx="minor">
+            <a:schemeClr val="tx1"/>
+          </a:fontRef>
+        </p:style>
+      </p:cxnSp>
+      <p:sp>
+        <p:nvSpPr>
+          <p:cNvPr id="38" name="오른쪽 화살표 37"/>
+          <p:cNvSpPr/>
+          <p:nvPr/>
+        </p:nvSpPr>
+        <p:spPr>
+          <a:xfrm rot="18693516">
+            <a:off x="5511640" y="4212380"/>
+            <a:ext cx="1821750" cy="319078"/>
+          </a:xfrm>
+          <a:prstGeom prst="rightArrow">
+            <a:avLst/>
+          </a:prstGeom>
+          <a:noFill/>
+        </p:spPr>
+        <p:style>
+          <a:lnRef idx="2">
+            <a:schemeClr val="accent1">
+              <a:shade val="50000"/>
+            </a:schemeClr>
+          </a:lnRef>
+          <a:fillRef idx="1">
+            <a:schemeClr val="accent1"/>
+          </a:fillRef>
+          <a:effectRef idx="0">
+            <a:schemeClr val="accent1"/>
+          </a:effectRef>
+          <a:fontRef idx="minor">
+            <a:schemeClr val="lt1"/>
+          </a:fontRef>
+        </p:style>
+        <p:txBody>
+          <a:bodyPr rtlCol="0" anchor="ctr"/>
+          <a:lstStyle/>
+          <a:p>
+            <a:pPr algn="ctr"/>
+            <a:endParaRPr lang="ko-KR" altLang="en-US"/>
+          </a:p>
+        </p:txBody>
+      </p:sp>
+      <p:sp>
+        <p:nvSpPr>
+          <p:cNvPr id="39" name="TextBox 38"/>
+          <p:cNvSpPr txBox="1"/>
+          <p:nvPr/>
+        </p:nvSpPr>
+        <p:spPr>
+          <a:xfrm>
+            <a:off x="1486528" y="4671752"/>
+            <a:ext cx="998375" cy="261610"/>
+          </a:xfrm>
+          <a:prstGeom prst="rect">
+            <a:avLst/>
+          </a:prstGeom>
+          <a:noFill/>
+        </p:spPr>
+        <p:txBody>
+          <a:bodyPr wrap="square" rtlCol="0">
+            <a:spAutoFit/>
+          </a:bodyPr>
+          <a:lstStyle/>
+          <a:p>
+            <a:r>
+              <a:rPr lang="en-US" altLang="ko-KR" sz="1050" i="1" dirty="0" smtClean="0"/>
+              <a:t>Login Value</a:t>
+            </a:r>
+            <a:endParaRPr lang="ko-KR" altLang="en-US" sz="1050" i="1" dirty="0"/>
+          </a:p>
+        </p:txBody>
+      </p:sp>
+      <p:sp>
+        <p:nvSpPr>
+          <p:cNvPr id="40" name="직사각형 39"/>
+          <p:cNvSpPr/>
+          <p:nvPr/>
+        </p:nvSpPr>
+        <p:spPr>
+          <a:xfrm>
+            <a:off x="6782678" y="793782"/>
+            <a:ext cx="871393" cy="391885"/>
+          </a:xfrm>
+          <a:prstGeom prst="rect">
+            <a:avLst/>
+          </a:prstGeom>
+        </p:spPr>
+        <p:style>
+          <a:lnRef idx="2">
+            <a:schemeClr val="accent1">
+              <a:shade val="50000"/>
+            </a:schemeClr>
+          </a:lnRef>
+          <a:fillRef idx="1">
+            <a:schemeClr val="accent1"/>
+          </a:fillRef>
+          <a:effectRef idx="0">
+            <a:schemeClr val="accent1"/>
+          </a:effectRef>
+          <a:fontRef idx="minor">
+            <a:schemeClr val="lt1"/>
+          </a:fontRef>
+        </p:style>
+        <p:txBody>
+          <a:bodyPr rtlCol="0" anchor="ctr"/>
+          <a:lstStyle/>
+          <a:p>
+            <a:pPr algn="ctr"/>
+            <a:r>
+              <a:rPr lang="en-US" altLang="ko-KR" sz="1200" dirty="0" err="1" smtClean="0"/>
+              <a:t>MData</a:t>
+            </a:r>
+            <a:endParaRPr lang="ko-KR" altLang="en-US" sz="1200" dirty="0"/>
+          </a:p>
+        </p:txBody>
+      </p:sp>
+      <p:sp>
+        <p:nvSpPr>
+          <p:cNvPr id="41" name="직사각형 40"/>
+          <p:cNvSpPr/>
+          <p:nvPr/>
+        </p:nvSpPr>
+        <p:spPr>
+          <a:xfrm>
+            <a:off x="10045423" y="681135"/>
+            <a:ext cx="871393" cy="391885"/>
+          </a:xfrm>
+          <a:prstGeom prst="rect">
+            <a:avLst/>
+          </a:prstGeom>
+        </p:spPr>
+        <p:style>
+          <a:lnRef idx="2">
+            <a:schemeClr val="accent1">
+              <a:shade val="50000"/>
+            </a:schemeClr>
+          </a:lnRef>
+          <a:fillRef idx="1">
+            <a:schemeClr val="accent1"/>
+          </a:fillRef>
+          <a:effectRef idx="0">
+            <a:schemeClr val="accent1"/>
+          </a:effectRef>
+          <a:fontRef idx="minor">
+            <a:schemeClr val="lt1"/>
+          </a:fontRef>
+        </p:style>
+        <p:txBody>
+          <a:bodyPr rtlCol="0" anchor="ctr"/>
+          <a:lstStyle/>
+          <a:p>
+            <a:pPr algn="ctr"/>
+            <a:r>
+              <a:rPr lang="en-US" altLang="ko-KR" sz="1200" dirty="0" smtClean="0"/>
+              <a:t>Members</a:t>
+            </a:r>
+            <a:endParaRPr lang="ko-KR" altLang="en-US" sz="1200" dirty="0"/>
+          </a:p>
+        </p:txBody>
+      </p:sp>
+      <p:sp>
+        <p:nvSpPr>
+          <p:cNvPr id="42" name="직사각형 41"/>
+          <p:cNvSpPr/>
+          <p:nvPr/>
+        </p:nvSpPr>
+        <p:spPr>
+          <a:xfrm>
+            <a:off x="10045423" y="2256312"/>
+            <a:ext cx="871393" cy="391885"/>
+          </a:xfrm>
+          <a:prstGeom prst="rect">
+            <a:avLst/>
+          </a:prstGeom>
+        </p:spPr>
+        <p:style>
+          <a:lnRef idx="2">
+            <a:schemeClr val="accent1">
+              <a:shade val="50000"/>
+            </a:schemeClr>
+          </a:lnRef>
+          <a:fillRef idx="1">
+            <a:schemeClr val="accent1"/>
+          </a:fillRef>
+          <a:effectRef idx="0">
+            <a:schemeClr val="accent1"/>
+          </a:effectRef>
+          <a:fontRef idx="minor">
+            <a:schemeClr val="lt1"/>
+          </a:fontRef>
+        </p:style>
+        <p:txBody>
+          <a:bodyPr rtlCol="0" anchor="ctr"/>
+          <a:lstStyle/>
+          <a:p>
+            <a:pPr algn="ctr"/>
+            <a:r>
+              <a:rPr lang="en-US" altLang="ko-KR" sz="1200" dirty="0" smtClean="0"/>
+              <a:t>Products</a:t>
+            </a:r>
+            <a:endParaRPr lang="ko-KR" altLang="en-US" sz="1200" dirty="0"/>
+          </a:p>
+        </p:txBody>
+      </p:sp>
+      <p:sp>
+        <p:nvSpPr>
+          <p:cNvPr id="49" name="직사각형 48"/>
+          <p:cNvSpPr/>
+          <p:nvPr/>
+        </p:nvSpPr>
+        <p:spPr>
+          <a:xfrm>
+            <a:off x="6782678" y="2926079"/>
+            <a:ext cx="942392" cy="535577"/>
+          </a:xfrm>
+          <a:prstGeom prst="rect">
+            <a:avLst/>
+          </a:prstGeom>
+          <a:solidFill>
+            <a:schemeClr val="tx1"/>
+          </a:solidFill>
+        </p:spPr>
+        <p:style>
+          <a:lnRef idx="2">
+            <a:schemeClr val="accent1">
+              <a:shade val="50000"/>
+            </a:schemeClr>
+          </a:lnRef>
+          <a:fillRef idx="1">
+            <a:schemeClr val="accent1"/>
+          </a:fillRef>
+          <a:effectRef idx="0">
+            <a:schemeClr val="accent1"/>
+          </a:effectRef>
+          <a:fontRef idx="minor">
+            <a:schemeClr val="lt1"/>
+          </a:fontRef>
+        </p:style>
+        <p:txBody>
+          <a:bodyPr rtlCol="0" anchor="ctr"/>
+          <a:lstStyle/>
+          <a:p>
+            <a:pPr algn="ctr"/>
+            <a:r>
+              <a:rPr lang="en-US" altLang="ko-KR" dirty="0" smtClean="0"/>
+              <a:t>Project</a:t>
+            </a:r>
+            <a:endParaRPr lang="ko-KR" altLang="en-US" dirty="0"/>
+          </a:p>
+        </p:txBody>
+      </p:sp>
+      <p:sp>
+        <p:nvSpPr>
+          <p:cNvPr id="50" name="오른쪽 화살표 49"/>
+          <p:cNvSpPr/>
+          <p:nvPr/>
+        </p:nvSpPr>
+        <p:spPr>
+          <a:xfrm>
+            <a:off x="5840963" y="3125755"/>
+            <a:ext cx="783772" cy="167951"/>
+          </a:xfrm>
+          <a:prstGeom prst="rightArrow">
+            <a:avLst/>
+          </a:prstGeom>
+          <a:noFill/>
+        </p:spPr>
+        <p:style>
+          <a:lnRef idx="2">
+            <a:schemeClr val="accent1">
+              <a:shade val="50000"/>
+            </a:schemeClr>
+          </a:lnRef>
+          <a:fillRef idx="1">
+            <a:schemeClr val="accent1"/>
+          </a:fillRef>
+          <a:effectRef idx="0">
+            <a:schemeClr val="accent1"/>
+          </a:effectRef>
+          <a:fontRef idx="minor">
+            <a:schemeClr val="lt1"/>
+          </a:fontRef>
+        </p:style>
+        <p:txBody>
+          <a:bodyPr rtlCol="0" anchor="ctr"/>
+          <a:lstStyle/>
+          <a:p>
+            <a:pPr algn="ctr"/>
+            <a:endParaRPr lang="ko-KR" altLang="en-US"/>
+          </a:p>
+        </p:txBody>
+      </p:sp>
+      <p:sp>
+        <p:nvSpPr>
+          <p:cNvPr id="51" name="아래쪽 화살표 50"/>
+          <p:cNvSpPr/>
+          <p:nvPr/>
+        </p:nvSpPr>
+        <p:spPr>
+          <a:xfrm rot="10800000">
+            <a:off x="7253872" y="3476143"/>
+            <a:ext cx="224061" cy="2497939"/>
+          </a:xfrm>
+          <a:prstGeom prst="downArrow">
+            <a:avLst/>
+          </a:prstGeom>
+          <a:noFill/>
+        </p:spPr>
+        <p:style>
+          <a:lnRef idx="2">
+            <a:schemeClr val="accent1">
+              <a:shade val="50000"/>
+            </a:schemeClr>
+          </a:lnRef>
+          <a:fillRef idx="1">
+            <a:schemeClr val="accent1"/>
+          </a:fillRef>
+          <a:effectRef idx="0">
+            <a:schemeClr val="accent1"/>
+          </a:effectRef>
+          <a:fontRef idx="minor">
+            <a:schemeClr val="lt1"/>
+          </a:fontRef>
+        </p:style>
+        <p:txBody>
+          <a:bodyPr rtlCol="0" anchor="ctr"/>
+          <a:lstStyle/>
+          <a:p>
+            <a:pPr algn="ctr"/>
+            <a:endParaRPr lang="ko-KR" altLang="en-US"/>
+          </a:p>
+        </p:txBody>
+      </p:sp>
+      <p:sp>
+        <p:nvSpPr>
+          <p:cNvPr id="52" name="아래쪽 화살표 51"/>
+          <p:cNvSpPr/>
+          <p:nvPr/>
+        </p:nvSpPr>
+        <p:spPr>
+          <a:xfrm rot="14562105">
+            <a:off x="5973448" y="3434930"/>
+            <a:ext cx="410955" cy="950712"/>
+          </a:xfrm>
+          <a:prstGeom prst="downArrow">
+            <a:avLst/>
+          </a:prstGeom>
+          <a:noFill/>
+        </p:spPr>
+        <p:style>
+          <a:lnRef idx="2">
+            <a:schemeClr val="accent1">
+              <a:shade val="50000"/>
+            </a:schemeClr>
+          </a:lnRef>
+          <a:fillRef idx="1">
+            <a:schemeClr val="accent1"/>
+          </a:fillRef>
+          <a:effectRef idx="0">
+            <a:schemeClr val="accent1"/>
+          </a:effectRef>
+          <a:fontRef idx="minor">
+            <a:schemeClr val="lt1"/>
+          </a:fontRef>
+        </p:style>
+        <p:txBody>
+          <a:bodyPr rtlCol="0" anchor="ctr"/>
+          <a:lstStyle/>
+          <a:p>
+            <a:pPr algn="ctr"/>
+            <a:endParaRPr lang="ko-KR" altLang="en-US"/>
+          </a:p>
+        </p:txBody>
+      </p:sp>
+      <p:sp>
+        <p:nvSpPr>
+          <p:cNvPr id="53" name="아래쪽 화살표 52"/>
+          <p:cNvSpPr/>
+          <p:nvPr/>
+        </p:nvSpPr>
+        <p:spPr>
+          <a:xfrm>
+            <a:off x="7218374" y="1215353"/>
+            <a:ext cx="259559" cy="1611823"/>
+          </a:xfrm>
+          <a:prstGeom prst="downArrow">
+            <a:avLst/>
+          </a:prstGeom>
+          <a:noFill/>
+        </p:spPr>
+        <p:style>
+          <a:lnRef idx="2">
+            <a:schemeClr val="accent1">
+              <a:shade val="50000"/>
+            </a:schemeClr>
+          </a:lnRef>
+          <a:fillRef idx="1">
+            <a:schemeClr val="accent1"/>
+          </a:fillRef>
+          <a:effectRef idx="0">
+            <a:schemeClr val="accent1"/>
+          </a:effectRef>
+          <a:fontRef idx="minor">
+            <a:schemeClr val="lt1"/>
+          </a:fontRef>
+        </p:style>
+        <p:txBody>
+          <a:bodyPr rtlCol="0" anchor="ctr"/>
+          <a:lstStyle/>
+          <a:p>
+            <a:pPr algn="ctr"/>
+            <a:endParaRPr lang="ko-KR" altLang="en-US"/>
+          </a:p>
+        </p:txBody>
+      </p:sp>
+      <p:cxnSp>
+        <p:nvCxnSpPr>
+          <p:cNvPr id="55" name="직선 화살표 연결선 54"/>
+          <p:cNvCxnSpPr>
+            <a:endCxn id="49" idx="3"/>
+          </p:cNvCxnSpPr>
+          <p:nvPr/>
+        </p:nvCxnSpPr>
+        <p:spPr>
+          <a:xfrm flipH="1" flipV="1">
+            <a:off x="7725070" y="3193868"/>
+            <a:ext cx="784448" cy="99838"/>
+          </a:xfrm>
+          <a:prstGeom prst="straightConnector1">
+            <a:avLst/>
+          </a:prstGeom>
+          <a:ln>
+            <a:solidFill>
+              <a:schemeClr val="tx1"/>
+            </a:solidFill>
+            <a:tailEnd type="triangle"/>
+          </a:ln>
+        </p:spPr>
+        <p:style>
+          <a:lnRef idx="1">
+            <a:schemeClr val="accent1"/>
+          </a:lnRef>
+          <a:fillRef idx="0">
+            <a:schemeClr val="accent1"/>
+          </a:fillRef>
+          <a:effectRef idx="0">
+            <a:schemeClr val="accent1"/>
+          </a:effectRef>
+          <a:fontRef idx="minor">
+            <a:schemeClr val="tx1"/>
+          </a:fontRef>
+        </p:style>
+      </p:cxnSp>
+      <p:sp>
+        <p:nvSpPr>
+          <p:cNvPr id="56" name="TextBox 55"/>
+          <p:cNvSpPr txBox="1"/>
+          <p:nvPr/>
+        </p:nvSpPr>
+        <p:spPr>
+          <a:xfrm>
+            <a:off x="8425542" y="3125755"/>
+            <a:ext cx="1483567" cy="369332"/>
+          </a:xfrm>
+          <a:prstGeom prst="rect">
+            <a:avLst/>
+          </a:prstGeom>
+          <a:noFill/>
+        </p:spPr>
+        <p:txBody>
+          <a:bodyPr wrap="square" rtlCol="0">
+            <a:spAutoFit/>
+          </a:bodyPr>
+          <a:lstStyle/>
+          <a:p>
+            <a:r>
+              <a:rPr lang="en-US" altLang="ko-KR" dirty="0" smtClean="0"/>
+              <a:t>DB</a:t>
+            </a:r>
+            <a:r>
+              <a:rPr lang="ko-KR" altLang="en-US" dirty="0" smtClean="0"/>
+              <a:t>대체 자료</a:t>
+            </a:r>
+            <a:endParaRPr lang="ko-KR" altLang="en-US" dirty="0"/>
+          </a:p>
+        </p:txBody>
+      </p:sp>
+      <p:sp>
+        <p:nvSpPr>
+          <p:cNvPr id="59" name="TextBox 58"/>
+          <p:cNvSpPr txBox="1"/>
+          <p:nvPr/>
+        </p:nvSpPr>
+        <p:spPr>
+          <a:xfrm>
+            <a:off x="1807089" y="5141053"/>
+            <a:ext cx="891539" cy="276999"/>
+          </a:xfrm>
+          <a:prstGeom prst="rect">
+            <a:avLst/>
+          </a:prstGeom>
+          <a:noFill/>
+        </p:spPr>
+        <p:txBody>
+          <a:bodyPr wrap="square" rtlCol="0">
+            <a:spAutoFit/>
+          </a:bodyPr>
+          <a:lstStyle/>
+          <a:p>
+            <a:r>
+              <a:rPr lang="en-US" altLang="ko-KR" sz="1200" dirty="0" err="1" smtClean="0"/>
+              <a:t>testAge</a:t>
+            </a:r>
+            <a:r>
+              <a:rPr lang="en-US" altLang="ko-KR" sz="1200" dirty="0" smtClean="0"/>
+              <a:t>()</a:t>
+            </a:r>
+            <a:endParaRPr lang="ko-KR" altLang="en-US" dirty="0"/>
+          </a:p>
+        </p:txBody>
+      </p:sp>
+      <p:sp>
+        <p:nvSpPr>
+          <p:cNvPr id="60" name="TextBox 59"/>
+          <p:cNvSpPr txBox="1"/>
+          <p:nvPr/>
+        </p:nvSpPr>
+        <p:spPr>
+          <a:xfrm>
+            <a:off x="1305000" y="4114065"/>
+            <a:ext cx="711674" cy="461665"/>
+          </a:xfrm>
+          <a:prstGeom prst="rect">
+            <a:avLst/>
+          </a:prstGeom>
+          <a:noFill/>
+        </p:spPr>
+        <p:txBody>
+          <a:bodyPr wrap="square" rtlCol="0">
+            <a:spAutoFit/>
+          </a:bodyPr>
+          <a:lstStyle/>
+          <a:p>
+            <a:r>
+              <a:rPr lang="en-US" altLang="ko-KR" sz="1200" dirty="0" smtClean="0"/>
+              <a:t>login()</a:t>
+            </a:r>
+          </a:p>
+          <a:p>
+            <a:r>
+              <a:rPr lang="en-US" altLang="ko-KR" sz="1200" dirty="0" smtClean="0"/>
+              <a:t>{//User }</a:t>
+            </a:r>
+            <a:endParaRPr lang="ko-KR" altLang="en-US" dirty="0"/>
+          </a:p>
+        </p:txBody>
+      </p:sp>
+      <p:cxnSp>
+        <p:nvCxnSpPr>
+          <p:cNvPr id="72" name="꺾인 연결선 71"/>
+          <p:cNvCxnSpPr>
+            <a:stCxn id="59" idx="1"/>
+            <a:endCxn id="9" idx="1"/>
+          </p:cNvCxnSpPr>
+          <p:nvPr/>
+        </p:nvCxnSpPr>
+        <p:spPr>
+          <a:xfrm rot="10800000" flipH="1">
+            <a:off x="1807088" y="1604357"/>
+            <a:ext cx="3020527" cy="3675196"/>
+          </a:xfrm>
+          <a:prstGeom prst="bentConnector3">
+            <a:avLst>
+              <a:gd name="adj1" fmla="val -35370"/>
+            </a:avLst>
+          </a:prstGeom>
+          <a:ln>
+            <a:tailEnd type="triangle"/>
+          </a:ln>
+        </p:spPr>
+        <p:style>
+          <a:lnRef idx="1">
+            <a:schemeClr val="accent1"/>
+          </a:lnRef>
+          <a:fillRef idx="0">
+            <a:schemeClr val="accent1"/>
+          </a:fillRef>
+          <a:effectRef idx="0">
+            <a:schemeClr val="accent1"/>
+          </a:effectRef>
+          <a:fontRef idx="minor">
+            <a:schemeClr val="tx1"/>
+          </a:fontRef>
+        </p:style>
+      </p:cxnSp>
+      <p:sp>
+        <p:nvSpPr>
+          <p:cNvPr id="80" name="TextBox 79"/>
+          <p:cNvSpPr txBox="1"/>
+          <p:nvPr/>
+        </p:nvSpPr>
+        <p:spPr>
+          <a:xfrm>
+            <a:off x="1160348" y="2824535"/>
+            <a:ext cx="867113" cy="369332"/>
+          </a:xfrm>
+          <a:prstGeom prst="rect">
+            <a:avLst/>
+          </a:prstGeom>
+          <a:noFill/>
+        </p:spPr>
+        <p:txBody>
+          <a:bodyPr wrap="square" rtlCol="0">
+            <a:spAutoFit/>
+          </a:bodyPr>
+          <a:lstStyle/>
+          <a:p>
+            <a:r>
+              <a:rPr lang="en-US" altLang="ko-KR" dirty="0" smtClean="0"/>
+              <a:t>??</a:t>
+            </a:r>
+            <a:endParaRPr lang="ko-KR" altLang="en-US" dirty="0"/>
+          </a:p>
+        </p:txBody>
+      </p:sp>
+      <p:cxnSp>
+        <p:nvCxnSpPr>
+          <p:cNvPr id="82" name="직선 화살표 연결선 81"/>
+          <p:cNvCxnSpPr/>
+          <p:nvPr/>
+        </p:nvCxnSpPr>
+        <p:spPr>
+          <a:xfrm>
+            <a:off x="3610947" y="615820"/>
+            <a:ext cx="1216668" cy="802433"/>
+          </a:xfrm>
+          <a:prstGeom prst="straightConnector1">
+            <a:avLst/>
+          </a:prstGeom>
+          <a:ln>
+            <a:solidFill>
+              <a:schemeClr val="tx1"/>
+            </a:solidFill>
+            <a:tailEnd type="triangle"/>
+          </a:ln>
+        </p:spPr>
+        <p:style>
+          <a:lnRef idx="1">
+            <a:schemeClr val="accent1"/>
+          </a:lnRef>
+          <a:fillRef idx="0">
+            <a:schemeClr val="accent1"/>
+          </a:fillRef>
+          <a:effectRef idx="0">
+            <a:schemeClr val="accent1"/>
+          </a:effectRef>
+          <a:fontRef idx="minor">
+            <a:schemeClr val="tx1"/>
+          </a:fontRef>
+        </p:style>
+      </p:cxnSp>
+      <p:sp>
+        <p:nvSpPr>
+          <p:cNvPr id="83" name="TextBox 82"/>
+          <p:cNvSpPr txBox="1"/>
+          <p:nvPr/>
+        </p:nvSpPr>
+        <p:spPr>
+          <a:xfrm>
+            <a:off x="2793076" y="190708"/>
+            <a:ext cx="1512918" cy="1384995"/>
+          </a:xfrm>
+          <a:prstGeom prst="rect">
+            <a:avLst/>
+          </a:prstGeom>
+          <a:noFill/>
+        </p:spPr>
+        <p:txBody>
+          <a:bodyPr wrap="square" rtlCol="0">
+            <a:spAutoFit/>
+          </a:bodyPr>
+          <a:lstStyle/>
+          <a:p>
+            <a:r>
+              <a:rPr lang="en-US" altLang="ko-KR" sz="1400" dirty="0" err="1" smtClean="0"/>
+              <a:t>ssn</a:t>
+            </a:r>
+            <a:endParaRPr lang="en-US" altLang="ko-KR" sz="1400" dirty="0" smtClean="0"/>
+          </a:p>
+          <a:p>
+            <a:r>
+              <a:rPr lang="en-US" altLang="ko-KR" sz="1400" dirty="0" smtClean="0"/>
+              <a:t>&gt;</a:t>
+            </a:r>
+            <a:r>
+              <a:rPr lang="ko-KR" altLang="en-US" sz="1400" dirty="0" smtClean="0"/>
+              <a:t>유효성</a:t>
+            </a:r>
+            <a:endParaRPr lang="en-US" altLang="ko-KR" sz="1400" dirty="0" smtClean="0"/>
+          </a:p>
+          <a:p>
+            <a:r>
+              <a:rPr lang="en-US" altLang="ko-KR" sz="1400" dirty="0" smtClean="0"/>
+              <a:t>&gt;</a:t>
+            </a:r>
+            <a:r>
+              <a:rPr lang="ko-KR" altLang="en-US" sz="1400" dirty="0" err="1" smtClean="0"/>
+              <a:t>성인여부</a:t>
+            </a:r>
+            <a:endParaRPr lang="en-US" altLang="ko-KR" sz="1400" dirty="0" smtClean="0"/>
+          </a:p>
+          <a:p>
+            <a:r>
+              <a:rPr lang="ko-KR" altLang="en-US" sz="1400" dirty="0" smtClean="0"/>
+              <a:t>핸드폰 유효성</a:t>
+            </a:r>
+            <a:endParaRPr lang="en-US" altLang="ko-KR" sz="1400" dirty="0" smtClean="0"/>
+          </a:p>
+          <a:p>
+            <a:r>
+              <a:rPr lang="ko-KR" altLang="en-US" sz="1400" dirty="0" smtClean="0"/>
+              <a:t>회원가입</a:t>
+            </a:r>
+            <a:endParaRPr lang="en-US" altLang="ko-KR" sz="1400" dirty="0" smtClean="0"/>
+          </a:p>
+          <a:p>
+            <a:r>
+              <a:rPr lang="en-US" altLang="ko-KR" sz="1400" dirty="0" smtClean="0"/>
+              <a:t>//</a:t>
+            </a:r>
+            <a:r>
+              <a:rPr lang="ko-KR" altLang="en-US" sz="1400" dirty="0" smtClean="0"/>
+              <a:t>로그아웃</a:t>
+            </a:r>
+            <a:endParaRPr lang="ko-KR" altLang="en-US" sz="1400" dirty="0"/>
+          </a:p>
+        </p:txBody>
+      </p:sp>
+      <p:cxnSp>
+        <p:nvCxnSpPr>
+          <p:cNvPr id="85" name="꺾인 연결선 84"/>
+          <p:cNvCxnSpPr>
+            <a:stCxn id="60" idx="1"/>
+          </p:cNvCxnSpPr>
+          <p:nvPr/>
+        </p:nvCxnSpPr>
+        <p:spPr>
+          <a:xfrm rot="10800000" flipH="1">
+            <a:off x="1305000" y="1817762"/>
+            <a:ext cx="3511188" cy="2527136"/>
+          </a:xfrm>
+          <a:prstGeom prst="bentConnector3">
+            <a:avLst>
+              <a:gd name="adj1" fmla="val -6511"/>
+            </a:avLst>
+          </a:prstGeom>
+          <a:ln>
+            <a:solidFill>
+              <a:schemeClr val="accent1">
+                <a:alpha val="27000"/>
+              </a:schemeClr>
+            </a:solidFill>
+          </a:ln>
+        </p:spPr>
+        <p:style>
+          <a:lnRef idx="1">
+            <a:schemeClr val="accent1"/>
+          </a:lnRef>
+          <a:fillRef idx="0">
+            <a:schemeClr val="accent1"/>
+          </a:fillRef>
+          <a:effectRef idx="0">
+            <a:schemeClr val="accent1"/>
+          </a:effectRef>
+          <a:fontRef idx="minor">
+            <a:schemeClr val="tx1"/>
+          </a:fontRef>
+        </p:style>
+      </p:cxnSp>
+      <p:sp>
+        <p:nvSpPr>
+          <p:cNvPr id="97" name="TextBox 96"/>
+          <p:cNvSpPr txBox="1"/>
+          <p:nvPr/>
+        </p:nvSpPr>
+        <p:spPr>
+          <a:xfrm>
+            <a:off x="780079" y="1114038"/>
+            <a:ext cx="989045" cy="461665"/>
+          </a:xfrm>
+          <a:prstGeom prst="rect">
+            <a:avLst/>
+          </a:prstGeom>
+          <a:noFill/>
+        </p:spPr>
+        <p:txBody>
+          <a:bodyPr wrap="square" rtlCol="0">
+            <a:spAutoFit/>
+          </a:bodyPr>
+          <a:lstStyle/>
+          <a:p>
+            <a:r>
+              <a:rPr lang="en-US" altLang="ko-KR" sz="1200" dirty="0" err="1" smtClean="0"/>
+              <a:t>ssnAva</a:t>
+            </a:r>
+            <a:r>
+              <a:rPr lang="en-US" altLang="ko-KR" sz="1200" dirty="0" smtClean="0"/>
+              <a:t>()</a:t>
+            </a:r>
+          </a:p>
+          <a:p>
+            <a:r>
+              <a:rPr lang="en-US" altLang="ko-KR" sz="1200" dirty="0" err="1" smtClean="0"/>
+              <a:t>ssnAdult</a:t>
+            </a:r>
+            <a:r>
+              <a:rPr lang="en-US" altLang="ko-KR" sz="1200" dirty="0" smtClean="0"/>
+              <a:t>()</a:t>
+            </a:r>
+            <a:endParaRPr lang="ko-KR" altLang="en-US" sz="1200" dirty="0"/>
+          </a:p>
+        </p:txBody>
+      </p:sp>
+      <p:sp>
+        <p:nvSpPr>
+          <p:cNvPr id="98" name="직사각형 97"/>
+          <p:cNvSpPr/>
+          <p:nvPr/>
+        </p:nvSpPr>
+        <p:spPr>
+          <a:xfrm>
+            <a:off x="9806473" y="475861"/>
+            <a:ext cx="1866123" cy="2348674"/>
+          </a:xfrm>
+          <a:prstGeom prst="rect">
+            <a:avLst/>
+          </a:prstGeom>
+          <a:noFill/>
+        </p:spPr>
+        <p:style>
+          <a:lnRef idx="2">
+            <a:schemeClr val="accent1">
+              <a:shade val="50000"/>
+            </a:schemeClr>
+          </a:lnRef>
+          <a:fillRef idx="1">
+            <a:schemeClr val="accent1"/>
+          </a:fillRef>
+          <a:effectRef idx="0">
+            <a:schemeClr val="accent1"/>
+          </a:effectRef>
+          <a:fontRef idx="minor">
+            <a:schemeClr val="lt1"/>
+          </a:fontRef>
+        </p:style>
+        <p:txBody>
+          <a:bodyPr rtlCol="0" anchor="ctr"/>
+          <a:lstStyle/>
+          <a:p>
+            <a:pPr algn="ctr"/>
+            <a:endParaRPr lang="ko-KR" altLang="en-US"/>
+          </a:p>
+        </p:txBody>
+      </p:sp>
+      <p:sp>
+        <p:nvSpPr>
+          <p:cNvPr id="99" name="TextBox 98"/>
+          <p:cNvSpPr txBox="1"/>
+          <p:nvPr/>
+        </p:nvSpPr>
+        <p:spPr>
+          <a:xfrm>
+            <a:off x="9797143" y="190708"/>
+            <a:ext cx="1492898" cy="369332"/>
+          </a:xfrm>
+          <a:prstGeom prst="rect">
+            <a:avLst/>
+          </a:prstGeom>
+          <a:noFill/>
+        </p:spPr>
+        <p:txBody>
+          <a:bodyPr wrap="square" rtlCol="0">
+            <a:spAutoFit/>
+          </a:bodyPr>
+          <a:lstStyle/>
+          <a:p>
+            <a:r>
+              <a:rPr lang="en-US" altLang="ko-KR" dirty="0" smtClean="0"/>
+              <a:t>source</a:t>
+            </a:r>
+            <a:endParaRPr lang="ko-KR" altLang="en-US" dirty="0"/>
+          </a:p>
+        </p:txBody>
+      </p:sp>
+      <p:sp>
+        <p:nvSpPr>
+          <p:cNvPr id="101" name="TextBox 100"/>
+          <p:cNvSpPr txBox="1"/>
+          <p:nvPr/>
+        </p:nvSpPr>
+        <p:spPr>
+          <a:xfrm>
+            <a:off x="5174674" y="5505061"/>
+            <a:ext cx="1515375" cy="276999"/>
+          </a:xfrm>
+          <a:prstGeom prst="rect">
+            <a:avLst/>
+          </a:prstGeom>
+          <a:noFill/>
+        </p:spPr>
+        <p:txBody>
+          <a:bodyPr wrap="square" rtlCol="0">
+            <a:spAutoFit/>
+          </a:bodyPr>
+          <a:lstStyle/>
+          <a:p>
+            <a:r>
+              <a:rPr lang="en-US" altLang="ko-KR" sz="1200" u="sng" dirty="0" err="1" smtClean="0"/>
+              <a:t>calCateTot</a:t>
+            </a:r>
+            <a:r>
+              <a:rPr lang="en-US" altLang="ko-KR" sz="1200" u="sng" dirty="0" smtClean="0"/>
+              <a:t>()</a:t>
+            </a:r>
+            <a:endParaRPr lang="ko-KR" altLang="en-US" u="sng" dirty="0"/>
+          </a:p>
+        </p:txBody>
+      </p:sp>
+      <p:cxnSp>
+        <p:nvCxnSpPr>
+          <p:cNvPr id="5" name="직선 화살표 연결선 4"/>
+          <p:cNvCxnSpPr>
+            <a:stCxn id="6" idx="0"/>
+            <a:endCxn id="34" idx="1"/>
+          </p:cNvCxnSpPr>
+          <p:nvPr/>
+        </p:nvCxnSpPr>
+        <p:spPr>
+          <a:xfrm flipV="1">
+            <a:off x="4324696" y="5378333"/>
+            <a:ext cx="405248" cy="369640"/>
+          </a:xfrm>
+          <a:prstGeom prst="straightConnector1">
+            <a:avLst/>
+          </a:prstGeom>
+          <a:ln>
+            <a:solidFill>
+              <a:schemeClr val="tx1"/>
+            </a:solidFill>
+            <a:tailEnd type="triangle"/>
+          </a:ln>
+        </p:spPr>
+        <p:style>
+          <a:lnRef idx="1">
+            <a:schemeClr val="accent1"/>
+          </a:lnRef>
+          <a:fillRef idx="0">
+            <a:schemeClr val="accent1"/>
+          </a:fillRef>
+          <a:effectRef idx="0">
+            <a:schemeClr val="accent1"/>
+          </a:effectRef>
+          <a:fontRef idx="minor">
+            <a:schemeClr val="tx1"/>
+          </a:fontRef>
+        </p:style>
+      </p:cxnSp>
+      <p:sp>
+        <p:nvSpPr>
+          <p:cNvPr id="6" name="TextBox 5"/>
+          <p:cNvSpPr txBox="1"/>
+          <p:nvPr/>
+        </p:nvSpPr>
+        <p:spPr>
+          <a:xfrm>
+            <a:off x="3573538" y="5747973"/>
+            <a:ext cx="1601135" cy="276999"/>
+          </a:xfrm>
+          <a:prstGeom prst="rect">
+            <a:avLst/>
+          </a:prstGeom>
+          <a:noFill/>
+        </p:spPr>
+        <p:txBody>
+          <a:bodyPr wrap="square" rtlCol="0">
+            <a:spAutoFit/>
+          </a:bodyPr>
+          <a:lstStyle/>
+          <a:p>
+            <a:r>
+              <a:rPr lang="ko-KR" altLang="en-US" sz="1200" dirty="0" smtClean="0"/>
+              <a:t>완전히 </a:t>
+            </a:r>
+            <a:r>
+              <a:rPr lang="en-US" altLang="ko-KR" sz="1200" dirty="0" smtClean="0"/>
+              <a:t>Counter</a:t>
+            </a:r>
+            <a:r>
+              <a:rPr lang="ko-KR" altLang="en-US" sz="1200" dirty="0" smtClean="0"/>
+              <a:t>역할</a:t>
+            </a:r>
+            <a:endParaRPr lang="ko-KR" altLang="en-US" sz="1200" dirty="0"/>
+          </a:p>
+        </p:txBody>
+      </p:sp>
+    </p:spTree>
+    <p:extLst>
+      <p:ext uri="{BB962C8B-B14F-4D97-AF65-F5344CB8AC3E}">
+        <p14:creationId xmlns:p14="http://schemas.microsoft.com/office/powerpoint/2010/main" val="1050193391"/>
+      </p:ext>
+    </p:extLst>
+  </p:cSld>
+  <p:clrMapOvr>
+    <a:masterClrMapping/>
+  </p:clrMapOvr>
+</p:sld>
+</file>
+
 <file path=ppt/theme/theme1.xml><?xml version="1.0" encoding="utf-8"?>
 <a:theme xmlns:a="http://schemas.openxmlformats.org/drawingml/2006/main" name="Office 테마">
   <a:themeElements>

--- a/kiosk흐름도 및 유사클래스다이어그램.pptx
+++ b/kiosk흐름도 및 유사클래스다이어그램.pptx
@@ -1,12 +1,13 @@
 
 <file path=ppt/presentation.xml><?xml version="1.0" encoding="utf-8"?>
-<p:presentation xmlns:a="http://schemas.openxmlformats.org/drawingml/2006/main" xmlns:r="http://schemas.openxmlformats.org/officeDocument/2006/relationships" xmlns:p="http://schemas.openxmlformats.org/presentationml/2006/main" saveSubsetFonts="1">
+<p:presentation xmlns:r="http://schemas.openxmlformats.org/officeDocument/2006/relationships" xmlns:c="http://schemas.openxmlformats.org/drawingml/2006/chart" xmlns:a="http://schemas.openxmlformats.org/drawingml/2006/main" xmlns:dgm="http://schemas.openxmlformats.org/drawingml/2006/diagram" xmlns:dsp="http://schemas.microsoft.com/office/drawing/2008/diagram" xmlns:p="http://schemas.openxmlformats.org/presentationml/2006/main">
   <p:sldMasterIdLst>
     <p:sldMasterId id="2147483648" r:id="rId1"/>
   </p:sldMasterIdLst>
   <p:sldIdLst>
     <p:sldId id="256" r:id="rId2"/>
     <p:sldId id="258" r:id="rId3"/>
+    <p:sldId id="260" r:id="rId4"/>
   </p:sldIdLst>
   <p:sldSz cx="12192000" cy="6858000"/>
   <p:notesSz cx="6858000" cy="9144000"/>
@@ -105,11 +106,6 @@
       </a:defRPr>
     </a:lvl9pPr>
   </p:defaultTextStyle>
-  <p:extLst>
-    <p:ext uri="{EFAFB233-063F-42B5-8137-9DF3F51BA10A}">
-      <p15:sldGuideLst xmlns:p15="http://schemas.microsoft.com/office/powerpoint/2012/main"/>
-    </p:ext>
-  </p:extLst>
 </p:presentation>
 </file>
 
@@ -2954,7 +2950,7 @@
 </file>
 
 <file path=ppt/slides/slide1.xml><?xml version="1.0" encoding="utf-8"?>
-<p:sld xmlns:a="http://schemas.openxmlformats.org/drawingml/2006/main" xmlns:r="http://schemas.openxmlformats.org/officeDocument/2006/relationships" xmlns:p="http://schemas.openxmlformats.org/presentationml/2006/main">
+<p:sld xmlns:r="http://schemas.openxmlformats.org/officeDocument/2006/relationships" xmlns:c="http://schemas.openxmlformats.org/drawingml/2006/chart" xmlns:a="http://schemas.openxmlformats.org/drawingml/2006/main" xmlns:dgm="http://schemas.openxmlformats.org/drawingml/2006/diagram" xmlns:dsp="http://schemas.microsoft.com/office/drawing/2008/diagram" xmlns:p="http://schemas.openxmlformats.org/presentationml/2006/main">
   <p:cSld>
     <p:spTree>
       <p:nvGrpSpPr>
@@ -3002,15 +2998,17 @@
           </a:fontRef>
         </p:style>
         <p:txBody>
-          <a:bodyPr rtlCol="0" anchor="ctr"/>
-          <a:lstStyle/>
-          <a:p>
-            <a:pPr algn="ctr"/>
-            <a:r>
-              <a:rPr lang="en-US" altLang="ko-KR" sz="1200" dirty="0" err="1" smtClean="0"/>
+          <a:bodyPr anchor="ctr"/>
+          <a:lstStyle/>
+          <a:p>
+            <a:pPr lvl="0" algn="ctr">
+              <a:defRPr/>
+            </a:pPr>
+            <a:r>
+              <a:rPr lang="en-US" altLang="ko-KR" sz="1200"/>
               <a:t>UserSystem</a:t>
             </a:r>
-            <a:endParaRPr lang="ko-KR" altLang="en-US" sz="1200" dirty="0"/>
+            <a:endParaRPr lang="ko-KR" altLang="en-US" sz="1200"/>
           </a:p>
         </p:txBody>
       </p:sp>
@@ -3046,15 +3044,17 @@
           </a:fontRef>
         </p:style>
         <p:txBody>
-          <a:bodyPr rtlCol="0" anchor="ctr"/>
-          <a:lstStyle/>
-          <a:p>
-            <a:pPr algn="ctr"/>
-            <a:r>
-              <a:rPr lang="en-US" altLang="ko-KR" sz="1200" dirty="0" err="1" smtClean="0"/>
+          <a:bodyPr anchor="ctr"/>
+          <a:lstStyle/>
+          <a:p>
+            <a:pPr lvl="0" algn="ctr">
+              <a:defRPr/>
+            </a:pPr>
+            <a:r>
+              <a:rPr lang="en-US" altLang="ko-KR" sz="1200"/>
               <a:t>NotUserSys</a:t>
             </a:r>
-            <a:endParaRPr lang="ko-KR" altLang="en-US" sz="1200" dirty="0"/>
+            <a:endParaRPr lang="ko-KR" altLang="en-US" sz="1200"/>
           </a:p>
         </p:txBody>
       </p:sp>
@@ -3090,15 +3090,17 @@
           </a:fontRef>
         </p:style>
         <p:txBody>
-          <a:bodyPr rtlCol="0" anchor="ctr"/>
-          <a:lstStyle/>
-          <a:p>
-            <a:pPr algn="ctr"/>
-            <a:r>
-              <a:rPr lang="en-US" altLang="ko-KR" dirty="0" smtClean="0"/>
+          <a:bodyPr anchor="ctr"/>
+          <a:lstStyle/>
+          <a:p>
+            <a:pPr lvl="0" algn="ctr">
+              <a:defRPr/>
+            </a:pPr>
+            <a:r>
+              <a:rPr lang="en-US" altLang="ko-KR"/>
               <a:t>Users</a:t>
             </a:r>
-            <a:endParaRPr lang="ko-KR" altLang="en-US" dirty="0"/>
+            <a:endParaRPr lang="ko-KR" altLang="en-US"/>
           </a:p>
         </p:txBody>
       </p:sp>
@@ -3134,15 +3136,17 @@
           </a:fontRef>
         </p:style>
         <p:txBody>
-          <a:bodyPr rtlCol="0" anchor="ctr"/>
-          <a:lstStyle/>
-          <a:p>
-            <a:pPr algn="ctr"/>
-            <a:r>
-              <a:rPr lang="en-US" altLang="ko-KR" sz="1100" dirty="0" err="1" smtClean="0"/>
+          <a:bodyPr anchor="ctr"/>
+          <a:lstStyle/>
+          <a:p>
+            <a:pPr lvl="0" algn="ctr">
+              <a:defRPr/>
+            </a:pPr>
+            <a:r>
+              <a:rPr lang="en-US" altLang="ko-KR" sz="1100"/>
               <a:t>AdSystem</a:t>
             </a:r>
-            <a:endParaRPr lang="ko-KR" altLang="en-US" sz="1100" dirty="0"/>
+            <a:endParaRPr lang="ko-KR" altLang="en-US" sz="1100"/>
           </a:p>
         </p:txBody>
       </p:sp>
@@ -3178,15 +3182,17 @@
           </a:fontRef>
         </p:style>
         <p:txBody>
-          <a:bodyPr rtlCol="0" anchor="ctr"/>
-          <a:lstStyle/>
-          <a:p>
-            <a:pPr algn="ctr"/>
-            <a:r>
-              <a:rPr lang="en-US" altLang="ko-KR" dirty="0" smtClean="0"/>
+          <a:bodyPr anchor="ctr"/>
+          <a:lstStyle/>
+          <a:p>
+            <a:pPr lvl="0" algn="ctr">
+              <a:defRPr/>
+            </a:pPr>
+            <a:r>
+              <a:rPr lang="en-US" altLang="ko-KR"/>
               <a:t>Kiosk</a:t>
             </a:r>
-            <a:endParaRPr lang="ko-KR" altLang="en-US" dirty="0"/>
+            <a:endParaRPr lang="ko-KR" altLang="en-US"/>
           </a:p>
         </p:txBody>
       </p:sp>
@@ -3330,15 +3336,17 @@
           </a:fontRef>
         </p:style>
         <p:txBody>
-          <a:bodyPr rtlCol="0" anchor="ctr"/>
-          <a:lstStyle/>
-          <a:p>
-            <a:pPr algn="ctr"/>
-            <a:r>
-              <a:rPr lang="en-US" altLang="ko-KR" sz="1200" dirty="0" smtClean="0"/>
+          <a:bodyPr anchor="ctr"/>
+          <a:lstStyle/>
+          <a:p>
+            <a:pPr lvl="0" algn="ctr">
+              <a:defRPr/>
+            </a:pPr>
+            <a:r>
+              <a:rPr lang="en-US" altLang="ko-KR" sz="1200"/>
               <a:t>Purchase</a:t>
             </a:r>
-            <a:endParaRPr lang="ko-KR" altLang="en-US" sz="1200" dirty="0"/>
+            <a:endParaRPr lang="ko-KR" altLang="en-US" sz="1200"/>
           </a:p>
         </p:txBody>
       </p:sp>
@@ -3354,7 +3362,10 @@
             <a:ext cx="739834" cy="282633"/>
           </a:xfrm>
           <a:prstGeom prst="downArrow">
-            <a:avLst/>
+            <a:avLst>
+              <a:gd name="adj1" fmla="val 50000"/>
+              <a:gd name="adj2" fmla="val 50000"/>
+            </a:avLst>
           </a:prstGeom>
           <a:noFill/>
         </p:spPr>
@@ -3375,10 +3386,12 @@
           </a:fontRef>
         </p:style>
         <p:txBody>
-          <a:bodyPr rtlCol="0" anchor="ctr"/>
-          <a:lstStyle/>
-          <a:p>
-            <a:pPr algn="ctr"/>
+          <a:bodyPr anchor="ctr"/>
+          <a:lstStyle/>
+          <a:p>
+            <a:pPr lvl="0" algn="ctr">
+              <a:defRPr/>
+            </a:pPr>
             <a:endParaRPr lang="ko-KR" altLang="en-US"/>
           </a:p>
         </p:txBody>
@@ -3395,7 +3408,10 @@
             <a:ext cx="739834" cy="282633"/>
           </a:xfrm>
           <a:prstGeom prst="downArrow">
-            <a:avLst/>
+            <a:avLst>
+              <a:gd name="adj1" fmla="val 50000"/>
+              <a:gd name="adj2" fmla="val 50000"/>
+            </a:avLst>
           </a:prstGeom>
           <a:noFill/>
         </p:spPr>
@@ -3416,10 +3432,12 @@
           </a:fontRef>
         </p:style>
         <p:txBody>
-          <a:bodyPr rtlCol="0" anchor="ctr"/>
-          <a:lstStyle/>
-          <a:p>
-            <a:pPr algn="ctr"/>
+          <a:bodyPr anchor="ctr"/>
+          <a:lstStyle/>
+          <a:p>
+            <a:pPr lvl="0" algn="ctr">
+              <a:defRPr/>
+            </a:pPr>
             <a:endParaRPr lang="ko-KR" altLang="en-US"/>
           </a:p>
         </p:txBody>
@@ -3436,7 +3454,10 @@
             <a:ext cx="961053" cy="261258"/>
           </a:xfrm>
           <a:prstGeom prst="rightArrow">
-            <a:avLst/>
+            <a:avLst>
+              <a:gd name="adj1" fmla="val 50000"/>
+              <a:gd name="adj2" fmla="val 50000"/>
+            </a:avLst>
           </a:prstGeom>
           <a:noFill/>
         </p:spPr>
@@ -3457,10 +3478,12 @@
           </a:fontRef>
         </p:style>
         <p:txBody>
-          <a:bodyPr rtlCol="0" anchor="ctr"/>
-          <a:lstStyle/>
-          <a:p>
-            <a:pPr algn="ctr"/>
+          <a:bodyPr anchor="ctr"/>
+          <a:lstStyle/>
+          <a:p>
+            <a:pPr lvl="0" algn="ctr">
+              <a:defRPr/>
+            </a:pPr>
             <a:endParaRPr lang="ko-KR" altLang="en-US"/>
           </a:p>
         </p:txBody>
@@ -3497,22 +3520,27 @@
           </a:fontRef>
         </p:style>
         <p:txBody>
-          <a:bodyPr rtlCol="0" anchor="ctr"/>
-          <a:lstStyle/>
-          <a:p>
-            <a:pPr algn="ctr"/>
-            <a:r>
-              <a:rPr lang="en-US" altLang="ko-KR" sz="1200" dirty="0" smtClean="0"/>
+          <a:bodyPr anchor="ctr"/>
+          <a:lstStyle/>
+          <a:p>
+            <a:pPr lvl="0" algn="ctr">
+              <a:defRPr/>
+            </a:pPr>
+            <a:r>
+              <a:rPr lang="en-US" altLang="ko-KR" sz="1200"/>
               <a:t>Cash</a:t>
             </a:r>
-          </a:p>
-          <a:p>
-            <a:pPr algn="ctr"/>
-            <a:r>
-              <a:rPr lang="en-US" altLang="ko-KR" sz="1200" dirty="0" smtClean="0"/>
+            <a:endParaRPr lang="en-US" altLang="ko-KR" sz="1200"/>
+          </a:p>
+          <a:p>
+            <a:pPr lvl="0" algn="ctr">
+              <a:defRPr/>
+            </a:pPr>
+            <a:r>
+              <a:rPr lang="en-US" altLang="ko-KR" sz="1200"/>
               <a:t>//Buy</a:t>
             </a:r>
-            <a:endParaRPr lang="ko-KR" altLang="en-US" sz="1200" dirty="0"/>
+            <a:endParaRPr lang="ko-KR" altLang="en-US" sz="1200"/>
           </a:p>
         </p:txBody>
       </p:sp>
@@ -3548,14 +3576,17 @@
           </a:fontRef>
         </p:style>
         <p:txBody>
-          <a:bodyPr rtlCol="0" anchor="ctr"/>
-          <a:lstStyle/>
-          <a:p>
-            <a:pPr algn="ctr"/>
-            <a:r>
-              <a:rPr lang="en-US" altLang="ko-KR" sz="1200" dirty="0" smtClean="0"/>
+          <a:bodyPr anchor="ctr"/>
+          <a:lstStyle/>
+          <a:p>
+            <a:pPr lvl="0" algn="ctr">
+              <a:defRPr/>
+            </a:pPr>
+            <a:r>
+              <a:rPr lang="en-US" altLang="ko-KR" sz="1200"/>
               <a:t>Cart</a:t>
             </a:r>
+            <a:endParaRPr lang="en-US" altLang="ko-KR" sz="1200"/>
           </a:p>
         </p:txBody>
       </p:sp>
@@ -3606,7 +3637,10 @@
             <a:ext cx="849086" cy="130629"/>
           </a:xfrm>
           <a:prstGeom prst="rightArrow">
-            <a:avLst/>
+            <a:avLst>
+              <a:gd name="adj1" fmla="val 50000"/>
+              <a:gd name="adj2" fmla="val 50000"/>
+            </a:avLst>
           </a:prstGeom>
           <a:noFill/>
         </p:spPr>
@@ -3627,10 +3661,12 @@
           </a:fontRef>
         </p:style>
         <p:txBody>
-          <a:bodyPr rtlCol="0" anchor="ctr"/>
-          <a:lstStyle/>
-          <a:p>
-            <a:pPr algn="ctr"/>
+          <a:bodyPr anchor="ctr"/>
+          <a:lstStyle/>
+          <a:p>
+            <a:pPr lvl="0" algn="ctr">
+              <a:defRPr/>
+            </a:pPr>
             <a:endParaRPr lang="ko-KR" altLang="en-US"/>
           </a:p>
         </p:txBody>
@@ -3652,16 +3688,19 @@
           <a:noFill/>
         </p:spPr>
         <p:txBody>
-          <a:bodyPr wrap="square" rtlCol="0">
+          <a:bodyPr wrap="square">
             <a:spAutoFit/>
           </a:bodyPr>
           <a:lstStyle/>
           <a:p>
-            <a:r>
-              <a:rPr lang="en-US" altLang="ko-KR" sz="1050" i="1" dirty="0" smtClean="0"/>
+            <a:pPr lvl="0">
+              <a:defRPr/>
+            </a:pPr>
+            <a:r>
+              <a:rPr lang="en-US" altLang="ko-KR" sz="1050" i="1"/>
               <a:t>Login Value</a:t>
             </a:r>
-            <a:endParaRPr lang="ko-KR" altLang="en-US" sz="1050" i="1" dirty="0"/>
+            <a:endParaRPr lang="ko-KR" altLang="en-US" sz="1050" i="1"/>
           </a:p>
         </p:txBody>
       </p:sp>
@@ -3697,15 +3736,17 @@
           </a:fontRef>
         </p:style>
         <p:txBody>
-          <a:bodyPr rtlCol="0" anchor="ctr"/>
-          <a:lstStyle/>
-          <a:p>
-            <a:pPr algn="ctr"/>
-            <a:r>
-              <a:rPr lang="en-US" altLang="ko-KR" sz="1200" dirty="0" err="1" smtClean="0"/>
+          <a:bodyPr anchor="ctr"/>
+          <a:lstStyle/>
+          <a:p>
+            <a:pPr lvl="0" algn="ctr">
+              <a:defRPr/>
+            </a:pPr>
+            <a:r>
+              <a:rPr lang="en-US" altLang="ko-KR" sz="1200"/>
               <a:t>MData</a:t>
             </a:r>
-            <a:endParaRPr lang="ko-KR" altLang="en-US" sz="1200" dirty="0"/>
+            <a:endParaRPr lang="ko-KR" altLang="en-US" sz="1200"/>
           </a:p>
         </p:txBody>
       </p:sp>
@@ -3741,15 +3782,17 @@
           </a:fontRef>
         </p:style>
         <p:txBody>
-          <a:bodyPr rtlCol="0" anchor="ctr"/>
-          <a:lstStyle/>
-          <a:p>
-            <a:pPr algn="ctr"/>
-            <a:r>
-              <a:rPr lang="en-US" altLang="ko-KR" sz="1200" dirty="0" smtClean="0"/>
+          <a:bodyPr anchor="ctr"/>
+          <a:lstStyle/>
+          <a:p>
+            <a:pPr lvl="0" algn="ctr">
+              <a:defRPr/>
+            </a:pPr>
+            <a:r>
+              <a:rPr lang="en-US" altLang="ko-KR" sz="1200"/>
               <a:t>Members</a:t>
             </a:r>
-            <a:endParaRPr lang="ko-KR" altLang="en-US" sz="1200" dirty="0"/>
+            <a:endParaRPr lang="ko-KR" altLang="en-US" sz="1200"/>
           </a:p>
         </p:txBody>
       </p:sp>
@@ -3785,15 +3828,17 @@
           </a:fontRef>
         </p:style>
         <p:txBody>
-          <a:bodyPr rtlCol="0" anchor="ctr"/>
-          <a:lstStyle/>
-          <a:p>
-            <a:pPr algn="ctr"/>
-            <a:r>
-              <a:rPr lang="en-US" altLang="ko-KR" sz="1200" dirty="0" smtClean="0"/>
+          <a:bodyPr anchor="ctr"/>
+          <a:lstStyle/>
+          <a:p>
+            <a:pPr lvl="0" algn="ctr">
+              <a:defRPr/>
+            </a:pPr>
+            <a:r>
+              <a:rPr lang="en-US" altLang="ko-KR" sz="1200"/>
               <a:t>Products</a:t>
             </a:r>
-            <a:endParaRPr lang="ko-KR" altLang="en-US" sz="1200" dirty="0"/>
+            <a:endParaRPr lang="ko-KR" altLang="en-US" sz="1200"/>
           </a:p>
         </p:txBody>
       </p:sp>
@@ -3832,15 +3877,17 @@
           </a:fontRef>
         </p:style>
         <p:txBody>
-          <a:bodyPr rtlCol="0" anchor="ctr"/>
-          <a:lstStyle/>
-          <a:p>
-            <a:pPr algn="ctr"/>
-            <a:r>
-              <a:rPr lang="en-US" altLang="ko-KR" dirty="0" smtClean="0"/>
+          <a:bodyPr anchor="ctr"/>
+          <a:lstStyle/>
+          <a:p>
+            <a:pPr lvl="0" algn="ctr">
+              <a:defRPr/>
+            </a:pPr>
+            <a:r>
+              <a:rPr lang="en-US" altLang="ko-KR"/>
               <a:t>Project</a:t>
             </a:r>
-            <a:endParaRPr lang="ko-KR" altLang="en-US" dirty="0"/>
+            <a:endParaRPr lang="ko-KR" altLang="en-US"/>
           </a:p>
         </p:txBody>
       </p:sp>
@@ -3856,7 +3903,10 @@
             <a:ext cx="783772" cy="167951"/>
           </a:xfrm>
           <a:prstGeom prst="rightArrow">
-            <a:avLst/>
+            <a:avLst>
+              <a:gd name="adj1" fmla="val 50000"/>
+              <a:gd name="adj2" fmla="val 50000"/>
+            </a:avLst>
           </a:prstGeom>
           <a:noFill/>
         </p:spPr>
@@ -3877,10 +3927,12 @@
           </a:fontRef>
         </p:style>
         <p:txBody>
-          <a:bodyPr rtlCol="0" anchor="ctr"/>
-          <a:lstStyle/>
-          <a:p>
-            <a:pPr algn="ctr"/>
+          <a:bodyPr anchor="ctr"/>
+          <a:lstStyle/>
+          <a:p>
+            <a:pPr lvl="0" algn="ctr">
+              <a:defRPr/>
+            </a:pPr>
             <a:endParaRPr lang="ko-KR" altLang="en-US"/>
           </a:p>
         </p:txBody>
@@ -3897,7 +3949,10 @@
             <a:ext cx="224061" cy="1463042"/>
           </a:xfrm>
           <a:prstGeom prst="downArrow">
-            <a:avLst/>
+            <a:avLst>
+              <a:gd name="adj1" fmla="val 50000"/>
+              <a:gd name="adj2" fmla="val 50000"/>
+            </a:avLst>
           </a:prstGeom>
           <a:noFill/>
         </p:spPr>
@@ -3918,10 +3973,12 @@
           </a:fontRef>
         </p:style>
         <p:txBody>
-          <a:bodyPr rtlCol="0" anchor="ctr"/>
-          <a:lstStyle/>
-          <a:p>
-            <a:pPr algn="ctr"/>
+          <a:bodyPr anchor="ctr"/>
+          <a:lstStyle/>
+          <a:p>
+            <a:pPr lvl="0" algn="ctr">
+              <a:defRPr/>
+            </a:pPr>
             <a:endParaRPr lang="ko-KR" altLang="en-US"/>
           </a:p>
         </p:txBody>
@@ -3938,7 +3995,10 @@
             <a:ext cx="410955" cy="950712"/>
           </a:xfrm>
           <a:prstGeom prst="downArrow">
-            <a:avLst/>
+            <a:avLst>
+              <a:gd name="adj1" fmla="val 50000"/>
+              <a:gd name="adj2" fmla="val 50000"/>
+            </a:avLst>
           </a:prstGeom>
           <a:noFill/>
         </p:spPr>
@@ -3959,10 +4019,12 @@
           </a:fontRef>
         </p:style>
         <p:txBody>
-          <a:bodyPr rtlCol="0" anchor="ctr"/>
-          <a:lstStyle/>
-          <a:p>
-            <a:pPr algn="ctr"/>
+          <a:bodyPr anchor="ctr"/>
+          <a:lstStyle/>
+          <a:p>
+            <a:pPr lvl="0" algn="ctr">
+              <a:defRPr/>
+            </a:pPr>
             <a:endParaRPr lang="ko-KR" altLang="en-US"/>
           </a:p>
         </p:txBody>
@@ -3979,7 +4041,10 @@
             <a:ext cx="259559" cy="1611823"/>
           </a:xfrm>
           <a:prstGeom prst="downArrow">
-            <a:avLst/>
+            <a:avLst>
+              <a:gd name="adj1" fmla="val 50000"/>
+              <a:gd name="adj2" fmla="val 50000"/>
+            </a:avLst>
           </a:prstGeom>
           <a:noFill/>
         </p:spPr>
@@ -4000,10 +4065,12 @@
           </a:fontRef>
         </p:style>
         <p:txBody>
-          <a:bodyPr rtlCol="0" anchor="ctr"/>
-          <a:lstStyle/>
-          <a:p>
-            <a:pPr algn="ctr"/>
+          <a:bodyPr anchor="ctr"/>
+          <a:lstStyle/>
+          <a:p>
+            <a:pPr lvl="0" algn="ctr">
+              <a:defRPr/>
+            </a:pPr>
             <a:endParaRPr lang="ko-KR" altLang="en-US"/>
           </a:p>
         </p:txBody>
@@ -4063,20 +4130,23 @@
           <a:noFill/>
         </p:spPr>
         <p:txBody>
-          <a:bodyPr wrap="square" rtlCol="0">
+          <a:bodyPr wrap="square">
             <a:spAutoFit/>
           </a:bodyPr>
           <a:lstStyle/>
           <a:p>
-            <a:r>
-              <a:rPr lang="en-US" altLang="ko-KR" dirty="0" smtClean="0"/>
+            <a:pPr lvl="0">
+              <a:defRPr/>
+            </a:pPr>
+            <a:r>
+              <a:rPr lang="en-US" altLang="ko-KR"/>
               <a:t>DB</a:t>
             </a:r>
             <a:r>
-              <a:rPr lang="ko-KR" altLang="en-US" dirty="0" smtClean="0"/>
+              <a:rPr lang="ko-KR" altLang="en-US"/>
               <a:t>대체 자료</a:t>
             </a:r>
-            <a:endParaRPr lang="ko-KR" altLang="en-US" dirty="0"/>
+            <a:endParaRPr lang="ko-KR" altLang="en-US"/>
           </a:p>
         </p:txBody>
       </p:sp>
@@ -4097,20 +4167,19 @@
           <a:noFill/>
         </p:spPr>
         <p:txBody>
-          <a:bodyPr wrap="square" rtlCol="0">
+          <a:bodyPr wrap="square">
             <a:spAutoFit/>
           </a:bodyPr>
           <a:lstStyle/>
           <a:p>
-            <a:r>
-              <a:rPr lang="en-US" altLang="ko-KR" sz="1200" dirty="0" err="1" smtClean="0"/>
-              <a:t>testAge</a:t>
-            </a:r>
-            <a:r>
-              <a:rPr lang="en-US" altLang="ko-KR" sz="1200" dirty="0" smtClean="0"/>
-              <a:t>()</a:t>
-            </a:r>
-            <a:endParaRPr lang="ko-KR" altLang="en-US" dirty="0"/>
+            <a:pPr lvl="0">
+              <a:defRPr/>
+            </a:pPr>
+            <a:r>
+              <a:rPr lang="en-US" altLang="ko-KR" sz="1200"/>
+              <a:t>testAge()</a:t>
+            </a:r>
+            <a:endParaRPr lang="ko-KR" altLang="en-US"/>
           </a:p>
         </p:txBody>
       </p:sp>
@@ -4122,8 +4191,8 @@
         </p:nvSpPr>
         <p:spPr>
           <a:xfrm>
-            <a:off x="1405528" y="3945864"/>
-            <a:ext cx="711674" cy="276999"/>
+            <a:off x="1279726" y="4026737"/>
+            <a:ext cx="855447" cy="452781"/>
           </a:xfrm>
           <a:prstGeom prst="rect">
             <a:avLst/>
@@ -4131,16 +4200,29 @@
           <a:noFill/>
         </p:spPr>
         <p:txBody>
-          <a:bodyPr wrap="square" rtlCol="0">
+          <a:bodyPr wrap="square">
             <a:spAutoFit/>
           </a:bodyPr>
           <a:lstStyle/>
           <a:p>
-            <a:r>
-              <a:rPr lang="en-US" altLang="ko-KR" sz="1200" dirty="0" smtClean="0"/>
-              <a:t>//login()</a:t>
-            </a:r>
-            <a:endParaRPr lang="ko-KR" altLang="en-US" dirty="0"/>
+            <a:pPr lvl="0">
+              <a:defRPr/>
+            </a:pPr>
+            <a:r>
+              <a:rPr lang="en-US" altLang="ko-KR" sz="1200"/>
+              <a:t>login()</a:t>
+            </a:r>
+            <a:endParaRPr lang="en-US" altLang="ko-KR" sz="1200"/>
+          </a:p>
+          <a:p>
+            <a:pPr lvl="0">
+              <a:defRPr/>
+            </a:pPr>
+            <a:r>
+              <a:rPr lang="en-US" altLang="ko-KR" sz="1200"/>
+              <a:t>{//Users}</a:t>
+            </a:r>
+            <a:endParaRPr lang="en-US" altLang="ko-KR" sz="1200"/>
           </a:p>
         </p:txBody>
       </p:sp>
@@ -4199,16 +4281,19 @@
           <a:noFill/>
         </p:spPr>
         <p:txBody>
-          <a:bodyPr wrap="square" rtlCol="0">
+          <a:bodyPr wrap="square">
             <a:spAutoFit/>
           </a:bodyPr>
           <a:lstStyle/>
           <a:p>
-            <a:r>
-              <a:rPr lang="en-US" altLang="ko-KR" dirty="0" smtClean="0"/>
+            <a:pPr lvl="0">
+              <a:defRPr/>
+            </a:pPr>
+            <a:r>
+              <a:rPr lang="en-US" altLang="ko-KR"/>
               <a:t>??</a:t>
             </a:r>
-            <a:endParaRPr lang="ko-KR" altLang="en-US" dirty="0"/>
+            <a:endParaRPr lang="ko-KR" altLang="en-US"/>
           </a:p>
         </p:txBody>
       </p:sp>
@@ -4265,59 +4350,77 @@
           <a:noFill/>
         </p:spPr>
         <p:txBody>
-          <a:bodyPr wrap="square" rtlCol="0">
+          <a:bodyPr wrap="square">
             <a:spAutoFit/>
           </a:bodyPr>
           <a:lstStyle/>
           <a:p>
-            <a:r>
-              <a:rPr lang="en-US" altLang="ko-KR" sz="1400" dirty="0" err="1" smtClean="0"/>
+            <a:pPr lvl="0">
+              <a:defRPr/>
+            </a:pPr>
+            <a:r>
+              <a:rPr lang="en-US" altLang="ko-KR" sz="1400"/>
               <a:t>ssn</a:t>
             </a:r>
-            <a:endParaRPr lang="en-US" altLang="ko-KR" sz="1400" dirty="0" smtClean="0"/>
-          </a:p>
-          <a:p>
-            <a:r>
-              <a:rPr lang="en-US" altLang="ko-KR" sz="1400" dirty="0" smtClean="0"/>
+            <a:endParaRPr lang="en-US" altLang="ko-KR" sz="1400"/>
+          </a:p>
+          <a:p>
+            <a:pPr lvl="0">
+              <a:defRPr/>
+            </a:pPr>
+            <a:r>
+              <a:rPr lang="en-US" altLang="ko-KR" sz="1400"/>
               <a:t>&gt;</a:t>
             </a:r>
             <a:r>
-              <a:rPr lang="ko-KR" altLang="en-US" sz="1400" dirty="0" smtClean="0"/>
+              <a:rPr lang="ko-KR" altLang="en-US" sz="1400"/>
               <a:t>유효성</a:t>
             </a:r>
-            <a:endParaRPr lang="en-US" altLang="ko-KR" sz="1400" dirty="0" smtClean="0"/>
-          </a:p>
-          <a:p>
-            <a:r>
-              <a:rPr lang="en-US" altLang="ko-KR" sz="1400" dirty="0" smtClean="0"/>
+            <a:endParaRPr lang="ko-KR" altLang="en-US" sz="1400"/>
+          </a:p>
+          <a:p>
+            <a:pPr lvl="0">
+              <a:defRPr/>
+            </a:pPr>
+            <a:r>
+              <a:rPr lang="en-US" altLang="ko-KR" sz="1400"/>
               <a:t>&gt;</a:t>
             </a:r>
             <a:r>
-              <a:rPr lang="ko-KR" altLang="en-US" sz="1400" dirty="0" err="1" smtClean="0"/>
+              <a:rPr lang="ko-KR" altLang="en-US" sz="1400"/>
               <a:t>성인여부</a:t>
             </a:r>
-            <a:endParaRPr lang="en-US" altLang="ko-KR" sz="1400" dirty="0" smtClean="0"/>
-          </a:p>
-          <a:p>
-            <a:r>
-              <a:rPr lang="ko-KR" altLang="en-US" sz="1400" dirty="0" smtClean="0"/>
+            <a:endParaRPr lang="ko-KR" altLang="en-US" sz="1400"/>
+          </a:p>
+          <a:p>
+            <a:pPr lvl="0">
+              <a:defRPr/>
+            </a:pPr>
+            <a:r>
+              <a:rPr lang="ko-KR" altLang="en-US" sz="1400"/>
               <a:t>핸드폰 유효성</a:t>
             </a:r>
-            <a:endParaRPr lang="en-US" altLang="ko-KR" sz="1400" dirty="0" smtClean="0"/>
-          </a:p>
-          <a:p>
-            <a:r>
-              <a:rPr lang="ko-KR" altLang="en-US" sz="1400" dirty="0" smtClean="0"/>
+            <a:endParaRPr lang="ko-KR" altLang="en-US" sz="1400"/>
+          </a:p>
+          <a:p>
+            <a:pPr lvl="0">
+              <a:defRPr/>
+            </a:pPr>
+            <a:r>
+              <a:rPr lang="ko-KR" altLang="en-US" sz="1400"/>
               <a:t>회원가입</a:t>
             </a:r>
-            <a:endParaRPr lang="en-US" altLang="ko-KR" sz="1400" dirty="0" smtClean="0"/>
-          </a:p>
-          <a:p>
-            <a:r>
-              <a:rPr lang="ko-KR" altLang="en-US" sz="1400" dirty="0" smtClean="0"/>
+            <a:endParaRPr lang="ko-KR" altLang="en-US" sz="1400"/>
+          </a:p>
+          <a:p>
+            <a:pPr lvl="0">
+              <a:defRPr/>
+            </a:pPr>
+            <a:r>
+              <a:rPr lang="ko-KR" altLang="en-US" sz="1400"/>
               <a:t>로그아웃</a:t>
             </a:r>
-            <a:endParaRPr lang="ko-KR" altLang="en-US" sz="1400" dirty="0"/>
+            <a:endParaRPr lang="ko-KR" altLang="en-US" sz="1400"/>
           </a:p>
         </p:txBody>
       </p:sp>
@@ -4331,12 +4434,12 @@
         </p:nvCxnSpPr>
         <p:spPr>
           <a:xfrm rot="10800000" flipH="1">
-            <a:off x="1405528" y="1783394"/>
-            <a:ext cx="3396154" cy="2300970"/>
+            <a:off x="1279726" y="1783394"/>
+            <a:ext cx="3521956" cy="2469732"/>
           </a:xfrm>
           <a:prstGeom prst="bentConnector3">
             <a:avLst>
-              <a:gd name="adj1" fmla="val -6731"/>
+              <a:gd name="adj1" fmla="val -3761"/>
             </a:avLst>
           </a:prstGeom>
           <a:ln>
@@ -4379,30 +4482,29 @@
           <a:noFill/>
         </p:spPr>
         <p:txBody>
-          <a:bodyPr wrap="square" rtlCol="0">
+          <a:bodyPr wrap="square">
             <a:spAutoFit/>
           </a:bodyPr>
           <a:lstStyle/>
           <a:p>
-            <a:r>
-              <a:rPr lang="en-US" altLang="ko-KR" sz="1200" dirty="0" err="1" smtClean="0"/>
-              <a:t>ssnAva</a:t>
-            </a:r>
-            <a:r>
-              <a:rPr lang="en-US" altLang="ko-KR" sz="1200" dirty="0" smtClean="0"/>
-              <a:t>()</a:t>
-            </a:r>
-          </a:p>
-          <a:p>
-            <a:r>
-              <a:rPr lang="en-US" altLang="ko-KR" sz="1200" dirty="0" err="1" smtClean="0"/>
-              <a:t>ssnAdult</a:t>
-            </a:r>
-            <a:r>
-              <a:rPr lang="en-US" altLang="ko-KR" sz="1200" dirty="0" smtClean="0"/>
-              <a:t>()</a:t>
-            </a:r>
-            <a:endParaRPr lang="ko-KR" altLang="en-US" sz="1200" dirty="0"/>
+            <a:pPr lvl="0">
+              <a:defRPr/>
+            </a:pPr>
+            <a:r>
+              <a:rPr lang="en-US" altLang="ko-KR" sz="1200"/>
+              <a:t>ssnAva()</a:t>
+            </a:r>
+            <a:endParaRPr lang="en-US" altLang="ko-KR" sz="1200"/>
+          </a:p>
+          <a:p>
+            <a:pPr lvl="0">
+              <a:defRPr/>
+            </a:pPr>
+            <a:r>
+              <a:rPr lang="en-US" altLang="ko-KR" sz="1200"/>
+              <a:t>ssnAdult()</a:t>
+            </a:r>
+            <a:endParaRPr lang="ko-KR" altLang="en-US" sz="1200"/>
           </a:p>
         </p:txBody>
       </p:sp>
@@ -4439,10 +4541,12 @@
           </a:fontRef>
         </p:style>
         <p:txBody>
-          <a:bodyPr rtlCol="0" anchor="ctr"/>
-          <a:lstStyle/>
-          <a:p>
-            <a:pPr algn="ctr"/>
+          <a:bodyPr anchor="ctr"/>
+          <a:lstStyle/>
+          <a:p>
+            <a:pPr lvl="0" algn="ctr">
+              <a:defRPr/>
+            </a:pPr>
             <a:endParaRPr lang="ko-KR" altLang="en-US"/>
           </a:p>
         </p:txBody>
@@ -4464,16 +4568,19 @@
           <a:noFill/>
         </p:spPr>
         <p:txBody>
-          <a:bodyPr wrap="square" rtlCol="0">
+          <a:bodyPr wrap="square">
             <a:spAutoFit/>
           </a:bodyPr>
           <a:lstStyle/>
           <a:p>
-            <a:r>
-              <a:rPr lang="en-US" altLang="ko-KR" dirty="0" smtClean="0"/>
+            <a:pPr lvl="0">
+              <a:defRPr/>
+            </a:pPr>
+            <a:r>
+              <a:rPr lang="en-US" altLang="ko-KR"/>
               <a:t>source</a:t>
             </a:r>
-            <a:endParaRPr lang="ko-KR" altLang="en-US" dirty="0"/>
+            <a:endParaRPr lang="ko-KR" altLang="en-US"/>
           </a:p>
         </p:txBody>
       </p:sp>
@@ -4494,20 +4601,19 @@
           <a:noFill/>
         </p:spPr>
         <p:txBody>
-          <a:bodyPr wrap="square" rtlCol="0">
+          <a:bodyPr wrap="square">
             <a:spAutoFit/>
           </a:bodyPr>
           <a:lstStyle/>
           <a:p>
-            <a:r>
-              <a:rPr lang="en-US" altLang="ko-KR" sz="1200" u="sng" dirty="0" err="1" smtClean="0"/>
-              <a:t>calCateTot</a:t>
-            </a:r>
-            <a:r>
-              <a:rPr lang="en-US" altLang="ko-KR" sz="1200" u="sng" dirty="0" smtClean="0"/>
-              <a:t>()</a:t>
-            </a:r>
-            <a:endParaRPr lang="ko-KR" altLang="en-US" u="sng" dirty="0"/>
+            <a:pPr lvl="0">
+              <a:defRPr/>
+            </a:pPr>
+            <a:r>
+              <a:rPr lang="en-US" altLang="ko-KR" sz="1200" u="sng"/>
+              <a:t>calCateTot()</a:t>
+            </a:r>
+            <a:endParaRPr lang="ko-KR" altLang="en-US" u="sng"/>
           </a:p>
         </p:txBody>
       </p:sp>
@@ -4564,16 +4670,19 @@
           <a:noFill/>
         </p:spPr>
         <p:txBody>
-          <a:bodyPr wrap="square" rtlCol="0">
+          <a:bodyPr wrap="square">
             <a:spAutoFit/>
           </a:bodyPr>
           <a:lstStyle/>
           <a:p>
-            <a:r>
-              <a:rPr lang="ko-KR" altLang="en-US" sz="1200" dirty="0" smtClean="0"/>
+            <a:pPr lvl="0">
+              <a:defRPr/>
+            </a:pPr>
+            <a:r>
+              <a:rPr lang="ko-KR" altLang="en-US" sz="1200"/>
               <a:t>문제적</a:t>
             </a:r>
-            <a:endParaRPr lang="ko-KR" altLang="en-US" sz="1200" dirty="0"/>
+            <a:endParaRPr lang="ko-KR" altLang="en-US" sz="1200"/>
           </a:p>
         </p:txBody>
       </p:sp>
@@ -4598,7 +4707,7 @@
           </a:prstGeom>
           <a:ln>
             <a:solidFill>
-              <a:srgbClr val="C00000"/>
+              <a:srgbClr val="c00000"/>
             </a:solidFill>
             <a:tailEnd type="triangle"/>
           </a:ln>
@@ -4619,20 +4728,23 @@
         </p:style>
       </p:cxnSp>
     </p:spTree>
-    <p:extLst>
-      <p:ext uri="{BB962C8B-B14F-4D97-AF65-F5344CB8AC3E}">
-        <p14:creationId xmlns:p14="http://schemas.microsoft.com/office/powerpoint/2010/main" val="2918791935"/>
-      </p:ext>
-    </p:extLst>
   </p:cSld>
   <p:clrMapOvr>
     <a:masterClrMapping/>
   </p:clrMapOvr>
+  <mc:AlternateContent xmlns:mc="http://schemas.openxmlformats.org/markup-compatibility/2006">
+    <mc:Choice xmlns:p14="http://schemas.microsoft.com/office/powerpoint/2010/main" Requires="p14">
+      <p:transition xmlns:mc="http://schemas.openxmlformats.org/markup-compatibility/2006" xmlns:p14="http://schemas.microsoft.com/office/powerpoint/2010/main" mc:Ignorable="p14" p14:dur="500"/>
+    </mc:Choice>
+    <mc:Fallback>
+      <p:transition/>
+    </mc:Fallback>
+  </mc:AlternateContent>
 </p:sld>
 </file>
 
 <file path=ppt/slides/slide2.xml><?xml version="1.0" encoding="utf-8"?>
-<p:sld xmlns:a="http://schemas.openxmlformats.org/drawingml/2006/main" xmlns:r="http://schemas.openxmlformats.org/officeDocument/2006/relationships" xmlns:p="http://schemas.openxmlformats.org/presentationml/2006/main">
+<p:sld xmlns:r="http://schemas.openxmlformats.org/officeDocument/2006/relationships" xmlns:c="http://schemas.openxmlformats.org/drawingml/2006/chart" xmlns:a="http://schemas.openxmlformats.org/drawingml/2006/main" xmlns:dgm="http://schemas.openxmlformats.org/drawingml/2006/diagram" xmlns:dsp="http://schemas.microsoft.com/office/drawing/2008/diagram" xmlns:p="http://schemas.openxmlformats.org/presentationml/2006/main">
   <p:cSld>
     <p:spTree>
       <p:nvGrpSpPr>
@@ -4680,15 +4792,17 @@
           </a:fontRef>
         </p:style>
         <p:txBody>
-          <a:bodyPr rtlCol="0" anchor="ctr"/>
-          <a:lstStyle/>
-          <a:p>
-            <a:pPr algn="ctr"/>
-            <a:r>
-              <a:rPr lang="en-US" altLang="ko-KR" sz="1200" dirty="0" err="1" smtClean="0"/>
+          <a:bodyPr anchor="ctr"/>
+          <a:lstStyle/>
+          <a:p>
+            <a:pPr lvl="0" algn="ctr">
+              <a:defRPr/>
+            </a:pPr>
+            <a:r>
+              <a:rPr lang="en-US" altLang="ko-KR" sz="1200"/>
               <a:t>UserSystem</a:t>
             </a:r>
-            <a:endParaRPr lang="ko-KR" altLang="en-US" sz="1200" dirty="0"/>
+            <a:endParaRPr lang="ko-KR" altLang="en-US" sz="1200"/>
           </a:p>
         </p:txBody>
       </p:sp>
@@ -4724,15 +4838,17 @@
           </a:fontRef>
         </p:style>
         <p:txBody>
-          <a:bodyPr rtlCol="0" anchor="ctr"/>
-          <a:lstStyle/>
-          <a:p>
-            <a:pPr algn="ctr"/>
-            <a:r>
-              <a:rPr lang="en-US" altLang="ko-KR" sz="1200" dirty="0" err="1" smtClean="0"/>
+          <a:bodyPr anchor="ctr"/>
+          <a:lstStyle/>
+          <a:p>
+            <a:pPr lvl="0" algn="ctr">
+              <a:defRPr/>
+            </a:pPr>
+            <a:r>
+              <a:rPr lang="en-US" altLang="ko-KR" sz="1200"/>
               <a:t>NotUserSys</a:t>
             </a:r>
-            <a:endParaRPr lang="ko-KR" altLang="en-US" sz="1200" dirty="0"/>
+            <a:endParaRPr lang="ko-KR" altLang="en-US" sz="1200"/>
           </a:p>
         </p:txBody>
       </p:sp>
@@ -4768,15 +4884,17 @@
           </a:fontRef>
         </p:style>
         <p:txBody>
-          <a:bodyPr rtlCol="0" anchor="ctr"/>
-          <a:lstStyle/>
-          <a:p>
-            <a:pPr algn="ctr"/>
-            <a:r>
-              <a:rPr lang="en-US" altLang="ko-KR" dirty="0" smtClean="0"/>
+          <a:bodyPr anchor="ctr"/>
+          <a:lstStyle/>
+          <a:p>
+            <a:pPr lvl="0" algn="ctr">
+              <a:defRPr/>
+            </a:pPr>
+            <a:r>
+              <a:rPr lang="en-US" altLang="ko-KR"/>
               <a:t>Users</a:t>
             </a:r>
-            <a:endParaRPr lang="ko-KR" altLang="en-US" dirty="0"/>
+            <a:endParaRPr lang="ko-KR" altLang="en-US"/>
           </a:p>
         </p:txBody>
       </p:sp>
@@ -4812,15 +4930,17 @@
           </a:fontRef>
         </p:style>
         <p:txBody>
-          <a:bodyPr rtlCol="0" anchor="ctr"/>
-          <a:lstStyle/>
-          <a:p>
-            <a:pPr algn="ctr"/>
-            <a:r>
-              <a:rPr lang="en-US" altLang="ko-KR" sz="1100" dirty="0" err="1" smtClean="0"/>
+          <a:bodyPr anchor="ctr"/>
+          <a:lstStyle/>
+          <a:p>
+            <a:pPr lvl="0" algn="ctr">
+              <a:defRPr/>
+            </a:pPr>
+            <a:r>
+              <a:rPr lang="en-US" altLang="ko-KR" sz="1100"/>
               <a:t>AdSystem</a:t>
             </a:r>
-            <a:endParaRPr lang="ko-KR" altLang="en-US" sz="1100" dirty="0"/>
+            <a:endParaRPr lang="ko-KR" altLang="en-US" sz="1100"/>
           </a:p>
         </p:txBody>
       </p:sp>
@@ -4856,15 +4976,17 @@
           </a:fontRef>
         </p:style>
         <p:txBody>
-          <a:bodyPr rtlCol="0" anchor="ctr"/>
-          <a:lstStyle/>
-          <a:p>
-            <a:pPr algn="ctr"/>
-            <a:r>
-              <a:rPr lang="en-US" altLang="ko-KR" dirty="0" smtClean="0"/>
+          <a:bodyPr anchor="ctr"/>
+          <a:lstStyle/>
+          <a:p>
+            <a:pPr lvl="0" algn="ctr">
+              <a:defRPr/>
+            </a:pPr>
+            <a:r>
+              <a:rPr lang="en-US" altLang="ko-KR"/>
               <a:t>Kiosk</a:t>
             </a:r>
-            <a:endParaRPr lang="ko-KR" altLang="en-US" dirty="0"/>
+            <a:endParaRPr lang="ko-KR" altLang="en-US"/>
           </a:p>
         </p:txBody>
       </p:sp>
@@ -5008,15 +5130,17 @@
           </a:fontRef>
         </p:style>
         <p:txBody>
-          <a:bodyPr rtlCol="0" anchor="ctr"/>
-          <a:lstStyle/>
-          <a:p>
-            <a:pPr algn="ctr"/>
-            <a:r>
-              <a:rPr lang="en-US" altLang="ko-KR" sz="1200" dirty="0" smtClean="0"/>
+          <a:bodyPr anchor="ctr"/>
+          <a:lstStyle/>
+          <a:p>
+            <a:pPr lvl="0" algn="ctr">
+              <a:defRPr/>
+            </a:pPr>
+            <a:r>
+              <a:rPr lang="en-US" altLang="ko-KR" sz="1200"/>
               <a:t>Purchase</a:t>
             </a:r>
-            <a:endParaRPr lang="ko-KR" altLang="en-US" sz="1200" dirty="0"/>
+            <a:endParaRPr lang="ko-KR" altLang="en-US" sz="1200"/>
           </a:p>
         </p:txBody>
       </p:sp>
@@ -5032,7 +5156,10 @@
             <a:ext cx="739834" cy="1302330"/>
           </a:xfrm>
           <a:prstGeom prst="downArrow">
-            <a:avLst/>
+            <a:avLst>
+              <a:gd name="adj1" fmla="val 50000"/>
+              <a:gd name="adj2" fmla="val 50000"/>
+            </a:avLst>
           </a:prstGeom>
           <a:noFill/>
         </p:spPr>
@@ -5053,10 +5180,12 @@
           </a:fontRef>
         </p:style>
         <p:txBody>
-          <a:bodyPr rtlCol="0" anchor="ctr"/>
-          <a:lstStyle/>
-          <a:p>
-            <a:pPr algn="ctr"/>
+          <a:bodyPr anchor="ctr"/>
+          <a:lstStyle/>
+          <a:p>
+            <a:pPr lvl="0" algn="ctr">
+              <a:defRPr/>
+            </a:pPr>
             <a:endParaRPr lang="ko-KR" altLang="en-US"/>
           </a:p>
         </p:txBody>
@@ -5073,7 +5202,10 @@
             <a:ext cx="739834" cy="1302330"/>
           </a:xfrm>
           <a:prstGeom prst="downArrow">
-            <a:avLst/>
+            <a:avLst>
+              <a:gd name="adj1" fmla="val 50000"/>
+              <a:gd name="adj2" fmla="val 50000"/>
+            </a:avLst>
           </a:prstGeom>
           <a:noFill/>
         </p:spPr>
@@ -5094,10 +5226,12 @@
           </a:fontRef>
         </p:style>
         <p:txBody>
-          <a:bodyPr rtlCol="0" anchor="ctr"/>
-          <a:lstStyle/>
-          <a:p>
-            <a:pPr algn="ctr"/>
+          <a:bodyPr anchor="ctr"/>
+          <a:lstStyle/>
+          <a:p>
+            <a:pPr lvl="0" algn="ctr">
+              <a:defRPr/>
+            </a:pPr>
             <a:endParaRPr lang="ko-KR" altLang="en-US"/>
           </a:p>
         </p:txBody>
@@ -5114,7 +5248,10 @@
             <a:ext cx="3398547" cy="261258"/>
           </a:xfrm>
           <a:prstGeom prst="rightArrow">
-            <a:avLst/>
+            <a:avLst>
+              <a:gd name="adj1" fmla="val 50000"/>
+              <a:gd name="adj2" fmla="val 50000"/>
+            </a:avLst>
           </a:prstGeom>
           <a:noFill/>
         </p:spPr>
@@ -5135,10 +5272,12 @@
           </a:fontRef>
         </p:style>
         <p:txBody>
-          <a:bodyPr rtlCol="0" anchor="ctr"/>
-          <a:lstStyle/>
-          <a:p>
-            <a:pPr algn="ctr"/>
+          <a:bodyPr anchor="ctr"/>
+          <a:lstStyle/>
+          <a:p>
+            <a:pPr lvl="0" algn="ctr">
+              <a:defRPr/>
+            </a:pPr>
             <a:endParaRPr lang="ko-KR" altLang="en-US"/>
           </a:p>
         </p:txBody>
@@ -5175,23 +5314,27 @@
           </a:fontRef>
         </p:style>
         <p:txBody>
-          <a:bodyPr rtlCol="0" anchor="ctr"/>
-          <a:lstStyle/>
-          <a:p>
-            <a:pPr algn="ctr"/>
-            <a:r>
-              <a:rPr lang="en-US" altLang="ko-KR" sz="1200" dirty="0" smtClean="0"/>
+          <a:bodyPr anchor="ctr"/>
+          <a:lstStyle/>
+          <a:p>
+            <a:pPr lvl="0" algn="ctr">
+              <a:defRPr/>
+            </a:pPr>
+            <a:r>
+              <a:rPr lang="en-US" altLang="ko-KR" sz="1200"/>
               <a:t>Cash</a:t>
             </a:r>
-            <a:endParaRPr lang="en-US" altLang="ko-KR" sz="1200" dirty="0" smtClean="0"/>
-          </a:p>
-          <a:p>
-            <a:pPr algn="ctr"/>
-            <a:r>
-              <a:rPr lang="en-US" altLang="ko-KR" sz="1200" dirty="0" smtClean="0"/>
+            <a:endParaRPr lang="en-US" altLang="ko-KR" sz="1200"/>
+          </a:p>
+          <a:p>
+            <a:pPr lvl="0" algn="ctr">
+              <a:defRPr/>
+            </a:pPr>
+            <a:r>
+              <a:rPr lang="en-US" altLang="ko-KR" sz="1200"/>
               <a:t>//Buy</a:t>
             </a:r>
-            <a:endParaRPr lang="ko-KR" altLang="en-US" sz="1200" dirty="0"/>
+            <a:endParaRPr lang="ko-KR" altLang="en-US" sz="1200"/>
           </a:p>
         </p:txBody>
       </p:sp>
@@ -5227,14 +5370,17 @@
           </a:fontRef>
         </p:style>
         <p:txBody>
-          <a:bodyPr rtlCol="0" anchor="ctr"/>
-          <a:lstStyle/>
-          <a:p>
-            <a:pPr algn="ctr"/>
-            <a:r>
-              <a:rPr lang="en-US" altLang="ko-KR" sz="1200" dirty="0" smtClean="0"/>
+          <a:bodyPr anchor="ctr"/>
+          <a:lstStyle/>
+          <a:p>
+            <a:pPr lvl="0" algn="ctr">
+              <a:defRPr/>
+            </a:pPr>
+            <a:r>
+              <a:rPr lang="en-US" altLang="ko-KR" sz="1200"/>
               <a:t>Cart</a:t>
             </a:r>
+            <a:endParaRPr lang="en-US" altLang="ko-KR" sz="1200"/>
           </a:p>
         </p:txBody>
       </p:sp>
@@ -5285,7 +5431,10 @@
             <a:ext cx="1821750" cy="319078"/>
           </a:xfrm>
           <a:prstGeom prst="rightArrow">
-            <a:avLst/>
+            <a:avLst>
+              <a:gd name="adj1" fmla="val 50000"/>
+              <a:gd name="adj2" fmla="val 50000"/>
+            </a:avLst>
           </a:prstGeom>
           <a:noFill/>
         </p:spPr>
@@ -5306,10 +5455,12 @@
           </a:fontRef>
         </p:style>
         <p:txBody>
-          <a:bodyPr rtlCol="0" anchor="ctr"/>
-          <a:lstStyle/>
-          <a:p>
-            <a:pPr algn="ctr"/>
+          <a:bodyPr anchor="ctr"/>
+          <a:lstStyle/>
+          <a:p>
+            <a:pPr lvl="0" algn="ctr">
+              <a:defRPr/>
+            </a:pPr>
             <a:endParaRPr lang="ko-KR" altLang="en-US"/>
           </a:p>
         </p:txBody>
@@ -5331,16 +5482,19 @@
           <a:noFill/>
         </p:spPr>
         <p:txBody>
-          <a:bodyPr wrap="square" rtlCol="0">
+          <a:bodyPr wrap="square">
             <a:spAutoFit/>
           </a:bodyPr>
           <a:lstStyle/>
           <a:p>
-            <a:r>
-              <a:rPr lang="en-US" altLang="ko-KR" sz="1050" i="1" dirty="0" smtClean="0"/>
+            <a:pPr lvl="0">
+              <a:defRPr/>
+            </a:pPr>
+            <a:r>
+              <a:rPr lang="en-US" altLang="ko-KR" sz="1050" i="1"/>
               <a:t>Login Value</a:t>
             </a:r>
-            <a:endParaRPr lang="ko-KR" altLang="en-US" sz="1050" i="1" dirty="0"/>
+            <a:endParaRPr lang="ko-KR" altLang="en-US" sz="1050" i="1"/>
           </a:p>
         </p:txBody>
       </p:sp>
@@ -5376,15 +5530,17 @@
           </a:fontRef>
         </p:style>
         <p:txBody>
-          <a:bodyPr rtlCol="0" anchor="ctr"/>
-          <a:lstStyle/>
-          <a:p>
-            <a:pPr algn="ctr"/>
-            <a:r>
-              <a:rPr lang="en-US" altLang="ko-KR" sz="1200" dirty="0" err="1" smtClean="0"/>
+          <a:bodyPr anchor="ctr"/>
+          <a:lstStyle/>
+          <a:p>
+            <a:pPr lvl="0" algn="ctr">
+              <a:defRPr/>
+            </a:pPr>
+            <a:r>
+              <a:rPr lang="en-US" altLang="ko-KR" sz="1200"/>
               <a:t>MData</a:t>
             </a:r>
-            <a:endParaRPr lang="ko-KR" altLang="en-US" sz="1200" dirty="0"/>
+            <a:endParaRPr lang="ko-KR" altLang="en-US" sz="1200"/>
           </a:p>
         </p:txBody>
       </p:sp>
@@ -5420,15 +5576,17 @@
           </a:fontRef>
         </p:style>
         <p:txBody>
-          <a:bodyPr rtlCol="0" anchor="ctr"/>
-          <a:lstStyle/>
-          <a:p>
-            <a:pPr algn="ctr"/>
-            <a:r>
-              <a:rPr lang="en-US" altLang="ko-KR" sz="1200" dirty="0" smtClean="0"/>
+          <a:bodyPr anchor="ctr"/>
+          <a:lstStyle/>
+          <a:p>
+            <a:pPr lvl="0" algn="ctr">
+              <a:defRPr/>
+            </a:pPr>
+            <a:r>
+              <a:rPr lang="en-US" altLang="ko-KR" sz="1200"/>
               <a:t>Members</a:t>
             </a:r>
-            <a:endParaRPr lang="ko-KR" altLang="en-US" sz="1200" dirty="0"/>
+            <a:endParaRPr lang="ko-KR" altLang="en-US" sz="1200"/>
           </a:p>
         </p:txBody>
       </p:sp>
@@ -5464,15 +5622,17 @@
           </a:fontRef>
         </p:style>
         <p:txBody>
-          <a:bodyPr rtlCol="0" anchor="ctr"/>
-          <a:lstStyle/>
-          <a:p>
-            <a:pPr algn="ctr"/>
-            <a:r>
-              <a:rPr lang="en-US" altLang="ko-KR" sz="1200" dirty="0" smtClean="0"/>
+          <a:bodyPr anchor="ctr"/>
+          <a:lstStyle/>
+          <a:p>
+            <a:pPr lvl="0" algn="ctr">
+              <a:defRPr/>
+            </a:pPr>
+            <a:r>
+              <a:rPr lang="en-US" altLang="ko-KR" sz="1200"/>
               <a:t>Products</a:t>
             </a:r>
-            <a:endParaRPr lang="ko-KR" altLang="en-US" sz="1200" dirty="0"/>
+            <a:endParaRPr lang="ko-KR" altLang="en-US" sz="1200"/>
           </a:p>
         </p:txBody>
       </p:sp>
@@ -5511,15 +5671,17 @@
           </a:fontRef>
         </p:style>
         <p:txBody>
-          <a:bodyPr rtlCol="0" anchor="ctr"/>
-          <a:lstStyle/>
-          <a:p>
-            <a:pPr algn="ctr"/>
-            <a:r>
-              <a:rPr lang="en-US" altLang="ko-KR" dirty="0" smtClean="0"/>
+          <a:bodyPr anchor="ctr"/>
+          <a:lstStyle/>
+          <a:p>
+            <a:pPr lvl="0" algn="ctr">
+              <a:defRPr/>
+            </a:pPr>
+            <a:r>
+              <a:rPr lang="en-US" altLang="ko-KR"/>
               <a:t>Project</a:t>
             </a:r>
-            <a:endParaRPr lang="ko-KR" altLang="en-US" dirty="0"/>
+            <a:endParaRPr lang="ko-KR" altLang="en-US"/>
           </a:p>
         </p:txBody>
       </p:sp>
@@ -5535,7 +5697,10 @@
             <a:ext cx="783772" cy="167951"/>
           </a:xfrm>
           <a:prstGeom prst="rightArrow">
-            <a:avLst/>
+            <a:avLst>
+              <a:gd name="adj1" fmla="val 50000"/>
+              <a:gd name="adj2" fmla="val 50000"/>
+            </a:avLst>
           </a:prstGeom>
           <a:noFill/>
         </p:spPr>
@@ -5556,10 +5721,12 @@
           </a:fontRef>
         </p:style>
         <p:txBody>
-          <a:bodyPr rtlCol="0" anchor="ctr"/>
-          <a:lstStyle/>
-          <a:p>
-            <a:pPr algn="ctr"/>
+          <a:bodyPr anchor="ctr"/>
+          <a:lstStyle/>
+          <a:p>
+            <a:pPr lvl="0" algn="ctr">
+              <a:defRPr/>
+            </a:pPr>
             <a:endParaRPr lang="ko-KR" altLang="en-US"/>
           </a:p>
         </p:txBody>
@@ -5576,7 +5743,10 @@
             <a:ext cx="224061" cy="2497939"/>
           </a:xfrm>
           <a:prstGeom prst="downArrow">
-            <a:avLst/>
+            <a:avLst>
+              <a:gd name="adj1" fmla="val 50000"/>
+              <a:gd name="adj2" fmla="val 50000"/>
+            </a:avLst>
           </a:prstGeom>
           <a:noFill/>
         </p:spPr>
@@ -5597,10 +5767,12 @@
           </a:fontRef>
         </p:style>
         <p:txBody>
-          <a:bodyPr rtlCol="0" anchor="ctr"/>
-          <a:lstStyle/>
-          <a:p>
-            <a:pPr algn="ctr"/>
+          <a:bodyPr anchor="ctr"/>
+          <a:lstStyle/>
+          <a:p>
+            <a:pPr lvl="0" algn="ctr">
+              <a:defRPr/>
+            </a:pPr>
             <a:endParaRPr lang="ko-KR" altLang="en-US"/>
           </a:p>
         </p:txBody>
@@ -5617,7 +5789,10 @@
             <a:ext cx="410955" cy="950712"/>
           </a:xfrm>
           <a:prstGeom prst="downArrow">
-            <a:avLst/>
+            <a:avLst>
+              <a:gd name="adj1" fmla="val 50000"/>
+              <a:gd name="adj2" fmla="val 50000"/>
+            </a:avLst>
           </a:prstGeom>
           <a:noFill/>
         </p:spPr>
@@ -5638,10 +5813,12 @@
           </a:fontRef>
         </p:style>
         <p:txBody>
-          <a:bodyPr rtlCol="0" anchor="ctr"/>
-          <a:lstStyle/>
-          <a:p>
-            <a:pPr algn="ctr"/>
+          <a:bodyPr anchor="ctr"/>
+          <a:lstStyle/>
+          <a:p>
+            <a:pPr lvl="0" algn="ctr">
+              <a:defRPr/>
+            </a:pPr>
             <a:endParaRPr lang="ko-KR" altLang="en-US"/>
           </a:p>
         </p:txBody>
@@ -5658,7 +5835,10 @@
             <a:ext cx="259559" cy="1611823"/>
           </a:xfrm>
           <a:prstGeom prst="downArrow">
-            <a:avLst/>
+            <a:avLst>
+              <a:gd name="adj1" fmla="val 50000"/>
+              <a:gd name="adj2" fmla="val 50000"/>
+            </a:avLst>
           </a:prstGeom>
           <a:noFill/>
         </p:spPr>
@@ -5679,10 +5859,12 @@
           </a:fontRef>
         </p:style>
         <p:txBody>
-          <a:bodyPr rtlCol="0" anchor="ctr"/>
-          <a:lstStyle/>
-          <a:p>
-            <a:pPr algn="ctr"/>
+          <a:bodyPr anchor="ctr"/>
+          <a:lstStyle/>
+          <a:p>
+            <a:pPr lvl="0" algn="ctr">
+              <a:defRPr/>
+            </a:pPr>
             <a:endParaRPr lang="ko-KR" altLang="en-US"/>
           </a:p>
         </p:txBody>
@@ -5742,20 +5924,23 @@
           <a:noFill/>
         </p:spPr>
         <p:txBody>
-          <a:bodyPr wrap="square" rtlCol="0">
+          <a:bodyPr wrap="square">
             <a:spAutoFit/>
           </a:bodyPr>
           <a:lstStyle/>
           <a:p>
-            <a:r>
-              <a:rPr lang="en-US" altLang="ko-KR" dirty="0" smtClean="0"/>
+            <a:pPr lvl="0">
+              <a:defRPr/>
+            </a:pPr>
+            <a:r>
+              <a:rPr lang="en-US" altLang="ko-KR"/>
               <a:t>DB</a:t>
             </a:r>
             <a:r>
-              <a:rPr lang="ko-KR" altLang="en-US" dirty="0" smtClean="0"/>
+              <a:rPr lang="ko-KR" altLang="en-US"/>
               <a:t>대체 자료</a:t>
             </a:r>
-            <a:endParaRPr lang="ko-KR" altLang="en-US" dirty="0"/>
+            <a:endParaRPr lang="ko-KR" altLang="en-US"/>
           </a:p>
         </p:txBody>
       </p:sp>
@@ -5776,20 +5961,19 @@
           <a:noFill/>
         </p:spPr>
         <p:txBody>
-          <a:bodyPr wrap="square" rtlCol="0">
+          <a:bodyPr wrap="square">
             <a:spAutoFit/>
           </a:bodyPr>
           <a:lstStyle/>
           <a:p>
-            <a:r>
-              <a:rPr lang="en-US" altLang="ko-KR" sz="1200" dirty="0" err="1" smtClean="0"/>
-              <a:t>testAge</a:t>
-            </a:r>
-            <a:r>
-              <a:rPr lang="en-US" altLang="ko-KR" sz="1200" dirty="0" smtClean="0"/>
-              <a:t>()</a:t>
-            </a:r>
-            <a:endParaRPr lang="ko-KR" altLang="en-US" dirty="0"/>
+            <a:pPr lvl="0">
+              <a:defRPr/>
+            </a:pPr>
+            <a:r>
+              <a:rPr lang="en-US" altLang="ko-KR" sz="1200"/>
+              <a:t>testAge()</a:t>
+            </a:r>
+            <a:endParaRPr lang="ko-KR" altLang="en-US"/>
           </a:p>
         </p:txBody>
       </p:sp>
@@ -5802,7 +5986,7 @@
         <p:spPr>
           <a:xfrm>
             <a:off x="1305000" y="4114065"/>
-            <a:ext cx="711674" cy="461665"/>
+            <a:ext cx="792545" cy="446505"/>
           </a:xfrm>
           <a:prstGeom prst="rect">
             <a:avLst/>
@@ -5810,22 +5994,29 @@
           <a:noFill/>
         </p:spPr>
         <p:txBody>
-          <a:bodyPr wrap="square" rtlCol="0">
+          <a:bodyPr wrap="square">
             <a:spAutoFit/>
           </a:bodyPr>
           <a:lstStyle/>
           <a:p>
-            <a:r>
-              <a:rPr lang="en-US" altLang="ko-KR" sz="1200" dirty="0" smtClean="0"/>
+            <a:pPr lvl="0">
+              <a:defRPr/>
+            </a:pPr>
+            <a:r>
+              <a:rPr lang="en-US" altLang="ko-KR" sz="1200"/>
               <a:t>login()</a:t>
             </a:r>
-          </a:p>
-          <a:p>
-            <a:r>
-              <a:rPr lang="en-US" altLang="ko-KR" sz="1200" dirty="0" smtClean="0"/>
-              <a:t>{//User }</a:t>
-            </a:r>
-            <a:endParaRPr lang="ko-KR" altLang="en-US" dirty="0"/>
+            <a:endParaRPr lang="en-US" altLang="ko-KR" sz="1200"/>
+          </a:p>
+          <a:p>
+            <a:pPr lvl="0">
+              <a:defRPr/>
+            </a:pPr>
+            <a:r>
+              <a:rPr lang="en-US" altLang="ko-KR" sz="1200"/>
+              <a:t>{//Users }</a:t>
+            </a:r>
+            <a:endParaRPr lang="en-US" altLang="ko-KR" sz="1200"/>
           </a:p>
         </p:txBody>
       </p:sp>
@@ -5884,16 +6075,19 @@
           <a:noFill/>
         </p:spPr>
         <p:txBody>
-          <a:bodyPr wrap="square" rtlCol="0">
+          <a:bodyPr wrap="square">
             <a:spAutoFit/>
           </a:bodyPr>
           <a:lstStyle/>
           <a:p>
-            <a:r>
-              <a:rPr lang="en-US" altLang="ko-KR" dirty="0" smtClean="0"/>
+            <a:pPr lvl="0">
+              <a:defRPr/>
+            </a:pPr>
+            <a:r>
+              <a:rPr lang="en-US" altLang="ko-KR"/>
               <a:t>??</a:t>
             </a:r>
-            <a:endParaRPr lang="ko-KR" altLang="en-US" dirty="0"/>
+            <a:endParaRPr lang="ko-KR" altLang="en-US"/>
           </a:p>
         </p:txBody>
       </p:sp>
@@ -5950,63 +6144,81 @@
           <a:noFill/>
         </p:spPr>
         <p:txBody>
-          <a:bodyPr wrap="square" rtlCol="0">
+          <a:bodyPr wrap="square">
             <a:spAutoFit/>
           </a:bodyPr>
           <a:lstStyle/>
           <a:p>
-            <a:r>
-              <a:rPr lang="en-US" altLang="ko-KR" sz="1400" dirty="0" err="1" smtClean="0"/>
+            <a:pPr lvl="0">
+              <a:defRPr/>
+            </a:pPr>
+            <a:r>
+              <a:rPr lang="en-US" altLang="ko-KR" sz="1400"/>
               <a:t>ssn</a:t>
             </a:r>
-            <a:endParaRPr lang="en-US" altLang="ko-KR" sz="1400" dirty="0" smtClean="0"/>
-          </a:p>
-          <a:p>
-            <a:r>
-              <a:rPr lang="en-US" altLang="ko-KR" sz="1400" dirty="0" smtClean="0"/>
+            <a:endParaRPr lang="en-US" altLang="ko-KR" sz="1400"/>
+          </a:p>
+          <a:p>
+            <a:pPr lvl="0">
+              <a:defRPr/>
+            </a:pPr>
+            <a:r>
+              <a:rPr lang="en-US" altLang="ko-KR" sz="1400"/>
               <a:t>&gt;</a:t>
             </a:r>
             <a:r>
-              <a:rPr lang="ko-KR" altLang="en-US" sz="1400" dirty="0" smtClean="0"/>
+              <a:rPr lang="ko-KR" altLang="en-US" sz="1400"/>
               <a:t>유효성</a:t>
             </a:r>
-            <a:endParaRPr lang="en-US" altLang="ko-KR" sz="1400" dirty="0" smtClean="0"/>
-          </a:p>
-          <a:p>
-            <a:r>
-              <a:rPr lang="en-US" altLang="ko-KR" sz="1400" dirty="0" smtClean="0"/>
+            <a:endParaRPr lang="ko-KR" altLang="en-US" sz="1400"/>
+          </a:p>
+          <a:p>
+            <a:pPr lvl="0">
+              <a:defRPr/>
+            </a:pPr>
+            <a:r>
+              <a:rPr lang="en-US" altLang="ko-KR" sz="1400"/>
               <a:t>&gt;</a:t>
             </a:r>
             <a:r>
-              <a:rPr lang="ko-KR" altLang="en-US" sz="1400" dirty="0" err="1" smtClean="0"/>
+              <a:rPr lang="ko-KR" altLang="en-US" sz="1400"/>
               <a:t>성인여부</a:t>
             </a:r>
-            <a:endParaRPr lang="en-US" altLang="ko-KR" sz="1400" dirty="0" smtClean="0"/>
-          </a:p>
-          <a:p>
-            <a:r>
-              <a:rPr lang="ko-KR" altLang="en-US" sz="1400" dirty="0" smtClean="0"/>
+            <a:endParaRPr lang="ko-KR" altLang="en-US" sz="1400"/>
+          </a:p>
+          <a:p>
+            <a:pPr lvl="0">
+              <a:defRPr/>
+            </a:pPr>
+            <a:r>
+              <a:rPr lang="ko-KR" altLang="en-US" sz="1400"/>
               <a:t>핸드폰 유효성</a:t>
             </a:r>
-            <a:endParaRPr lang="en-US" altLang="ko-KR" sz="1400" dirty="0" smtClean="0"/>
-          </a:p>
-          <a:p>
-            <a:r>
-              <a:rPr lang="ko-KR" altLang="en-US" sz="1400" dirty="0" smtClean="0"/>
+            <a:endParaRPr lang="ko-KR" altLang="en-US" sz="1400"/>
+          </a:p>
+          <a:p>
+            <a:pPr lvl="0">
+              <a:defRPr/>
+            </a:pPr>
+            <a:r>
+              <a:rPr lang="ko-KR" altLang="en-US" sz="1400"/>
               <a:t>회원가입</a:t>
             </a:r>
-            <a:endParaRPr lang="en-US" altLang="ko-KR" sz="1400" dirty="0" smtClean="0"/>
-          </a:p>
-          <a:p>
-            <a:r>
-              <a:rPr lang="en-US" altLang="ko-KR" sz="1400" dirty="0" smtClean="0"/>
+            <a:endParaRPr lang="ko-KR" altLang="en-US" sz="1400"/>
+          </a:p>
+          <a:p>
+            <a:pPr lvl="0">
+              <a:defRPr/>
+            </a:pPr>
+            <a:r>
+              <a:rPr lang="en-US" altLang="ko-KR" sz="1400"/>
               <a:t>//</a:t>
             </a:r>
             <a:r>
-              <a:rPr lang="ko-KR" altLang="en-US" sz="1400" dirty="0" smtClean="0"/>
+              <a:rPr lang="ko-KR" altLang="en-US" sz="1400"/>
               <a:t>로그아웃</a:t>
             </a:r>
-            <a:endParaRPr lang="ko-KR" altLang="en-US" sz="1400" dirty="0"/>
+            <a:endParaRPr lang="ko-KR" altLang="en-US" sz="1400"/>
           </a:p>
         </p:txBody>
       </p:sp>
@@ -6021,11 +6233,11 @@
         <p:spPr>
           <a:xfrm rot="10800000" flipH="1">
             <a:off x="1305000" y="1817762"/>
-            <a:ext cx="3511188" cy="2527136"/>
+            <a:ext cx="3511188" cy="2519555"/>
           </a:xfrm>
           <a:prstGeom prst="bentConnector3">
             <a:avLst>
-              <a:gd name="adj1" fmla="val -6511"/>
+              <a:gd name="adj1" fmla="val -4017"/>
             </a:avLst>
           </a:prstGeom>
           <a:ln>
@@ -6068,30 +6280,29 @@
           <a:noFill/>
         </p:spPr>
         <p:txBody>
-          <a:bodyPr wrap="square" rtlCol="0">
+          <a:bodyPr wrap="square">
             <a:spAutoFit/>
           </a:bodyPr>
           <a:lstStyle/>
           <a:p>
-            <a:r>
-              <a:rPr lang="en-US" altLang="ko-KR" sz="1200" dirty="0" err="1" smtClean="0"/>
-              <a:t>ssnAva</a:t>
-            </a:r>
-            <a:r>
-              <a:rPr lang="en-US" altLang="ko-KR" sz="1200" dirty="0" smtClean="0"/>
-              <a:t>()</a:t>
-            </a:r>
-          </a:p>
-          <a:p>
-            <a:r>
-              <a:rPr lang="en-US" altLang="ko-KR" sz="1200" dirty="0" err="1" smtClean="0"/>
-              <a:t>ssnAdult</a:t>
-            </a:r>
-            <a:r>
-              <a:rPr lang="en-US" altLang="ko-KR" sz="1200" dirty="0" smtClean="0"/>
-              <a:t>()</a:t>
-            </a:r>
-            <a:endParaRPr lang="ko-KR" altLang="en-US" sz="1200" dirty="0"/>
+            <a:pPr lvl="0">
+              <a:defRPr/>
+            </a:pPr>
+            <a:r>
+              <a:rPr lang="en-US" altLang="ko-KR" sz="1200"/>
+              <a:t>ssnAva()</a:t>
+            </a:r>
+            <a:endParaRPr lang="en-US" altLang="ko-KR" sz="1200"/>
+          </a:p>
+          <a:p>
+            <a:pPr lvl="0">
+              <a:defRPr/>
+            </a:pPr>
+            <a:r>
+              <a:rPr lang="en-US" altLang="ko-KR" sz="1200"/>
+              <a:t>ssnAdult()</a:t>
+            </a:r>
+            <a:endParaRPr lang="ko-KR" altLang="en-US" sz="1200"/>
           </a:p>
         </p:txBody>
       </p:sp>
@@ -6128,10 +6339,12 @@
           </a:fontRef>
         </p:style>
         <p:txBody>
-          <a:bodyPr rtlCol="0" anchor="ctr"/>
-          <a:lstStyle/>
-          <a:p>
-            <a:pPr algn="ctr"/>
+          <a:bodyPr anchor="ctr"/>
+          <a:lstStyle/>
+          <a:p>
+            <a:pPr lvl="0" algn="ctr">
+              <a:defRPr/>
+            </a:pPr>
             <a:endParaRPr lang="ko-KR" altLang="en-US"/>
           </a:p>
         </p:txBody>
@@ -6153,16 +6366,19 @@
           <a:noFill/>
         </p:spPr>
         <p:txBody>
-          <a:bodyPr wrap="square" rtlCol="0">
+          <a:bodyPr wrap="square">
             <a:spAutoFit/>
           </a:bodyPr>
           <a:lstStyle/>
           <a:p>
-            <a:r>
-              <a:rPr lang="en-US" altLang="ko-KR" dirty="0" smtClean="0"/>
+            <a:pPr lvl="0">
+              <a:defRPr/>
+            </a:pPr>
+            <a:r>
+              <a:rPr lang="en-US" altLang="ko-KR"/>
               <a:t>source</a:t>
             </a:r>
-            <a:endParaRPr lang="ko-KR" altLang="en-US" dirty="0"/>
+            <a:endParaRPr lang="ko-KR" altLang="en-US"/>
           </a:p>
         </p:txBody>
       </p:sp>
@@ -6183,20 +6399,19 @@
           <a:noFill/>
         </p:spPr>
         <p:txBody>
-          <a:bodyPr wrap="square" rtlCol="0">
+          <a:bodyPr wrap="square">
             <a:spAutoFit/>
           </a:bodyPr>
           <a:lstStyle/>
           <a:p>
-            <a:r>
-              <a:rPr lang="en-US" altLang="ko-KR" sz="1200" u="sng" dirty="0" err="1" smtClean="0"/>
-              <a:t>calCateTot</a:t>
-            </a:r>
-            <a:r>
-              <a:rPr lang="en-US" altLang="ko-KR" sz="1200" u="sng" dirty="0" smtClean="0"/>
-              <a:t>()</a:t>
-            </a:r>
-            <a:endParaRPr lang="ko-KR" altLang="en-US" u="sng" dirty="0"/>
+            <a:pPr lvl="0">
+              <a:defRPr/>
+            </a:pPr>
+            <a:r>
+              <a:rPr lang="en-US" altLang="ko-KR" sz="1200" u="sng"/>
+              <a:t>calCateTot()</a:t>
+            </a:r>
+            <a:endParaRPr lang="ko-KR" altLang="en-US" u="sng"/>
           </a:p>
         </p:txBody>
       </p:sp>
@@ -6256,79 +6471,2060 @@
           <a:noFill/>
         </p:spPr>
         <p:txBody>
-          <a:bodyPr wrap="square" rtlCol="0">
+          <a:bodyPr wrap="square">
             <a:spAutoFit/>
           </a:bodyPr>
           <a:lstStyle/>
           <a:p>
-            <a:r>
-              <a:rPr lang="ko-KR" altLang="en-US" sz="1200" dirty="0" smtClean="0"/>
+            <a:pPr lvl="0">
+              <a:defRPr/>
+            </a:pPr>
+            <a:r>
+              <a:rPr lang="ko-KR" altLang="en-US" sz="1200"/>
               <a:t>완전히 </a:t>
             </a:r>
             <a:r>
-              <a:rPr lang="en-US" altLang="ko-KR" sz="1200" dirty="0" smtClean="0"/>
+              <a:rPr lang="en-US" altLang="ko-KR" sz="1200"/>
               <a:t>Counter</a:t>
             </a:r>
             <a:r>
-              <a:rPr lang="ko-KR" altLang="en-US" sz="1200" dirty="0" smtClean="0"/>
+              <a:rPr lang="ko-KR" altLang="en-US" sz="1200"/>
               <a:t>역할</a:t>
             </a:r>
-            <a:endParaRPr lang="ko-KR" altLang="en-US" sz="1200" dirty="0"/>
+            <a:endParaRPr lang="ko-KR" altLang="en-US" sz="1200"/>
           </a:p>
         </p:txBody>
       </p:sp>
     </p:spTree>
-    <p:extLst>
-      <p:ext uri="{BB962C8B-B14F-4D97-AF65-F5344CB8AC3E}">
-        <p14:creationId xmlns:p14="http://schemas.microsoft.com/office/powerpoint/2010/main" val="1050193391"/>
-      </p:ext>
-    </p:extLst>
   </p:cSld>
   <p:clrMapOvr>
     <a:masterClrMapping/>
   </p:clrMapOvr>
+  <mc:AlternateContent xmlns:mc="http://schemas.openxmlformats.org/markup-compatibility/2006">
+    <mc:Choice xmlns:p14="http://schemas.microsoft.com/office/powerpoint/2010/main" Requires="p14">
+      <p:transition xmlns:mc="http://schemas.openxmlformats.org/markup-compatibility/2006" xmlns:p14="http://schemas.microsoft.com/office/powerpoint/2010/main" mc:Ignorable="p14" p14:dur="500"/>
+    </mc:Choice>
+    <mc:Fallback>
+      <p:transition/>
+    </mc:Fallback>
+  </mc:AlternateContent>
+</p:sld>
+</file>
+
+<file path=ppt/slides/slide3.xml><?xml version="1.0" encoding="utf-8"?>
+<p:sld xmlns:r="http://schemas.openxmlformats.org/officeDocument/2006/relationships" xmlns:c="http://schemas.openxmlformats.org/drawingml/2006/chart" xmlns:a="http://schemas.openxmlformats.org/drawingml/2006/main" xmlns:dgm="http://schemas.openxmlformats.org/drawingml/2006/diagram" xmlns:dsp="http://schemas.microsoft.com/office/drawing/2008/diagram" xmlns:p="http://schemas.openxmlformats.org/presentationml/2006/main">
+  <p:cSld>
+    <p:spTree>
+      <p:nvGrpSpPr>
+        <p:cNvPr id="1" name=""/>
+        <p:cNvGrpSpPr/>
+        <p:nvPr/>
+      </p:nvGrpSpPr>
+      <p:grpSpPr>
+        <a:xfrm>
+          <a:off x="0" y="0"/>
+          <a:ext cx="0" cy="0"/>
+          <a:chOff x="0" y="0"/>
+          <a:chExt cx="0" cy="0"/>
+        </a:xfrm>
+      </p:grpSpPr>
+      <p:sp>
+        <p:nvSpPr>
+          <p:cNvPr id="4" name="직사각형 3"/>
+          <p:cNvSpPr/>
+          <p:nvPr/>
+        </p:nvSpPr>
+        <p:spPr>
+          <a:xfrm>
+            <a:off x="1753986" y="3965171"/>
+            <a:ext cx="1039090" cy="565265"/>
+          </a:xfrm>
+          <a:prstGeom prst="rect">
+            <a:avLst/>
+          </a:prstGeom>
+        </p:spPr>
+        <p:style>
+          <a:lnRef idx="2">
+            <a:schemeClr val="accent1">
+              <a:shade val="50000"/>
+            </a:schemeClr>
+          </a:lnRef>
+          <a:fillRef idx="1">
+            <a:schemeClr val="accent1"/>
+          </a:fillRef>
+          <a:effectRef idx="0">
+            <a:schemeClr val="accent1"/>
+          </a:effectRef>
+          <a:fontRef idx="minor">
+            <a:schemeClr val="lt1"/>
+          </a:fontRef>
+        </p:style>
+        <p:txBody>
+          <a:bodyPr anchor="ctr"/>
+          <a:lstStyle/>
+          <a:p>
+            <a:pPr lvl="0" algn="ctr">
+              <a:defRPr/>
+            </a:pPr>
+            <a:r>
+              <a:rPr lang="en-US" altLang="ko-KR" sz="1200"/>
+              <a:t>UserSystem</a:t>
+            </a:r>
+            <a:endParaRPr lang="ko-KR" altLang="en-US" sz="1200"/>
+          </a:p>
+        </p:txBody>
+      </p:sp>
+      <p:sp>
+        <p:nvSpPr>
+          <p:cNvPr id="8" name="직사각형 7"/>
+          <p:cNvSpPr/>
+          <p:nvPr/>
+        </p:nvSpPr>
+        <p:spPr>
+          <a:xfrm>
+            <a:off x="3217026" y="3965171"/>
+            <a:ext cx="1088968" cy="565265"/>
+          </a:xfrm>
+          <a:prstGeom prst="rect">
+            <a:avLst/>
+          </a:prstGeom>
+        </p:spPr>
+        <p:style>
+          <a:lnRef idx="2">
+            <a:schemeClr val="accent1">
+              <a:shade val="50000"/>
+            </a:schemeClr>
+          </a:lnRef>
+          <a:fillRef idx="1">
+            <a:schemeClr val="accent1"/>
+          </a:fillRef>
+          <a:effectRef idx="0">
+            <a:schemeClr val="accent1"/>
+          </a:effectRef>
+          <a:fontRef idx="minor">
+            <a:schemeClr val="lt1"/>
+          </a:fontRef>
+        </p:style>
+        <p:txBody>
+          <a:bodyPr anchor="ctr"/>
+          <a:lstStyle/>
+          <a:p>
+            <a:pPr lvl="0" algn="ctr">
+              <a:defRPr/>
+            </a:pPr>
+            <a:r>
+              <a:rPr lang="en-US" altLang="ko-KR" sz="1200"/>
+              <a:t>NotUserSys</a:t>
+            </a:r>
+            <a:endParaRPr lang="ko-KR" altLang="en-US" sz="1200"/>
+          </a:p>
+        </p:txBody>
+      </p:sp>
+      <p:sp>
+        <p:nvSpPr>
+          <p:cNvPr id="9" name="직사각형 8"/>
+          <p:cNvSpPr/>
+          <p:nvPr/>
+        </p:nvSpPr>
+        <p:spPr>
+          <a:xfrm>
+            <a:off x="4827616" y="1321724"/>
+            <a:ext cx="889461" cy="565265"/>
+          </a:xfrm>
+          <a:prstGeom prst="rect">
+            <a:avLst/>
+          </a:prstGeom>
+        </p:spPr>
+        <p:style>
+          <a:lnRef idx="2">
+            <a:schemeClr val="accent1">
+              <a:shade val="50000"/>
+            </a:schemeClr>
+          </a:lnRef>
+          <a:fillRef idx="1">
+            <a:schemeClr val="accent1"/>
+          </a:fillRef>
+          <a:effectRef idx="0">
+            <a:schemeClr val="accent1"/>
+          </a:effectRef>
+          <a:fontRef idx="minor">
+            <a:schemeClr val="lt1"/>
+          </a:fontRef>
+        </p:style>
+        <p:txBody>
+          <a:bodyPr anchor="ctr"/>
+          <a:lstStyle/>
+          <a:p>
+            <a:pPr lvl="0" algn="ctr">
+              <a:defRPr/>
+            </a:pPr>
+            <a:r>
+              <a:rPr lang="en-US" altLang="ko-KR"/>
+              <a:t>Users</a:t>
+            </a:r>
+            <a:endParaRPr lang="ko-KR" altLang="en-US"/>
+          </a:p>
+        </p:txBody>
+      </p:sp>
+      <p:sp>
+        <p:nvSpPr>
+          <p:cNvPr id="10" name="직사각형 9"/>
+          <p:cNvSpPr/>
+          <p:nvPr/>
+        </p:nvSpPr>
+        <p:spPr>
+          <a:xfrm>
+            <a:off x="4729944" y="3965170"/>
+            <a:ext cx="889461" cy="565265"/>
+          </a:xfrm>
+          <a:prstGeom prst="rect">
+            <a:avLst/>
+          </a:prstGeom>
+        </p:spPr>
+        <p:style>
+          <a:lnRef idx="2">
+            <a:schemeClr val="accent1">
+              <a:shade val="50000"/>
+            </a:schemeClr>
+          </a:lnRef>
+          <a:fillRef idx="1">
+            <a:schemeClr val="accent1"/>
+          </a:fillRef>
+          <a:effectRef idx="0">
+            <a:schemeClr val="accent1"/>
+          </a:effectRef>
+          <a:fontRef idx="minor">
+            <a:schemeClr val="lt1"/>
+          </a:fontRef>
+        </p:style>
+        <p:txBody>
+          <a:bodyPr anchor="ctr"/>
+          <a:lstStyle/>
+          <a:p>
+            <a:pPr lvl="0" algn="ctr">
+              <a:defRPr/>
+            </a:pPr>
+            <a:r>
+              <a:rPr lang="en-US" altLang="ko-KR" sz="1100"/>
+              <a:t>AdSystem</a:t>
+            </a:r>
+            <a:endParaRPr lang="ko-KR" altLang="en-US" sz="1100"/>
+          </a:p>
+        </p:txBody>
+      </p:sp>
+      <p:sp>
+        <p:nvSpPr>
+          <p:cNvPr id="11" name="직사각형 10"/>
+          <p:cNvSpPr/>
+          <p:nvPr/>
+        </p:nvSpPr>
+        <p:spPr>
+          <a:xfrm>
+            <a:off x="4804758" y="2926079"/>
+            <a:ext cx="889461" cy="565265"/>
+          </a:xfrm>
+          <a:prstGeom prst="rect">
+            <a:avLst/>
+          </a:prstGeom>
+        </p:spPr>
+        <p:style>
+          <a:lnRef idx="2">
+            <a:schemeClr val="accent1">
+              <a:shade val="50000"/>
+            </a:schemeClr>
+          </a:lnRef>
+          <a:fillRef idx="1">
+            <a:schemeClr val="accent1"/>
+          </a:fillRef>
+          <a:effectRef idx="0">
+            <a:schemeClr val="accent1"/>
+          </a:effectRef>
+          <a:fontRef idx="minor">
+            <a:schemeClr val="lt1"/>
+          </a:fontRef>
+        </p:style>
+        <p:txBody>
+          <a:bodyPr anchor="ctr"/>
+          <a:lstStyle/>
+          <a:p>
+            <a:pPr lvl="0" algn="ctr">
+              <a:defRPr/>
+            </a:pPr>
+            <a:r>
+              <a:rPr lang="en-US" altLang="ko-KR"/>
+              <a:t>Kiosk</a:t>
+            </a:r>
+            <a:endParaRPr lang="ko-KR" altLang="en-US"/>
+          </a:p>
+        </p:txBody>
+      </p:sp>
+      <p:cxnSp>
+        <p:nvCxnSpPr>
+          <p:cNvPr id="13" name="직선 화살표 연결선 12"/>
+          <p:cNvCxnSpPr>
+            <a:stCxn id="11" idx="2"/>
+            <a:endCxn id="4" idx="0"/>
+          </p:cNvCxnSpPr>
+          <p:nvPr/>
+        </p:nvCxnSpPr>
+        <p:spPr>
+          <a:xfrm flipH="1">
+            <a:off x="2273531" y="3491344"/>
+            <a:ext cx="2975958" cy="473827"/>
+          </a:xfrm>
+          <a:prstGeom prst="straightConnector1">
+            <a:avLst/>
+          </a:prstGeom>
+          <a:ln>
+            <a:tailEnd type="triangle"/>
+          </a:ln>
+        </p:spPr>
+        <p:style>
+          <a:lnRef idx="1">
+            <a:schemeClr val="accent1"/>
+          </a:lnRef>
+          <a:fillRef idx="0">
+            <a:schemeClr val="accent1"/>
+          </a:fillRef>
+          <a:effectRef idx="0">
+            <a:schemeClr val="accent1"/>
+          </a:effectRef>
+          <a:fontRef idx="minor">
+            <a:schemeClr val="tx1"/>
+          </a:fontRef>
+        </p:style>
+      </p:cxnSp>
+      <p:cxnSp>
+        <p:nvCxnSpPr>
+          <p:cNvPr id="15" name="직선 화살표 연결선 14"/>
+          <p:cNvCxnSpPr>
+            <a:stCxn id="11" idx="2"/>
+            <a:endCxn id="8" idx="0"/>
+          </p:cNvCxnSpPr>
+          <p:nvPr/>
+        </p:nvCxnSpPr>
+        <p:spPr>
+          <a:xfrm flipH="1">
+            <a:off x="3761510" y="3491344"/>
+            <a:ext cx="1487979" cy="473827"/>
+          </a:xfrm>
+          <a:prstGeom prst="straightConnector1">
+            <a:avLst/>
+          </a:prstGeom>
+          <a:ln>
+            <a:tailEnd type="triangle"/>
+          </a:ln>
+        </p:spPr>
+        <p:style>
+          <a:lnRef idx="1">
+            <a:schemeClr val="accent1"/>
+          </a:lnRef>
+          <a:fillRef idx="0">
+            <a:schemeClr val="accent1"/>
+          </a:fillRef>
+          <a:effectRef idx="0">
+            <a:schemeClr val="accent1"/>
+          </a:effectRef>
+          <a:fontRef idx="minor">
+            <a:schemeClr val="tx1"/>
+          </a:fontRef>
+        </p:style>
+      </p:cxnSp>
+      <p:cxnSp>
+        <p:nvCxnSpPr>
+          <p:cNvPr id="19" name="직선 화살표 연결선 18"/>
+          <p:cNvCxnSpPr>
+            <a:stCxn id="11" idx="3"/>
+            <a:endCxn id="10" idx="0"/>
+          </p:cNvCxnSpPr>
+          <p:nvPr/>
+        </p:nvCxnSpPr>
+        <p:spPr>
+          <a:xfrm flipH="1">
+            <a:off x="5174675" y="3208712"/>
+            <a:ext cx="519544" cy="756458"/>
+          </a:xfrm>
+          <a:prstGeom prst="straightConnector1">
+            <a:avLst/>
+          </a:prstGeom>
+          <a:ln>
+            <a:tailEnd type="triangle"/>
+          </a:ln>
+        </p:spPr>
+        <p:style>
+          <a:lnRef idx="1">
+            <a:schemeClr val="accent1"/>
+          </a:lnRef>
+          <a:fillRef idx="0">
+            <a:schemeClr val="accent1"/>
+          </a:fillRef>
+          <a:effectRef idx="0">
+            <a:schemeClr val="accent1"/>
+          </a:effectRef>
+          <a:fontRef idx="minor">
+            <a:schemeClr val="tx1"/>
+          </a:fontRef>
+        </p:style>
+      </p:cxnSp>
+      <p:sp>
+        <p:nvSpPr>
+          <p:cNvPr id="26" name="직사각형 25"/>
+          <p:cNvSpPr/>
+          <p:nvPr/>
+        </p:nvSpPr>
+        <p:spPr>
+          <a:xfrm>
+            <a:off x="2460568" y="5095701"/>
+            <a:ext cx="1039090" cy="565265"/>
+          </a:xfrm>
+          <a:prstGeom prst="rect">
+            <a:avLst/>
+          </a:prstGeom>
+        </p:spPr>
+        <p:style>
+          <a:lnRef idx="2">
+            <a:schemeClr val="accent1">
+              <a:shade val="50000"/>
+            </a:schemeClr>
+          </a:lnRef>
+          <a:fillRef idx="1">
+            <a:schemeClr val="accent1"/>
+          </a:fillRef>
+          <a:effectRef idx="0">
+            <a:schemeClr val="accent1"/>
+          </a:effectRef>
+          <a:fontRef idx="minor">
+            <a:schemeClr val="lt1"/>
+          </a:fontRef>
+        </p:style>
+        <p:txBody>
+          <a:bodyPr anchor="ctr"/>
+          <a:lstStyle/>
+          <a:p>
+            <a:pPr lvl="0" algn="ctr">
+              <a:defRPr/>
+            </a:pPr>
+            <a:r>
+              <a:rPr lang="en-US" altLang="ko-KR" sz="1200"/>
+              <a:t>Purchase</a:t>
+            </a:r>
+            <a:endParaRPr lang="ko-KR" altLang="en-US" sz="1200"/>
+          </a:p>
+        </p:txBody>
+      </p:sp>
+      <p:sp>
+        <p:nvSpPr>
+          <p:cNvPr id="31" name="아래쪽 화살표 30"/>
+          <p:cNvSpPr/>
+          <p:nvPr/>
+        </p:nvSpPr>
+        <p:spPr>
+          <a:xfrm>
+            <a:off x="2980114" y="4671752"/>
+            <a:ext cx="739834" cy="282633"/>
+          </a:xfrm>
+          <a:prstGeom prst="downArrow">
+            <a:avLst>
+              <a:gd name="adj1" fmla="val 50000"/>
+              <a:gd name="adj2" fmla="val 50000"/>
+            </a:avLst>
+          </a:prstGeom>
+          <a:noFill/>
+        </p:spPr>
+        <p:style>
+          <a:lnRef idx="2">
+            <a:schemeClr val="accent1">
+              <a:shade val="50000"/>
+            </a:schemeClr>
+          </a:lnRef>
+          <a:fillRef idx="1">
+            <a:schemeClr val="accent1"/>
+          </a:fillRef>
+          <a:effectRef idx="0">
+            <a:schemeClr val="accent1"/>
+          </a:effectRef>
+          <a:fontRef idx="minor">
+            <a:schemeClr val="lt1"/>
+          </a:fontRef>
+        </p:style>
+        <p:txBody>
+          <a:bodyPr anchor="ctr"/>
+          <a:lstStyle/>
+          <a:p>
+            <a:pPr lvl="0" algn="ctr">
+              <a:defRPr/>
+            </a:pPr>
+            <a:endParaRPr lang="ko-KR" altLang="en-US"/>
+          </a:p>
+        </p:txBody>
+      </p:sp>
+      <p:sp>
+        <p:nvSpPr>
+          <p:cNvPr id="32" name="아래쪽 화살표 31"/>
+          <p:cNvSpPr/>
+          <p:nvPr/>
+        </p:nvSpPr>
+        <p:spPr>
+          <a:xfrm>
+            <a:off x="2198715" y="4671752"/>
+            <a:ext cx="739834" cy="282633"/>
+          </a:xfrm>
+          <a:prstGeom prst="downArrow">
+            <a:avLst>
+              <a:gd name="adj1" fmla="val 50000"/>
+              <a:gd name="adj2" fmla="val 50000"/>
+            </a:avLst>
+          </a:prstGeom>
+          <a:noFill/>
+        </p:spPr>
+        <p:style>
+          <a:lnRef idx="2">
+            <a:schemeClr val="accent1">
+              <a:shade val="50000"/>
+            </a:schemeClr>
+          </a:lnRef>
+          <a:fillRef idx="1">
+            <a:schemeClr val="accent1"/>
+          </a:fillRef>
+          <a:effectRef idx="0">
+            <a:schemeClr val="accent1"/>
+          </a:effectRef>
+          <a:fontRef idx="minor">
+            <a:schemeClr val="lt1"/>
+          </a:fontRef>
+        </p:style>
+        <p:txBody>
+          <a:bodyPr anchor="ctr"/>
+          <a:lstStyle/>
+          <a:p>
+            <a:pPr lvl="0" algn="ctr">
+              <a:defRPr/>
+            </a:pPr>
+            <a:endParaRPr lang="ko-KR" altLang="en-US"/>
+          </a:p>
+        </p:txBody>
+      </p:sp>
+      <p:sp>
+        <p:nvSpPr>
+          <p:cNvPr id="33" name="오른쪽 화살표 32"/>
+          <p:cNvSpPr/>
+          <p:nvPr/>
+        </p:nvSpPr>
+        <p:spPr>
+          <a:xfrm>
+            <a:off x="3610947" y="5309118"/>
+            <a:ext cx="961053" cy="261258"/>
+          </a:xfrm>
+          <a:prstGeom prst="rightArrow">
+            <a:avLst>
+              <a:gd name="adj1" fmla="val 50000"/>
+              <a:gd name="adj2" fmla="val 50000"/>
+            </a:avLst>
+          </a:prstGeom>
+          <a:noFill/>
+        </p:spPr>
+        <p:style>
+          <a:lnRef idx="2">
+            <a:schemeClr val="accent1">
+              <a:shade val="50000"/>
+            </a:schemeClr>
+          </a:lnRef>
+          <a:fillRef idx="1">
+            <a:schemeClr val="accent1"/>
+          </a:fillRef>
+          <a:effectRef idx="0">
+            <a:schemeClr val="accent1"/>
+          </a:effectRef>
+          <a:fontRef idx="minor">
+            <a:schemeClr val="lt1"/>
+          </a:fontRef>
+        </p:style>
+        <p:txBody>
+          <a:bodyPr anchor="ctr"/>
+          <a:lstStyle/>
+          <a:p>
+            <a:pPr lvl="0" algn="ctr">
+              <a:defRPr/>
+            </a:pPr>
+            <a:endParaRPr lang="ko-KR" altLang="en-US"/>
+          </a:p>
+        </p:txBody>
+      </p:sp>
+      <p:sp>
+        <p:nvSpPr>
+          <p:cNvPr id="34" name="직사각형 33"/>
+          <p:cNvSpPr/>
+          <p:nvPr/>
+        </p:nvSpPr>
+        <p:spPr>
+          <a:xfrm>
+            <a:off x="4729944" y="5095700"/>
+            <a:ext cx="1039090" cy="565265"/>
+          </a:xfrm>
+          <a:prstGeom prst="rect">
+            <a:avLst/>
+          </a:prstGeom>
+        </p:spPr>
+        <p:style>
+          <a:lnRef idx="2">
+            <a:schemeClr val="accent1">
+              <a:shade val="50000"/>
+            </a:schemeClr>
+          </a:lnRef>
+          <a:fillRef idx="1">
+            <a:schemeClr val="accent1"/>
+          </a:fillRef>
+          <a:effectRef idx="0">
+            <a:schemeClr val="accent1"/>
+          </a:effectRef>
+          <a:fontRef idx="minor">
+            <a:schemeClr val="lt1"/>
+          </a:fontRef>
+        </p:style>
+        <p:txBody>
+          <a:bodyPr anchor="ctr"/>
+          <a:lstStyle/>
+          <a:p>
+            <a:pPr lvl="0" algn="ctr">
+              <a:defRPr/>
+            </a:pPr>
+            <a:r>
+              <a:rPr lang="en-US" altLang="ko-KR" sz="1200"/>
+              <a:t>Cash</a:t>
+            </a:r>
+            <a:endParaRPr lang="en-US" altLang="ko-KR" sz="1200"/>
+          </a:p>
+          <a:p>
+            <a:pPr lvl="0" algn="ctr">
+              <a:defRPr/>
+            </a:pPr>
+            <a:r>
+              <a:rPr lang="en-US" altLang="ko-KR" sz="1200"/>
+              <a:t>//Buy</a:t>
+            </a:r>
+            <a:endParaRPr lang="ko-KR" altLang="en-US" sz="1200"/>
+          </a:p>
+        </p:txBody>
+      </p:sp>
+      <p:sp>
+        <p:nvSpPr>
+          <p:cNvPr id="35" name="직사각형 34"/>
+          <p:cNvSpPr/>
+          <p:nvPr/>
+        </p:nvSpPr>
+        <p:spPr>
+          <a:xfrm>
+            <a:off x="6782678" y="5095700"/>
+            <a:ext cx="1039090" cy="565265"/>
+          </a:xfrm>
+          <a:prstGeom prst="rect">
+            <a:avLst/>
+          </a:prstGeom>
+        </p:spPr>
+        <p:style>
+          <a:lnRef idx="2">
+            <a:schemeClr val="accent1">
+              <a:shade val="50000"/>
+            </a:schemeClr>
+          </a:lnRef>
+          <a:fillRef idx="1">
+            <a:schemeClr val="accent1"/>
+          </a:fillRef>
+          <a:effectRef idx="0">
+            <a:schemeClr val="accent1"/>
+          </a:effectRef>
+          <a:fontRef idx="minor">
+            <a:schemeClr val="lt1"/>
+          </a:fontRef>
+        </p:style>
+        <p:txBody>
+          <a:bodyPr anchor="ctr"/>
+          <a:lstStyle/>
+          <a:p>
+            <a:pPr lvl="0" algn="ctr">
+              <a:defRPr/>
+            </a:pPr>
+            <a:r>
+              <a:rPr lang="en-US" altLang="ko-KR" sz="1200" u="sng"/>
+              <a:t>Cart</a:t>
+            </a:r>
+            <a:endParaRPr lang="en-US" altLang="ko-KR" sz="1200" u="sng"/>
+          </a:p>
+        </p:txBody>
+      </p:sp>
+      <p:cxnSp>
+        <p:nvCxnSpPr>
+          <p:cNvPr id="37" name="직선 화살표 연결선 36"/>
+          <p:cNvCxnSpPr>
+            <a:stCxn id="11" idx="0"/>
+          </p:cNvCxnSpPr>
+          <p:nvPr/>
+        </p:nvCxnSpPr>
+        <p:spPr>
+          <a:xfrm flipV="1">
+            <a:off x="5249489" y="1886990"/>
+            <a:ext cx="11429" cy="1039089"/>
+          </a:xfrm>
+          <a:prstGeom prst="straightConnector1">
+            <a:avLst/>
+          </a:prstGeom>
+          <a:ln>
+            <a:tailEnd type="triangle"/>
+          </a:ln>
+        </p:spPr>
+        <p:style>
+          <a:lnRef idx="1">
+            <a:schemeClr val="accent1"/>
+          </a:lnRef>
+          <a:fillRef idx="0">
+            <a:schemeClr val="accent1"/>
+          </a:fillRef>
+          <a:effectRef idx="0">
+            <a:schemeClr val="accent1"/>
+          </a:effectRef>
+          <a:fontRef idx="minor">
+            <a:schemeClr val="tx1"/>
+          </a:fontRef>
+        </p:style>
+      </p:cxnSp>
+      <p:sp>
+        <p:nvSpPr>
+          <p:cNvPr id="38" name="오른쪽 화살표 37"/>
+          <p:cNvSpPr/>
+          <p:nvPr/>
+        </p:nvSpPr>
+        <p:spPr>
+          <a:xfrm>
+            <a:off x="5840963" y="5309118"/>
+            <a:ext cx="849086" cy="130629"/>
+          </a:xfrm>
+          <a:prstGeom prst="rightArrow">
+            <a:avLst>
+              <a:gd name="adj1" fmla="val 50000"/>
+              <a:gd name="adj2" fmla="val 50000"/>
+            </a:avLst>
+          </a:prstGeom>
+          <a:noFill/>
+        </p:spPr>
+        <p:style>
+          <a:lnRef idx="2">
+            <a:schemeClr val="accent1">
+              <a:shade val="50000"/>
+            </a:schemeClr>
+          </a:lnRef>
+          <a:fillRef idx="1">
+            <a:schemeClr val="accent1"/>
+          </a:fillRef>
+          <a:effectRef idx="0">
+            <a:schemeClr val="accent1"/>
+          </a:effectRef>
+          <a:fontRef idx="minor">
+            <a:schemeClr val="lt1"/>
+          </a:fontRef>
+        </p:style>
+        <p:txBody>
+          <a:bodyPr anchor="ctr"/>
+          <a:lstStyle/>
+          <a:p>
+            <a:pPr lvl="0" algn="ctr">
+              <a:defRPr/>
+            </a:pPr>
+            <a:endParaRPr lang="ko-KR" altLang="en-US"/>
+          </a:p>
+        </p:txBody>
+      </p:sp>
+      <p:sp>
+        <p:nvSpPr>
+          <p:cNvPr id="39" name="TextBox 38"/>
+          <p:cNvSpPr txBox="1"/>
+          <p:nvPr/>
+        </p:nvSpPr>
+        <p:spPr>
+          <a:xfrm>
+            <a:off x="1486528" y="4671752"/>
+            <a:ext cx="998375" cy="261610"/>
+          </a:xfrm>
+          <a:prstGeom prst="rect">
+            <a:avLst/>
+          </a:prstGeom>
+          <a:noFill/>
+        </p:spPr>
+        <p:txBody>
+          <a:bodyPr wrap="square">
+            <a:spAutoFit/>
+          </a:bodyPr>
+          <a:lstStyle/>
+          <a:p>
+            <a:pPr lvl="0">
+              <a:defRPr/>
+            </a:pPr>
+            <a:r>
+              <a:rPr lang="en-US" altLang="ko-KR" sz="1050" i="1"/>
+              <a:t>Login Value</a:t>
+            </a:r>
+            <a:endParaRPr lang="ko-KR" altLang="en-US" sz="1050" i="1"/>
+          </a:p>
+        </p:txBody>
+      </p:sp>
+      <p:sp>
+        <p:nvSpPr>
+          <p:cNvPr id="40" name="직사각형 39"/>
+          <p:cNvSpPr/>
+          <p:nvPr/>
+        </p:nvSpPr>
+        <p:spPr>
+          <a:xfrm>
+            <a:off x="6782678" y="793782"/>
+            <a:ext cx="871393" cy="391885"/>
+          </a:xfrm>
+          <a:prstGeom prst="rect">
+            <a:avLst/>
+          </a:prstGeom>
+        </p:spPr>
+        <p:style>
+          <a:lnRef idx="2">
+            <a:schemeClr val="accent1">
+              <a:shade val="50000"/>
+            </a:schemeClr>
+          </a:lnRef>
+          <a:fillRef idx="1">
+            <a:schemeClr val="accent1"/>
+          </a:fillRef>
+          <a:effectRef idx="0">
+            <a:schemeClr val="accent1"/>
+          </a:effectRef>
+          <a:fontRef idx="minor">
+            <a:schemeClr val="lt1"/>
+          </a:fontRef>
+        </p:style>
+        <p:txBody>
+          <a:bodyPr anchor="ctr"/>
+          <a:lstStyle/>
+          <a:p>
+            <a:pPr lvl="0" algn="ctr">
+              <a:defRPr/>
+            </a:pPr>
+            <a:r>
+              <a:rPr lang="en-US" altLang="ko-KR" sz="1200" u="sng"/>
+              <a:t>MData</a:t>
+            </a:r>
+            <a:endParaRPr lang="ko-KR" altLang="en-US" sz="1200" u="sng"/>
+          </a:p>
+        </p:txBody>
+      </p:sp>
+      <p:sp>
+        <p:nvSpPr>
+          <p:cNvPr id="41" name="직사각형 40"/>
+          <p:cNvSpPr/>
+          <p:nvPr/>
+        </p:nvSpPr>
+        <p:spPr>
+          <a:xfrm>
+            <a:off x="10045423" y="681135"/>
+            <a:ext cx="871393" cy="391885"/>
+          </a:xfrm>
+          <a:prstGeom prst="rect">
+            <a:avLst/>
+          </a:prstGeom>
+        </p:spPr>
+        <p:style>
+          <a:lnRef idx="2">
+            <a:schemeClr val="accent1">
+              <a:shade val="50000"/>
+            </a:schemeClr>
+          </a:lnRef>
+          <a:fillRef idx="1">
+            <a:schemeClr val="accent1"/>
+          </a:fillRef>
+          <a:effectRef idx="0">
+            <a:schemeClr val="accent1"/>
+          </a:effectRef>
+          <a:fontRef idx="minor">
+            <a:schemeClr val="lt1"/>
+          </a:fontRef>
+        </p:style>
+        <p:txBody>
+          <a:bodyPr anchor="ctr"/>
+          <a:lstStyle/>
+          <a:p>
+            <a:pPr lvl="0" algn="ctr">
+              <a:defRPr/>
+            </a:pPr>
+            <a:r>
+              <a:rPr lang="en-US" altLang="ko-KR" sz="1200"/>
+              <a:t>Members</a:t>
+            </a:r>
+            <a:endParaRPr lang="ko-KR" altLang="en-US" sz="1200"/>
+          </a:p>
+        </p:txBody>
+      </p:sp>
+      <p:sp>
+        <p:nvSpPr>
+          <p:cNvPr id="42" name="직사각형 41"/>
+          <p:cNvSpPr/>
+          <p:nvPr/>
+        </p:nvSpPr>
+        <p:spPr>
+          <a:xfrm>
+            <a:off x="10045423" y="2256312"/>
+            <a:ext cx="871393" cy="391885"/>
+          </a:xfrm>
+          <a:prstGeom prst="rect">
+            <a:avLst/>
+          </a:prstGeom>
+        </p:spPr>
+        <p:style>
+          <a:lnRef idx="2">
+            <a:schemeClr val="accent1">
+              <a:shade val="50000"/>
+            </a:schemeClr>
+          </a:lnRef>
+          <a:fillRef idx="1">
+            <a:schemeClr val="accent1"/>
+          </a:fillRef>
+          <a:effectRef idx="0">
+            <a:schemeClr val="accent1"/>
+          </a:effectRef>
+          <a:fontRef idx="minor">
+            <a:schemeClr val="lt1"/>
+          </a:fontRef>
+        </p:style>
+        <p:txBody>
+          <a:bodyPr anchor="ctr"/>
+          <a:lstStyle/>
+          <a:p>
+            <a:pPr lvl="0" algn="ctr">
+              <a:defRPr/>
+            </a:pPr>
+            <a:r>
+              <a:rPr lang="en-US" altLang="ko-KR" sz="1200"/>
+              <a:t>Products</a:t>
+            </a:r>
+            <a:endParaRPr lang="ko-KR" altLang="en-US" sz="1200"/>
+          </a:p>
+        </p:txBody>
+      </p:sp>
+      <p:sp>
+        <p:nvSpPr>
+          <p:cNvPr id="49" name="직사각형 48"/>
+          <p:cNvSpPr/>
+          <p:nvPr/>
+        </p:nvSpPr>
+        <p:spPr>
+          <a:xfrm>
+            <a:off x="6782678" y="2926079"/>
+            <a:ext cx="942392" cy="535577"/>
+          </a:xfrm>
+          <a:prstGeom prst="rect">
+            <a:avLst/>
+          </a:prstGeom>
+          <a:solidFill>
+            <a:schemeClr val="tx1"/>
+          </a:solidFill>
+        </p:spPr>
+        <p:style>
+          <a:lnRef idx="2">
+            <a:schemeClr val="accent1">
+              <a:shade val="50000"/>
+            </a:schemeClr>
+          </a:lnRef>
+          <a:fillRef idx="1">
+            <a:schemeClr val="accent1"/>
+          </a:fillRef>
+          <a:effectRef idx="0">
+            <a:schemeClr val="accent1"/>
+          </a:effectRef>
+          <a:fontRef idx="minor">
+            <a:schemeClr val="lt1"/>
+          </a:fontRef>
+        </p:style>
+        <p:txBody>
+          <a:bodyPr anchor="ctr"/>
+          <a:lstStyle/>
+          <a:p>
+            <a:pPr lvl="0" algn="ctr">
+              <a:defRPr/>
+            </a:pPr>
+            <a:r>
+              <a:rPr lang="en-US" altLang="ko-KR"/>
+              <a:t>Project</a:t>
+            </a:r>
+            <a:endParaRPr lang="ko-KR" altLang="en-US"/>
+          </a:p>
+        </p:txBody>
+      </p:sp>
+      <p:sp>
+        <p:nvSpPr>
+          <p:cNvPr id="50" name="오른쪽 화살표 49"/>
+          <p:cNvSpPr/>
+          <p:nvPr/>
+        </p:nvSpPr>
+        <p:spPr>
+          <a:xfrm>
+            <a:off x="5840963" y="3125755"/>
+            <a:ext cx="783772" cy="167951"/>
+          </a:xfrm>
+          <a:prstGeom prst="rightArrow">
+            <a:avLst>
+              <a:gd name="adj1" fmla="val 50000"/>
+              <a:gd name="adj2" fmla="val 50000"/>
+            </a:avLst>
+          </a:prstGeom>
+          <a:noFill/>
+        </p:spPr>
+        <p:style>
+          <a:lnRef idx="2">
+            <a:schemeClr val="accent1">
+              <a:shade val="50000"/>
+            </a:schemeClr>
+          </a:lnRef>
+          <a:fillRef idx="1">
+            <a:schemeClr val="accent1"/>
+          </a:fillRef>
+          <a:effectRef idx="0">
+            <a:schemeClr val="accent1"/>
+          </a:effectRef>
+          <a:fontRef idx="minor">
+            <a:schemeClr val="lt1"/>
+          </a:fontRef>
+        </p:style>
+        <p:txBody>
+          <a:bodyPr anchor="ctr"/>
+          <a:lstStyle/>
+          <a:p>
+            <a:pPr lvl="0" algn="ctr">
+              <a:defRPr/>
+            </a:pPr>
+            <a:endParaRPr lang="ko-KR" altLang="en-US"/>
+          </a:p>
+        </p:txBody>
+      </p:sp>
+      <p:sp>
+        <p:nvSpPr>
+          <p:cNvPr id="51" name="아래쪽 화살표 50"/>
+          <p:cNvSpPr/>
+          <p:nvPr/>
+        </p:nvSpPr>
+        <p:spPr>
+          <a:xfrm rot="10800000">
+            <a:off x="7253872" y="3491342"/>
+            <a:ext cx="224061" cy="1463042"/>
+          </a:xfrm>
+          <a:prstGeom prst="downArrow">
+            <a:avLst>
+              <a:gd name="adj1" fmla="val 50000"/>
+              <a:gd name="adj2" fmla="val 50000"/>
+            </a:avLst>
+          </a:prstGeom>
+          <a:noFill/>
+        </p:spPr>
+        <p:style>
+          <a:lnRef idx="2">
+            <a:schemeClr val="accent1">
+              <a:shade val="50000"/>
+            </a:schemeClr>
+          </a:lnRef>
+          <a:fillRef idx="1">
+            <a:schemeClr val="accent1"/>
+          </a:fillRef>
+          <a:effectRef idx="0">
+            <a:schemeClr val="accent1"/>
+          </a:effectRef>
+          <a:fontRef idx="minor">
+            <a:schemeClr val="lt1"/>
+          </a:fontRef>
+        </p:style>
+        <p:txBody>
+          <a:bodyPr anchor="ctr"/>
+          <a:lstStyle/>
+          <a:p>
+            <a:pPr lvl="0" algn="ctr">
+              <a:defRPr/>
+            </a:pPr>
+            <a:endParaRPr lang="ko-KR" altLang="en-US"/>
+          </a:p>
+        </p:txBody>
+      </p:sp>
+      <p:sp>
+        <p:nvSpPr>
+          <p:cNvPr id="52" name="아래쪽 화살표 51"/>
+          <p:cNvSpPr/>
+          <p:nvPr/>
+        </p:nvSpPr>
+        <p:spPr>
+          <a:xfrm rot="14562105">
+            <a:off x="5973448" y="3434930"/>
+            <a:ext cx="410955" cy="950712"/>
+          </a:xfrm>
+          <a:prstGeom prst="downArrow">
+            <a:avLst>
+              <a:gd name="adj1" fmla="val 50000"/>
+              <a:gd name="adj2" fmla="val 50000"/>
+            </a:avLst>
+          </a:prstGeom>
+          <a:noFill/>
+        </p:spPr>
+        <p:style>
+          <a:lnRef idx="2">
+            <a:schemeClr val="accent1">
+              <a:shade val="50000"/>
+            </a:schemeClr>
+          </a:lnRef>
+          <a:fillRef idx="1">
+            <a:schemeClr val="accent1"/>
+          </a:fillRef>
+          <a:effectRef idx="0">
+            <a:schemeClr val="accent1"/>
+          </a:effectRef>
+          <a:fontRef idx="minor">
+            <a:schemeClr val="lt1"/>
+          </a:fontRef>
+        </p:style>
+        <p:txBody>
+          <a:bodyPr anchor="ctr"/>
+          <a:lstStyle/>
+          <a:p>
+            <a:pPr lvl="0" algn="ctr">
+              <a:defRPr/>
+            </a:pPr>
+            <a:endParaRPr lang="ko-KR" altLang="en-US"/>
+          </a:p>
+        </p:txBody>
+      </p:sp>
+      <p:sp>
+        <p:nvSpPr>
+          <p:cNvPr id="53" name="아래쪽 화살표 52"/>
+          <p:cNvSpPr/>
+          <p:nvPr/>
+        </p:nvSpPr>
+        <p:spPr>
+          <a:xfrm>
+            <a:off x="7218374" y="1215353"/>
+            <a:ext cx="259559" cy="1611823"/>
+          </a:xfrm>
+          <a:prstGeom prst="downArrow">
+            <a:avLst>
+              <a:gd name="adj1" fmla="val 50000"/>
+              <a:gd name="adj2" fmla="val 50000"/>
+            </a:avLst>
+          </a:prstGeom>
+          <a:noFill/>
+        </p:spPr>
+        <p:style>
+          <a:lnRef idx="2">
+            <a:schemeClr val="accent1">
+              <a:shade val="50000"/>
+            </a:schemeClr>
+          </a:lnRef>
+          <a:fillRef idx="1">
+            <a:schemeClr val="accent1"/>
+          </a:fillRef>
+          <a:effectRef idx="0">
+            <a:schemeClr val="accent1"/>
+          </a:effectRef>
+          <a:fontRef idx="minor">
+            <a:schemeClr val="lt1"/>
+          </a:fontRef>
+        </p:style>
+        <p:txBody>
+          <a:bodyPr anchor="ctr"/>
+          <a:lstStyle/>
+          <a:p>
+            <a:pPr lvl="0" algn="ctr">
+              <a:defRPr/>
+            </a:pPr>
+            <a:endParaRPr lang="ko-KR" altLang="en-US"/>
+          </a:p>
+        </p:txBody>
+      </p:sp>
+      <p:cxnSp>
+        <p:nvCxnSpPr>
+          <p:cNvPr id="55" name="직선 화살표 연결선 54"/>
+          <p:cNvCxnSpPr>
+            <a:endCxn id="49" idx="3"/>
+          </p:cNvCxnSpPr>
+          <p:nvPr/>
+        </p:nvCxnSpPr>
+        <p:spPr>
+          <a:xfrm flipH="1" flipV="1">
+            <a:off x="7725070" y="3193868"/>
+            <a:ext cx="784448" cy="99838"/>
+          </a:xfrm>
+          <a:prstGeom prst="straightConnector1">
+            <a:avLst/>
+          </a:prstGeom>
+          <a:ln>
+            <a:solidFill>
+              <a:schemeClr val="tx1"/>
+            </a:solidFill>
+            <a:tailEnd type="triangle"/>
+          </a:ln>
+        </p:spPr>
+        <p:style>
+          <a:lnRef idx="1">
+            <a:schemeClr val="accent1"/>
+          </a:lnRef>
+          <a:fillRef idx="0">
+            <a:schemeClr val="accent1"/>
+          </a:fillRef>
+          <a:effectRef idx="0">
+            <a:schemeClr val="accent1"/>
+          </a:effectRef>
+          <a:fontRef idx="minor">
+            <a:schemeClr val="tx1"/>
+          </a:fontRef>
+        </p:style>
+      </p:cxnSp>
+      <p:sp>
+        <p:nvSpPr>
+          <p:cNvPr id="56" name="TextBox 55"/>
+          <p:cNvSpPr txBox="1"/>
+          <p:nvPr/>
+        </p:nvSpPr>
+        <p:spPr>
+          <a:xfrm>
+            <a:off x="8425542" y="3125755"/>
+            <a:ext cx="1483567" cy="369332"/>
+          </a:xfrm>
+          <a:prstGeom prst="rect">
+            <a:avLst/>
+          </a:prstGeom>
+          <a:noFill/>
+        </p:spPr>
+        <p:txBody>
+          <a:bodyPr wrap="square">
+            <a:spAutoFit/>
+          </a:bodyPr>
+          <a:lstStyle/>
+          <a:p>
+            <a:pPr lvl="0">
+              <a:defRPr/>
+            </a:pPr>
+            <a:r>
+              <a:rPr lang="en-US" altLang="ko-KR"/>
+              <a:t>DB</a:t>
+            </a:r>
+            <a:r>
+              <a:rPr lang="ko-KR" altLang="en-US"/>
+              <a:t>대체 자료</a:t>
+            </a:r>
+            <a:endParaRPr lang="ko-KR" altLang="en-US"/>
+          </a:p>
+        </p:txBody>
+      </p:sp>
+      <p:sp>
+        <p:nvSpPr>
+          <p:cNvPr id="59" name="TextBox 58"/>
+          <p:cNvSpPr txBox="1"/>
+          <p:nvPr/>
+        </p:nvSpPr>
+        <p:spPr>
+          <a:xfrm>
+            <a:off x="1807089" y="5141053"/>
+            <a:ext cx="891539" cy="276999"/>
+          </a:xfrm>
+          <a:prstGeom prst="rect">
+            <a:avLst/>
+          </a:prstGeom>
+          <a:noFill/>
+        </p:spPr>
+        <p:txBody>
+          <a:bodyPr wrap="square">
+            <a:spAutoFit/>
+          </a:bodyPr>
+          <a:lstStyle/>
+          <a:p>
+            <a:pPr lvl="0">
+              <a:defRPr/>
+            </a:pPr>
+            <a:r>
+              <a:rPr lang="en-US" altLang="ko-KR" sz="1200"/>
+              <a:t>testAge()</a:t>
+            </a:r>
+            <a:endParaRPr lang="ko-KR" altLang="en-US"/>
+          </a:p>
+        </p:txBody>
+      </p:sp>
+      <p:sp>
+        <p:nvSpPr>
+          <p:cNvPr id="60" name="TextBox 59"/>
+          <p:cNvSpPr txBox="1"/>
+          <p:nvPr/>
+        </p:nvSpPr>
+        <p:spPr>
+          <a:xfrm>
+            <a:off x="1297697" y="4053694"/>
+            <a:ext cx="918348" cy="452781"/>
+          </a:xfrm>
+          <a:prstGeom prst="rect">
+            <a:avLst/>
+          </a:prstGeom>
+          <a:noFill/>
+        </p:spPr>
+        <p:txBody>
+          <a:bodyPr wrap="square">
+            <a:spAutoFit/>
+          </a:bodyPr>
+          <a:lstStyle/>
+          <a:p>
+            <a:pPr lvl="0">
+              <a:defRPr/>
+            </a:pPr>
+            <a:r>
+              <a:rPr lang="en-US" altLang="ko-KR" sz="1200" i="1"/>
+              <a:t>login()</a:t>
+            </a:r>
+            <a:endParaRPr lang="en-US" altLang="ko-KR" sz="1200"/>
+          </a:p>
+          <a:p>
+            <a:pPr lvl="0">
+              <a:defRPr/>
+            </a:pPr>
+            <a:r>
+              <a:rPr lang="en-US" altLang="ko-KR" sz="1200"/>
+              <a:t>{//Users}</a:t>
+            </a:r>
+            <a:endParaRPr lang="en-US" altLang="ko-KR" sz="1200"/>
+          </a:p>
+        </p:txBody>
+      </p:sp>
+      <p:cxnSp>
+        <p:nvCxnSpPr>
+          <p:cNvPr id="72" name="꺾인 연결선 71"/>
+          <p:cNvCxnSpPr>
+            <a:stCxn id="59" idx="1"/>
+            <a:endCxn id="9" idx="1"/>
+          </p:cNvCxnSpPr>
+          <p:nvPr/>
+        </p:nvCxnSpPr>
+        <p:spPr>
+          <a:xfrm rot="10800000" flipH="1">
+            <a:off x="1807088" y="1604357"/>
+            <a:ext cx="3020527" cy="3675196"/>
+          </a:xfrm>
+          <a:prstGeom prst="bentConnector3">
+            <a:avLst>
+              <a:gd name="adj1" fmla="val -35370"/>
+            </a:avLst>
+          </a:prstGeom>
+          <a:ln>
+            <a:tailEnd type="triangle"/>
+          </a:ln>
+        </p:spPr>
+        <p:style>
+          <a:lnRef idx="1">
+            <a:schemeClr val="accent1"/>
+          </a:lnRef>
+          <a:fillRef idx="0">
+            <a:schemeClr val="accent1"/>
+          </a:fillRef>
+          <a:effectRef idx="0">
+            <a:schemeClr val="accent1"/>
+          </a:effectRef>
+          <a:fontRef idx="minor">
+            <a:schemeClr val="tx1"/>
+          </a:fontRef>
+        </p:style>
+      </p:cxnSp>
+      <p:sp>
+        <p:nvSpPr>
+          <p:cNvPr id="80" name="TextBox 79"/>
+          <p:cNvSpPr txBox="1"/>
+          <p:nvPr/>
+        </p:nvSpPr>
+        <p:spPr>
+          <a:xfrm>
+            <a:off x="1160348" y="2824535"/>
+            <a:ext cx="867113" cy="369332"/>
+          </a:xfrm>
+          <a:prstGeom prst="rect">
+            <a:avLst/>
+          </a:prstGeom>
+          <a:noFill/>
+        </p:spPr>
+        <p:txBody>
+          <a:bodyPr wrap="square">
+            <a:spAutoFit/>
+          </a:bodyPr>
+          <a:lstStyle/>
+          <a:p>
+            <a:pPr lvl="0">
+              <a:defRPr/>
+            </a:pPr>
+            <a:r>
+              <a:rPr lang="en-US" altLang="ko-KR"/>
+              <a:t>??</a:t>
+            </a:r>
+            <a:endParaRPr lang="ko-KR" altLang="en-US"/>
+          </a:p>
+        </p:txBody>
+      </p:sp>
+      <p:cxnSp>
+        <p:nvCxnSpPr>
+          <p:cNvPr id="82" name="직선 화살표 연결선 81"/>
+          <p:cNvCxnSpPr/>
+          <p:nvPr/>
+        </p:nvCxnSpPr>
+        <p:spPr>
+          <a:xfrm>
+            <a:off x="3610947" y="615820"/>
+            <a:ext cx="1216668" cy="802433"/>
+          </a:xfrm>
+          <a:prstGeom prst="straightConnector1">
+            <a:avLst/>
+          </a:prstGeom>
+          <a:ln>
+            <a:solidFill>
+              <a:schemeClr val="tx1"/>
+            </a:solidFill>
+            <a:tailEnd type="triangle"/>
+          </a:ln>
+        </p:spPr>
+        <p:style>
+          <a:lnRef idx="1">
+            <a:schemeClr val="accent1"/>
+          </a:lnRef>
+          <a:fillRef idx="0">
+            <a:schemeClr val="accent1"/>
+          </a:fillRef>
+          <a:effectRef idx="0">
+            <a:schemeClr val="accent1"/>
+          </a:effectRef>
+          <a:fontRef idx="minor">
+            <a:schemeClr val="tx1"/>
+          </a:fontRef>
+        </p:style>
+      </p:cxnSp>
+      <p:sp>
+        <p:nvSpPr>
+          <p:cNvPr id="83" name="TextBox 82"/>
+          <p:cNvSpPr txBox="1"/>
+          <p:nvPr/>
+        </p:nvSpPr>
+        <p:spPr>
+          <a:xfrm>
+            <a:off x="2793076" y="190708"/>
+            <a:ext cx="1512918" cy="1384995"/>
+          </a:xfrm>
+          <a:prstGeom prst="rect">
+            <a:avLst/>
+          </a:prstGeom>
+          <a:noFill/>
+        </p:spPr>
+        <p:txBody>
+          <a:bodyPr wrap="square">
+            <a:spAutoFit/>
+          </a:bodyPr>
+          <a:lstStyle/>
+          <a:p>
+            <a:pPr lvl="0">
+              <a:defRPr/>
+            </a:pPr>
+            <a:r>
+              <a:rPr lang="en-US" altLang="ko-KR" sz="1400"/>
+              <a:t>ssn</a:t>
+            </a:r>
+            <a:endParaRPr lang="en-US" altLang="ko-KR" sz="1400"/>
+          </a:p>
+          <a:p>
+            <a:pPr lvl="0">
+              <a:defRPr/>
+            </a:pPr>
+            <a:r>
+              <a:rPr lang="en-US" altLang="ko-KR" sz="1400"/>
+              <a:t>&gt;</a:t>
+            </a:r>
+            <a:r>
+              <a:rPr lang="ko-KR" altLang="en-US" sz="1400"/>
+              <a:t>유효성</a:t>
+            </a:r>
+            <a:endParaRPr lang="ko-KR" altLang="en-US" sz="1400"/>
+          </a:p>
+          <a:p>
+            <a:pPr lvl="0">
+              <a:defRPr/>
+            </a:pPr>
+            <a:r>
+              <a:rPr lang="en-US" altLang="ko-KR" sz="1400"/>
+              <a:t>&gt;</a:t>
+            </a:r>
+            <a:r>
+              <a:rPr lang="ko-KR" altLang="en-US" sz="1400"/>
+              <a:t>성인여부</a:t>
+            </a:r>
+            <a:endParaRPr lang="ko-KR" altLang="en-US" sz="1400"/>
+          </a:p>
+          <a:p>
+            <a:pPr lvl="0">
+              <a:defRPr/>
+            </a:pPr>
+            <a:r>
+              <a:rPr lang="ko-KR" altLang="en-US" sz="1400"/>
+              <a:t>핸드폰 유효성</a:t>
+            </a:r>
+            <a:endParaRPr lang="ko-KR" altLang="en-US" sz="1400"/>
+          </a:p>
+          <a:p>
+            <a:pPr lvl="0">
+              <a:defRPr/>
+            </a:pPr>
+            <a:r>
+              <a:rPr lang="ko-KR" altLang="en-US" sz="1400"/>
+              <a:t>회원가입</a:t>
+            </a:r>
+            <a:endParaRPr lang="ko-KR" altLang="en-US" sz="1400"/>
+          </a:p>
+          <a:p>
+            <a:pPr lvl="0">
+              <a:defRPr/>
+            </a:pPr>
+            <a:r>
+              <a:rPr lang="ko-KR" altLang="en-US" sz="1400"/>
+              <a:t>로그아웃</a:t>
+            </a:r>
+            <a:endParaRPr lang="ko-KR" altLang="en-US" sz="1400"/>
+          </a:p>
+        </p:txBody>
+      </p:sp>
+      <p:cxnSp>
+        <p:nvCxnSpPr>
+          <p:cNvPr id="85" name="꺾인 연결선 84"/>
+          <p:cNvCxnSpPr>
+            <a:stCxn id="60" idx="1"/>
+          </p:cNvCxnSpPr>
+          <p:nvPr/>
+        </p:nvCxnSpPr>
+        <p:spPr>
+          <a:xfrm rot="10800000" flipH="1">
+            <a:off x="1297697" y="1783394"/>
+            <a:ext cx="3503984" cy="2496690"/>
+          </a:xfrm>
+          <a:prstGeom prst="bentConnector3">
+            <a:avLst>
+              <a:gd name="adj1" fmla="val -4017"/>
+            </a:avLst>
+          </a:prstGeom>
+          <a:ln>
+            <a:solidFill>
+              <a:schemeClr val="accent1">
+                <a:alpha val="27000"/>
+              </a:schemeClr>
+            </a:solidFill>
+          </a:ln>
+        </p:spPr>
+        <p:style>
+          <a:lnRef idx="1">
+            <a:schemeClr val="accent1"/>
+          </a:lnRef>
+          <a:fillRef idx="0">
+            <a:schemeClr val="accent1"/>
+          </a:fillRef>
+          <a:effectRef idx="0">
+            <a:schemeClr val="accent1"/>
+          </a:effectRef>
+          <a:fontRef idx="minor">
+            <a:schemeClr val="tx1"/>
+          </a:fontRef>
+        </p:style>
+      </p:cxnSp>
+      <p:sp>
+        <p:nvSpPr>
+          <p:cNvPr id="97" name="TextBox 96"/>
+          <p:cNvSpPr txBox="1"/>
+          <p:nvPr/>
+        </p:nvSpPr>
+        <p:spPr>
+          <a:xfrm>
+            <a:off x="780079" y="1114038"/>
+            <a:ext cx="989045" cy="461665"/>
+          </a:xfrm>
+          <a:prstGeom prst="rect">
+            <a:avLst/>
+          </a:prstGeom>
+          <a:noFill/>
+        </p:spPr>
+        <p:txBody>
+          <a:bodyPr wrap="square">
+            <a:spAutoFit/>
+          </a:bodyPr>
+          <a:lstStyle/>
+          <a:p>
+            <a:pPr lvl="0">
+              <a:defRPr/>
+            </a:pPr>
+            <a:r>
+              <a:rPr lang="en-US" altLang="ko-KR" sz="1200"/>
+              <a:t>ssnAva()</a:t>
+            </a:r>
+            <a:endParaRPr lang="en-US" altLang="ko-KR" sz="1200"/>
+          </a:p>
+          <a:p>
+            <a:pPr lvl="0">
+              <a:defRPr/>
+            </a:pPr>
+            <a:r>
+              <a:rPr lang="en-US" altLang="ko-KR" sz="1200"/>
+              <a:t>ssnAdult()</a:t>
+            </a:r>
+            <a:endParaRPr lang="ko-KR" altLang="en-US" sz="1200"/>
+          </a:p>
+        </p:txBody>
+      </p:sp>
+      <p:sp>
+        <p:nvSpPr>
+          <p:cNvPr id="98" name="직사각형 97"/>
+          <p:cNvSpPr/>
+          <p:nvPr/>
+        </p:nvSpPr>
+        <p:spPr>
+          <a:xfrm>
+            <a:off x="9806473" y="475861"/>
+            <a:ext cx="1866123" cy="2348674"/>
+          </a:xfrm>
+          <a:prstGeom prst="rect">
+            <a:avLst/>
+          </a:prstGeom>
+          <a:noFill/>
+        </p:spPr>
+        <p:style>
+          <a:lnRef idx="2">
+            <a:schemeClr val="accent1">
+              <a:shade val="50000"/>
+            </a:schemeClr>
+          </a:lnRef>
+          <a:fillRef idx="1">
+            <a:schemeClr val="accent1"/>
+          </a:fillRef>
+          <a:effectRef idx="0">
+            <a:schemeClr val="accent1"/>
+          </a:effectRef>
+          <a:fontRef idx="minor">
+            <a:schemeClr val="lt1"/>
+          </a:fontRef>
+        </p:style>
+        <p:txBody>
+          <a:bodyPr anchor="ctr"/>
+          <a:lstStyle/>
+          <a:p>
+            <a:pPr lvl="0" algn="ctr">
+              <a:defRPr/>
+            </a:pPr>
+            <a:endParaRPr lang="ko-KR" altLang="en-US"/>
+          </a:p>
+        </p:txBody>
+      </p:sp>
+      <p:sp>
+        <p:nvSpPr>
+          <p:cNvPr id="99" name="TextBox 98"/>
+          <p:cNvSpPr txBox="1"/>
+          <p:nvPr/>
+        </p:nvSpPr>
+        <p:spPr>
+          <a:xfrm>
+            <a:off x="9797143" y="190708"/>
+            <a:ext cx="1492898" cy="369332"/>
+          </a:xfrm>
+          <a:prstGeom prst="rect">
+            <a:avLst/>
+          </a:prstGeom>
+          <a:noFill/>
+        </p:spPr>
+        <p:txBody>
+          <a:bodyPr wrap="square">
+            <a:spAutoFit/>
+          </a:bodyPr>
+          <a:lstStyle/>
+          <a:p>
+            <a:pPr lvl="0">
+              <a:defRPr/>
+            </a:pPr>
+            <a:r>
+              <a:rPr lang="en-US" altLang="ko-KR"/>
+              <a:t>source</a:t>
+            </a:r>
+            <a:endParaRPr lang="ko-KR" altLang="en-US"/>
+          </a:p>
+        </p:txBody>
+      </p:sp>
+      <p:cxnSp>
+        <p:nvCxnSpPr>
+          <p:cNvPr id="107" name="꺾인 연결선 106"/>
+          <p:cNvCxnSpPr>
+            <a:stCxn id="35" idx="2"/>
+            <a:endCxn id="26" idx="2"/>
+          </p:cNvCxnSpPr>
+          <p:nvPr/>
+        </p:nvCxnSpPr>
+        <p:spPr>
+          <a:xfrm rot="5400000">
+            <a:off x="5141168" y="3499910"/>
+            <a:ext cx="1" cy="4322110"/>
+          </a:xfrm>
+          <a:prstGeom prst="bentConnector3">
+            <a:avLst>
+              <a:gd name="adj1" fmla="val 22860100000"/>
+            </a:avLst>
+          </a:prstGeom>
+          <a:ln>
+            <a:solidFill>
+              <a:srgbClr val="c00000"/>
+            </a:solidFill>
+            <a:tailEnd type="triangle"/>
+          </a:ln>
+        </p:spPr>
+        <p:style>
+          <a:lnRef idx="1">
+            <a:schemeClr val="accent1"/>
+          </a:lnRef>
+          <a:fillRef idx="0">
+            <a:schemeClr val="accent1"/>
+          </a:fillRef>
+          <a:effectRef idx="0">
+            <a:schemeClr val="accent1"/>
+          </a:effectRef>
+          <a:fontRef idx="minor">
+            <a:schemeClr val="tx1"/>
+          </a:fontRef>
+        </p:style>
+      </p:cxnSp>
+      <p:sp>
+        <p:nvSpPr>
+          <p:cNvPr id="108" name="가로 글상자 107"/>
+          <p:cNvSpPr txBox="1"/>
+          <p:nvPr/>
+        </p:nvSpPr>
+        <p:spPr>
+          <a:xfrm>
+            <a:off x="4887404" y="5617054"/>
+            <a:ext cx="979457" cy="270905"/>
+          </a:xfrm>
+          <a:prstGeom prst="rect">
+            <a:avLst/>
+          </a:prstGeom>
+        </p:spPr>
+        <p:txBody>
+          <a:bodyPr wrap="square">
+            <a:spAutoFit/>
+          </a:bodyPr>
+          <a:p>
+            <a:pPr lvl="0">
+              <a:defRPr/>
+            </a:pPr>
+            <a:r>
+              <a:rPr lang="en-US" altLang="en-US" sz="1200" i="1"/>
+              <a:t>payPoint()</a:t>
+            </a:r>
+            <a:endParaRPr lang="en-US" altLang="en-US" sz="1200" i="1"/>
+          </a:p>
+        </p:txBody>
+      </p:sp>
+      <p:sp>
+        <p:nvSpPr>
+          <p:cNvPr id="109" name="가로 글상자 108"/>
+          <p:cNvSpPr txBox="1"/>
+          <p:nvPr/>
+        </p:nvSpPr>
+        <p:spPr>
+          <a:xfrm>
+            <a:off x="9560044" y="4278162"/>
+            <a:ext cx="1249033" cy="358608"/>
+          </a:xfrm>
+          <a:prstGeom prst="rect">
+            <a:avLst/>
+          </a:prstGeom>
+        </p:spPr>
+        <p:txBody>
+          <a:bodyPr wrap="square">
+            <a:spAutoFit/>
+          </a:bodyPr>
+          <a:p>
+            <a:pPr lvl="0">
+              <a:defRPr/>
+            </a:pPr>
+            <a:r>
+              <a:rPr lang="en-US" altLang="en-US" i="1"/>
+              <a:t>memList</a:t>
+            </a:r>
+            <a:endParaRPr lang="en-US" altLang="en-US" i="1"/>
+          </a:p>
+        </p:txBody>
+      </p:sp>
+      <p:sp>
+        <p:nvSpPr>
+          <p:cNvPr id="110" name="가로 글상자 109"/>
+          <p:cNvSpPr txBox="1"/>
+          <p:nvPr/>
+        </p:nvSpPr>
+        <p:spPr>
+          <a:xfrm>
+            <a:off x="9560044" y="4889200"/>
+            <a:ext cx="1249033" cy="366695"/>
+          </a:xfrm>
+          <a:prstGeom prst="rect">
+            <a:avLst/>
+          </a:prstGeom>
+        </p:spPr>
+        <p:txBody>
+          <a:bodyPr wrap="square">
+            <a:spAutoFit/>
+          </a:bodyPr>
+          <a:p>
+            <a:pPr lvl="0">
+              <a:defRPr/>
+            </a:pPr>
+            <a:r>
+              <a:rPr lang="en-US" altLang="en-US" u="sng"/>
+              <a:t>pdList</a:t>
+            </a:r>
+            <a:endParaRPr lang="en-US" altLang="en-US" u="sng"/>
+          </a:p>
+        </p:txBody>
+      </p:sp>
+      <p:sp>
+        <p:nvSpPr>
+          <p:cNvPr id="111" name="가로 글상자 110"/>
+          <p:cNvSpPr txBox="1"/>
+          <p:nvPr/>
+        </p:nvSpPr>
+        <p:spPr>
+          <a:xfrm>
+            <a:off x="4869433" y="1070214"/>
+            <a:ext cx="979457" cy="270905"/>
+          </a:xfrm>
+          <a:prstGeom prst="rect">
+            <a:avLst/>
+          </a:prstGeom>
+        </p:spPr>
+        <p:txBody>
+          <a:bodyPr wrap="square">
+            <a:spAutoFit/>
+          </a:bodyPr>
+          <a:p>
+            <a:pPr lvl="0">
+              <a:defRPr/>
+            </a:pPr>
+            <a:r>
+              <a:rPr lang="en-US" altLang="en-US" sz="1200" i="1"/>
+              <a:t>join()</a:t>
+            </a:r>
+            <a:endParaRPr lang="en-US" altLang="en-US" sz="1200" i="1"/>
+          </a:p>
+        </p:txBody>
+      </p:sp>
+      <p:sp>
+        <p:nvSpPr>
+          <p:cNvPr id="112" name="TextBox 58"/>
+          <p:cNvSpPr txBox="1"/>
+          <p:nvPr/>
+        </p:nvSpPr>
+        <p:spPr>
+          <a:xfrm>
+            <a:off x="1366782" y="3721288"/>
+            <a:ext cx="1188072" cy="269219"/>
+          </a:xfrm>
+          <a:prstGeom prst="rect">
+            <a:avLst/>
+          </a:prstGeom>
+          <a:noFill/>
+        </p:spPr>
+        <p:txBody>
+          <a:bodyPr wrap="square">
+            <a:spAutoFit/>
+          </a:bodyPr>
+          <a:lstStyle/>
+          <a:p>
+            <a:pPr lvl="0">
+              <a:defRPr/>
+            </a:pPr>
+            <a:r>
+              <a:rPr lang="en-US" altLang="ko-KR" sz="1200" i="1"/>
+              <a:t>payCharge()</a:t>
+            </a:r>
+            <a:endParaRPr lang="en-US" altLang="ko-KR" sz="1200" i="1"/>
+          </a:p>
+        </p:txBody>
+      </p:sp>
+      <p:sp>
+        <p:nvSpPr>
+          <p:cNvPr id="113" name="TextBox 58"/>
+          <p:cNvSpPr txBox="1"/>
+          <p:nvPr/>
+        </p:nvSpPr>
+        <p:spPr>
+          <a:xfrm>
+            <a:off x="1357796" y="3572773"/>
+            <a:ext cx="1430690" cy="264795"/>
+          </a:xfrm>
+          <a:prstGeom prst="rect">
+            <a:avLst/>
+          </a:prstGeom>
+          <a:noFill/>
+        </p:spPr>
+        <p:txBody>
+          <a:bodyPr wrap="square">
+            <a:spAutoFit/>
+          </a:bodyPr>
+          <a:lstStyle/>
+          <a:p>
+            <a:pPr lvl="0">
+              <a:defRPr/>
+            </a:pPr>
+            <a:r>
+              <a:rPr lang="en-US" altLang="ko-KR" sz="1200" i="1"/>
+              <a:t>payChargedisp()</a:t>
+            </a:r>
+            <a:endParaRPr lang="en-US" altLang="ko-KR" sz="1200" i="1"/>
+          </a:p>
+        </p:txBody>
+      </p:sp>
+      <p:sp>
+        <p:nvSpPr>
+          <p:cNvPr id="114" name="가로 글상자 113"/>
+          <p:cNvSpPr txBox="1"/>
+          <p:nvPr/>
+        </p:nvSpPr>
+        <p:spPr>
+          <a:xfrm>
+            <a:off x="4734645" y="4466866"/>
+            <a:ext cx="979457" cy="270905"/>
+          </a:xfrm>
+          <a:prstGeom prst="rect">
+            <a:avLst/>
+          </a:prstGeom>
+        </p:spPr>
+        <p:txBody>
+          <a:bodyPr wrap="square">
+            <a:spAutoFit/>
+          </a:bodyPr>
+          <a:p>
+            <a:pPr lvl="0">
+              <a:defRPr/>
+            </a:pPr>
+            <a:r>
+              <a:rPr lang="en-US" altLang="en-US" sz="1200" i="0" u="sng"/>
+              <a:t>stockMg()</a:t>
+            </a:r>
+            <a:endParaRPr lang="en-US" altLang="en-US" sz="1200" i="0" u="sng"/>
+          </a:p>
+        </p:txBody>
+      </p:sp>
+      <p:sp>
+        <p:nvSpPr>
+          <p:cNvPr id="115" name="가로 글상자 114"/>
+          <p:cNvSpPr txBox="1"/>
+          <p:nvPr/>
+        </p:nvSpPr>
+        <p:spPr>
+          <a:xfrm>
+            <a:off x="4887404" y="5787786"/>
+            <a:ext cx="1208596" cy="268209"/>
+          </a:xfrm>
+          <a:prstGeom prst="rect">
+            <a:avLst/>
+          </a:prstGeom>
+        </p:spPr>
+        <p:txBody>
+          <a:bodyPr wrap="square">
+            <a:spAutoFit/>
+          </a:bodyPr>
+          <a:p>
+            <a:pPr lvl="0">
+              <a:defRPr/>
+            </a:pPr>
+            <a:r>
+              <a:rPr lang="en-US" altLang="en-US" sz="1200" i="0" u="sng"/>
+              <a:t>calCateTot()</a:t>
+            </a:r>
+            <a:endParaRPr lang="en-US" altLang="en-US" sz="1200" i="0" u="sng"/>
+          </a:p>
+        </p:txBody>
+      </p:sp>
+      <p:sp>
+        <p:nvSpPr>
+          <p:cNvPr id="116" name="가로 글상자 115"/>
+          <p:cNvSpPr txBox="1"/>
+          <p:nvPr/>
+        </p:nvSpPr>
+        <p:spPr>
+          <a:xfrm>
+            <a:off x="2110775" y="5599082"/>
+            <a:ext cx="1208596" cy="270727"/>
+          </a:xfrm>
+          <a:prstGeom prst="rect">
+            <a:avLst/>
+          </a:prstGeom>
+        </p:spPr>
+        <p:txBody>
+          <a:bodyPr wrap="square">
+            <a:spAutoFit/>
+          </a:bodyPr>
+          <a:p>
+            <a:pPr lvl="0">
+              <a:defRPr/>
+            </a:pPr>
+            <a:r>
+              <a:rPr lang="en-US" altLang="en-US" sz="1200" i="0" u="sng"/>
+              <a:t>menuBuy()</a:t>
+            </a:r>
+            <a:endParaRPr lang="en-US" altLang="en-US" sz="1200" i="0" u="sng"/>
+          </a:p>
+        </p:txBody>
+      </p:sp>
+    </p:spTree>
+  </p:cSld>
+  <p:clrMapOvr>
+    <a:masterClrMapping/>
+  </p:clrMapOvr>
+  <mc:AlternateContent xmlns:mc="http://schemas.openxmlformats.org/markup-compatibility/2006">
+    <mc:Choice xmlns:p14="http://schemas.microsoft.com/office/powerpoint/2010/main" Requires="p14">
+      <p:transition xmlns:mc="http://schemas.openxmlformats.org/markup-compatibility/2006" xmlns:p14="http://schemas.microsoft.com/office/powerpoint/2010/main" mc:Ignorable="p14" p14:dur="500"/>
+    </mc:Choice>
+    <mc:Fallback>
+      <p:transition/>
+    </mc:Fallback>
+  </mc:AlternateContent>
 </p:sld>
 </file>
 
 <file path=ppt/theme/theme1.xml><?xml version="1.0" encoding="utf-8"?>
-<a:theme xmlns:a="http://schemas.openxmlformats.org/drawingml/2006/main" name="Office 테마">
+<a:theme xmlns:r="http://schemas.openxmlformats.org/officeDocument/2006/relationships" xmlns:c="http://schemas.openxmlformats.org/drawingml/2006/chart" xmlns:dgm="http://schemas.openxmlformats.org/drawingml/2006/diagram" xmlns:dsp="http://schemas.microsoft.com/office/drawing/2008/diagram" xmlns:a="http://schemas.openxmlformats.org/drawingml/2006/main" xmlns:pic="http://schemas.openxmlformats.org/drawingml/2006/picture" xmlns:wp="http://schemas.openxmlformats.org/drawingml/2006/wordprocessingDrawing" xmlns:xdr="http://schemas.openxmlformats.org/drawingml/2006/spreadsheetDrawing" xmlns:lc="http://schemas.openxmlformats.org/drawingml/2006/lockedCanvas" xmlns:p="http://schemas.openxmlformats.org/presentationml/2006/main" name="Office 테마">
   <a:themeElements>
     <a:clrScheme name="Office">
       <a:dk1>
         <a:sysClr val="windowText" lastClr="000000"/>
       </a:dk1>
       <a:lt1>
-        <a:sysClr val="window" lastClr="FFFFFF"/>
+        <a:sysClr val="window" lastClr="ffffff"/>
       </a:lt1>
       <a:dk2>
-        <a:srgbClr val="44546A"/>
+        <a:srgbClr val="44546a"/>
       </a:dk2>
       <a:lt2>
-        <a:srgbClr val="E7E6E6"/>
+        <a:srgbClr val="e7e6e6"/>
       </a:lt2>
       <a:accent1>
-        <a:srgbClr val="5B9BD5"/>
+        <a:srgbClr val="5b9bd5"/>
       </a:accent1>
       <a:accent2>
-        <a:srgbClr val="ED7D31"/>
+        <a:srgbClr val="ed7d31"/>
       </a:accent2>
       <a:accent3>
-        <a:srgbClr val="A5A5A5"/>
+        <a:srgbClr val="a5a5a5"/>
       </a:accent3>
       <a:accent4>
-        <a:srgbClr val="FFC000"/>
+        <a:srgbClr val="ffc000"/>
       </a:accent4>
       <a:accent5>
-        <a:srgbClr val="4472C4"/>
+        <a:srgbClr val="4472c4"/>
       </a:accent5>
       <a:accent6>
-        <a:srgbClr val="70AD47"/>
+        <a:srgbClr val="70ad47"/>
       </a:accent6>
       <a:hlink>
-        <a:srgbClr val="0563C1"/>
+        <a:srgbClr val="0563c1"/>
       </a:hlink>
       <a:folHlink>
-        <a:srgbClr val="954F72"/>
+        <a:srgbClr val="954f72"/>
       </a:folHlink>
     </a:clrScheme>
     <a:fontScheme name="Office">
@@ -6336,7 +8532,7 @@
         <a:latin typeface="맑은 고딕" panose="020F0302020204030204"/>
         <a:ea typeface=""/>
         <a:cs typeface=""/>
-        <a:font script="Jpan" typeface="游ゴシック Light"/>
+        <a:font script="Jpan" typeface="Yu Gothic Light"/>
         <a:font script="Hang" typeface="맑은 고딕"/>
         <a:font script="Hans" typeface="等线 Light"/>
         <a:font script="Hant" typeface="新細明體"/>
@@ -6371,7 +8567,7 @@
         <a:latin typeface="맑은 고딕" panose="020F0502020204030204"/>
         <a:ea typeface=""/>
         <a:cs typeface=""/>
-        <a:font script="Jpan" typeface="游ゴシック"/>
+        <a:font script="Jpan" typeface="Yu Gothic"/>
         <a:font script="Hang" typeface="맑은 고딕"/>
         <a:font script="Hans" typeface="等线"/>
         <a:font script="Hant" typeface="新細明體"/>
@@ -6467,21 +8663,21 @@
             <a:schemeClr val="phClr"/>
           </a:solidFill>
           <a:prstDash val="solid"/>
-          <a:miter lim="800000"/>
+          <a:miter/>
         </a:ln>
         <a:ln w="12700" cap="flat" cmpd="sng" algn="ctr">
           <a:solidFill>
             <a:schemeClr val="phClr"/>
           </a:solidFill>
           <a:prstDash val="solid"/>
-          <a:miter lim="800000"/>
+          <a:miter/>
         </a:ln>
         <a:ln w="19050" cap="flat" cmpd="sng" algn="ctr">
           <a:solidFill>
             <a:schemeClr val="phClr"/>
           </a:solidFill>
           <a:prstDash val="solid"/>
-          <a:miter lim="800000"/>
+          <a:miter/>
         </a:ln>
       </a:lnStyleLst>
       <a:effectStyleLst>
@@ -6541,12 +8737,5 @@
       </a:bgFillStyleLst>
     </a:fmtScheme>
   </a:themeElements>
-  <a:objectDefaults/>
-  <a:extraClrSchemeLst/>
-  <a:extLst>
-    <a:ext uri="{05A4C25C-085E-4340-85A3-A5531E510DB2}">
-      <thm15:themeFamily xmlns:thm15="http://schemas.microsoft.com/office/thememl/2012/main" name="Office Theme" id="{62F939B6-93AF-4DB8-9C6B-D6C7DFDC589F}" vid="{4A3C46E8-61CC-4603-A589-7422A47A8E4A}"/>
-    </a:ext>
-  </a:extLst>
 </a:theme>
 </file>